--- a/docs/Fund Time.pptx
+++ b/docs/Fund Time.pptx
@@ -5,23 +5,25 @@
     <p:sldMasterId id="2147483648" r:id="rId4"/>
   </p:sldMasterIdLst>
   <p:notesMasterIdLst>
-    <p:notesMasterId r:id="rId16"/>
+    <p:notesMasterId r:id="rId18"/>
   </p:notesMasterIdLst>
   <p:handoutMasterIdLst>
-    <p:handoutMasterId r:id="rId17"/>
+    <p:handoutMasterId r:id="rId19"/>
   </p:handoutMasterIdLst>
   <p:sldIdLst>
     <p:sldId id="266" r:id="rId5"/>
-    <p:sldId id="273" r:id="rId6"/>
-    <p:sldId id="256" r:id="rId7"/>
-    <p:sldId id="259" r:id="rId8"/>
-    <p:sldId id="257" r:id="rId9"/>
-    <p:sldId id="258" r:id="rId10"/>
-    <p:sldId id="260" r:id="rId11"/>
-    <p:sldId id="270" r:id="rId12"/>
-    <p:sldId id="262" r:id="rId13"/>
-    <p:sldId id="271" r:id="rId14"/>
-    <p:sldId id="269" r:id="rId15"/>
+    <p:sldId id="278" r:id="rId6"/>
+    <p:sldId id="273" r:id="rId7"/>
+    <p:sldId id="256" r:id="rId8"/>
+    <p:sldId id="274" r:id="rId9"/>
+    <p:sldId id="275" r:id="rId10"/>
+    <p:sldId id="276" r:id="rId11"/>
+    <p:sldId id="259" r:id="rId12"/>
+    <p:sldId id="257" r:id="rId13"/>
+    <p:sldId id="277" r:id="rId14"/>
+    <p:sldId id="279" r:id="rId15"/>
+    <p:sldId id="269" r:id="rId16"/>
+    <p:sldId id="271" r:id="rId17"/>
   </p:sldIdLst>
   <p:sldSz cx="12192000" cy="6858000"/>
   <p:notesSz cx="6858000" cy="9144000"/>
@@ -140,822 +142,6 @@
     </p:ext>
   </p:extLst>
 </p:presentation>
-</file>
-
-<file path=ppt/charts/chart1.xml><?xml version="1.0" encoding="utf-8"?>
-<c:chartSpace xmlns:c="http://schemas.openxmlformats.org/drawingml/2006/chart" xmlns:a="http://schemas.openxmlformats.org/drawingml/2006/main" xmlns:r="http://schemas.openxmlformats.org/officeDocument/2006/relationships" xmlns:c16r2="http://schemas.microsoft.com/office/drawing/2015/06/chart">
-  <c:date1904 val="0"/>
-  <c:lang val="nl-NL"/>
-  <c:roundedCorners val="0"/>
-  <mc:AlternateContent xmlns:mc="http://schemas.openxmlformats.org/markup-compatibility/2006">
-    <mc:Choice xmlns:c14="http://schemas.microsoft.com/office/drawing/2007/8/2/chart" Requires="c14">
-      <c14:style val="102"/>
-    </mc:Choice>
-    <mc:Fallback>
-      <c:style val="2"/>
-    </mc:Fallback>
-  </mc:AlternateContent>
-  <c:chart>
-    <c:autoTitleDeleted val="1"/>
-    <c:plotArea>
-      <c:layout/>
-      <c:doughnutChart>
-        <c:varyColors val="1"/>
-        <c:ser>
-          <c:idx val="0"/>
-          <c:order val="0"/>
-          <c:tx>
-            <c:strRef>
-              <c:f>Sheet1!$B$1</c:f>
-              <c:strCache>
-                <c:ptCount val="1"/>
-                <c:pt idx="0">
-                  <c:v>Verkoop</c:v>
-                </c:pt>
-              </c:strCache>
-            </c:strRef>
-          </c:tx>
-          <c:spPr>
-            <a:ln>
-              <a:noFill/>
-            </a:ln>
-          </c:spPr>
-          <c:dPt>
-            <c:idx val="0"/>
-            <c:bubble3D val="0"/>
-            <c:spPr>
-              <a:solidFill>
-                <a:schemeClr val="accent1"/>
-              </a:solidFill>
-              <a:ln w="19050">
-                <a:noFill/>
-              </a:ln>
-              <a:effectLst/>
-            </c:spPr>
-            <c:extLst>
-              <c:ext xmlns:c16="http://schemas.microsoft.com/office/drawing/2014/chart" uri="{C3380CC4-5D6E-409C-BE32-E72D297353CC}">
-                <c16:uniqueId val="{00000001-7D8C-473F-91FD-A876418816A2}"/>
-              </c:ext>
-            </c:extLst>
-          </c:dPt>
-          <c:dPt>
-            <c:idx val="1"/>
-            <c:bubble3D val="0"/>
-            <c:spPr>
-              <a:solidFill>
-                <a:schemeClr val="accent1">
-                  <a:alpha val="50000"/>
-                </a:schemeClr>
-              </a:solidFill>
-              <a:ln w="19050">
-                <a:noFill/>
-              </a:ln>
-              <a:effectLst/>
-            </c:spPr>
-            <c:extLst>
-              <c:ext xmlns:c16="http://schemas.microsoft.com/office/drawing/2014/chart" uri="{C3380CC4-5D6E-409C-BE32-E72D297353CC}">
-                <c16:uniqueId val="{00000001-3E0A-4A49-A520-6FB0B0F00448}"/>
-              </c:ext>
-            </c:extLst>
-          </c:dPt>
-          <c:dPt>
-            <c:idx val="2"/>
-            <c:bubble3D val="0"/>
-            <c:spPr>
-              <a:solidFill>
-                <a:schemeClr val="accent3"/>
-              </a:solidFill>
-              <a:ln w="19050">
-                <a:noFill/>
-              </a:ln>
-              <a:effectLst/>
-            </c:spPr>
-            <c:extLst>
-              <c:ext xmlns:c16="http://schemas.microsoft.com/office/drawing/2014/chart" uri="{C3380CC4-5D6E-409C-BE32-E72D297353CC}">
-                <c16:uniqueId val="{00000005-7D8C-473F-91FD-A876418816A2}"/>
-              </c:ext>
-            </c:extLst>
-          </c:dPt>
-          <c:dPt>
-            <c:idx val="3"/>
-            <c:bubble3D val="0"/>
-            <c:spPr>
-              <a:solidFill>
-                <a:schemeClr val="accent4"/>
-              </a:solidFill>
-              <a:ln w="19050">
-                <a:noFill/>
-              </a:ln>
-              <a:effectLst/>
-            </c:spPr>
-            <c:extLst>
-              <c:ext xmlns:c16="http://schemas.microsoft.com/office/drawing/2014/chart" uri="{C3380CC4-5D6E-409C-BE32-E72D297353CC}">
-                <c16:uniqueId val="{00000002-3E0A-4A49-A520-6FB0B0F00448}"/>
-              </c:ext>
-            </c:extLst>
-          </c:dPt>
-          <c:dPt>
-            <c:idx val="4"/>
-            <c:bubble3D val="0"/>
-            <c:spPr>
-              <a:solidFill>
-                <a:schemeClr val="accent2"/>
-              </a:solidFill>
-              <a:ln w="19050">
-                <a:noFill/>
-              </a:ln>
-              <a:effectLst/>
-            </c:spPr>
-            <c:extLst>
-              <c:ext xmlns:c16="http://schemas.microsoft.com/office/drawing/2014/chart" uri="{C3380CC4-5D6E-409C-BE32-E72D297353CC}">
-                <c16:uniqueId val="{00000003-3E0A-4A49-A520-6FB0B0F00448}"/>
-              </c:ext>
-            </c:extLst>
-          </c:dPt>
-          <c:dPt>
-            <c:idx val="5"/>
-            <c:bubble3D val="0"/>
-            <c:spPr>
-              <a:solidFill>
-                <a:schemeClr val="accent2">
-                  <a:alpha val="50000"/>
-                </a:schemeClr>
-              </a:solidFill>
-              <a:ln w="19050">
-                <a:noFill/>
-              </a:ln>
-              <a:effectLst/>
-            </c:spPr>
-            <c:extLst>
-              <c:ext xmlns:c16="http://schemas.microsoft.com/office/drawing/2014/chart" uri="{C3380CC4-5D6E-409C-BE32-E72D297353CC}">
-                <c16:uniqueId val="{00000004-3E0A-4A49-A520-6FB0B0F00448}"/>
-              </c:ext>
-            </c:extLst>
-          </c:dPt>
-          <c:cat>
-            <c:strRef>
-              <c:f>Sheet1!$A$2:$A$7</c:f>
-              <c:strCache>
-                <c:ptCount val="4"/>
-                <c:pt idx="0">
-                  <c:v>1e kw.</c:v>
-                </c:pt>
-                <c:pt idx="1">
-                  <c:v>2e kw.</c:v>
-                </c:pt>
-                <c:pt idx="2">
-                  <c:v>3e kw.</c:v>
-                </c:pt>
-                <c:pt idx="3">
-                  <c:v>4e kw.</c:v>
-                </c:pt>
-              </c:strCache>
-            </c:strRef>
-          </c:cat>
-          <c:val>
-            <c:numRef>
-              <c:f>Sheet1!$B$2:$B$7</c:f>
-              <c:numCache>
-                <c:formatCode>General</c:formatCode>
-                <c:ptCount val="6"/>
-                <c:pt idx="0">
-                  <c:v>30</c:v>
-                </c:pt>
-                <c:pt idx="1">
-                  <c:v>25</c:v>
-                </c:pt>
-                <c:pt idx="2">
-                  <c:v>20</c:v>
-                </c:pt>
-                <c:pt idx="3">
-                  <c:v>10</c:v>
-                </c:pt>
-                <c:pt idx="4">
-                  <c:v>10</c:v>
-                </c:pt>
-                <c:pt idx="5">
-                  <c:v>5</c:v>
-                </c:pt>
-              </c:numCache>
-            </c:numRef>
-          </c:val>
-          <c:extLst>
-            <c:ext xmlns:c16="http://schemas.microsoft.com/office/drawing/2014/chart" uri="{C3380CC4-5D6E-409C-BE32-E72D297353CC}">
-              <c16:uniqueId val="{00000000-3E0A-4A49-A520-6FB0B0F00448}"/>
-            </c:ext>
-          </c:extLst>
-        </c:ser>
-        <c:dLbls>
-          <c:showLegendKey val="0"/>
-          <c:showVal val="0"/>
-          <c:showCatName val="0"/>
-          <c:showSerName val="0"/>
-          <c:showPercent val="0"/>
-          <c:showBubbleSize val="0"/>
-          <c:showLeaderLines val="1"/>
-        </c:dLbls>
-        <c:firstSliceAng val="0"/>
-        <c:holeSize val="52"/>
-      </c:doughnutChart>
-      <c:spPr>
-        <a:noFill/>
-        <a:ln>
-          <a:noFill/>
-        </a:ln>
-        <a:effectLst/>
-      </c:spPr>
-    </c:plotArea>
-    <c:plotVisOnly val="1"/>
-    <c:dispBlanksAs val="gap"/>
-    <c:extLst>
-      <c:ext xmlns:c16r3="http://schemas.microsoft.com/office/drawing/2017/03/chart" uri="{56B9EC1D-385E-4148-901F-78D8002777C0}">
-        <c16r3:dataDisplayOptions16>
-          <c16r3:dispNaAsBlank val="1"/>
-        </c16r3:dataDisplayOptions16>
-      </c:ext>
-    </c:extLst>
-    <c:showDLblsOverMax val="0"/>
-  </c:chart>
-  <c:spPr>
-    <a:noFill/>
-    <a:ln>
-      <a:noFill/>
-    </a:ln>
-    <a:effectLst/>
-  </c:spPr>
-  <c:txPr>
-    <a:bodyPr/>
-    <a:lstStyle/>
-    <a:p>
-      <a:pPr>
-        <a:defRPr/>
-      </a:pPr>
-      <a:endParaRPr lang="nl-BE"/>
-    </a:p>
-  </c:txPr>
-  <c:externalData r:id="rId3">
-    <c:autoUpdate val="0"/>
-  </c:externalData>
-</c:chartSpace>
-</file>
-
-<file path=ppt/charts/colors1.xml><?xml version="1.0" encoding="utf-8"?>
-<cs:colorStyle xmlns:cs="http://schemas.microsoft.com/office/drawing/2012/chartStyle" xmlns:a="http://schemas.openxmlformats.org/drawingml/2006/main" meth="cycle" id="10">
-  <a:schemeClr val="accent1"/>
-  <a:schemeClr val="accent2"/>
-  <a:schemeClr val="accent3"/>
-  <a:schemeClr val="accent4"/>
-  <a:schemeClr val="accent5"/>
-  <a:schemeClr val="accent6"/>
-  <cs:variation/>
-  <cs:variation>
-    <a:lumMod val="60000"/>
-  </cs:variation>
-  <cs:variation>
-    <a:lumMod val="80000"/>
-    <a:lumOff val="20000"/>
-  </cs:variation>
-  <cs:variation>
-    <a:lumMod val="80000"/>
-  </cs:variation>
-  <cs:variation>
-    <a:lumMod val="60000"/>
-    <a:lumOff val="40000"/>
-  </cs:variation>
-  <cs:variation>
-    <a:lumMod val="50000"/>
-  </cs:variation>
-  <cs:variation>
-    <a:lumMod val="70000"/>
-    <a:lumOff val="30000"/>
-  </cs:variation>
-  <cs:variation>
-    <a:lumMod val="70000"/>
-  </cs:variation>
-  <cs:variation>
-    <a:lumMod val="50000"/>
-    <a:lumOff val="50000"/>
-  </cs:variation>
-</cs:colorStyle>
-</file>
-
-<file path=ppt/charts/style1.xml><?xml version="1.0" encoding="utf-8"?>
-<cs:chartStyle xmlns:cs="http://schemas.microsoft.com/office/drawing/2012/chartStyle" xmlns:a="http://schemas.openxmlformats.org/drawingml/2006/main" id="251">
-  <cs:axisTitle>
-    <cs:lnRef idx="0"/>
-    <cs:fillRef idx="0"/>
-    <cs:effectRef idx="0"/>
-    <cs:fontRef idx="minor">
-      <a:schemeClr val="tx1">
-        <a:lumMod val="65000"/>
-        <a:lumOff val="35000"/>
-      </a:schemeClr>
-    </cs:fontRef>
-    <cs:defRPr sz="1330" kern="1200"/>
-  </cs:axisTitle>
-  <cs:categoryAxis>
-    <cs:lnRef idx="0"/>
-    <cs:fillRef idx="0"/>
-    <cs:effectRef idx="0"/>
-    <cs:fontRef idx="minor">
-      <a:schemeClr val="tx1">
-        <a:lumMod val="65000"/>
-        <a:lumOff val="35000"/>
-      </a:schemeClr>
-    </cs:fontRef>
-    <cs:spPr>
-      <a:ln w="9525" cap="flat" cmpd="sng" algn="ctr">
-        <a:solidFill>
-          <a:schemeClr val="tx1">
-            <a:lumMod val="15000"/>
-            <a:lumOff val="85000"/>
-          </a:schemeClr>
-        </a:solidFill>
-        <a:round/>
-      </a:ln>
-    </cs:spPr>
-    <cs:defRPr sz="1197" kern="1200"/>
-  </cs:categoryAxis>
-  <cs:chartArea mods="allowNoFillOverride allowNoLineOverride">
-    <cs:lnRef idx="0"/>
-    <cs:fillRef idx="0"/>
-    <cs:effectRef idx="0"/>
-    <cs:fontRef idx="minor">
-      <a:schemeClr val="tx1"/>
-    </cs:fontRef>
-    <cs:spPr>
-      <a:solidFill>
-        <a:schemeClr val="bg1"/>
-      </a:solidFill>
-      <a:ln w="9525" cap="flat" cmpd="sng" algn="ctr">
-        <a:solidFill>
-          <a:schemeClr val="tx1">
-            <a:lumMod val="15000"/>
-            <a:lumOff val="85000"/>
-          </a:schemeClr>
-        </a:solidFill>
-        <a:round/>
-      </a:ln>
-    </cs:spPr>
-    <cs:defRPr sz="1197" kern="1200"/>
-  </cs:chartArea>
-  <cs:dataLabel>
-    <cs:lnRef idx="0"/>
-    <cs:fillRef idx="0"/>
-    <cs:effectRef idx="0"/>
-    <cs:fontRef idx="minor">
-      <a:schemeClr val="tx1">
-        <a:lumMod val="75000"/>
-        <a:lumOff val="25000"/>
-      </a:schemeClr>
-    </cs:fontRef>
-    <cs:defRPr sz="1197" kern="1200"/>
-  </cs:dataLabel>
-  <cs:dataLabelCallout>
-    <cs:lnRef idx="0"/>
-    <cs:fillRef idx="0"/>
-    <cs:effectRef idx="0"/>
-    <cs:fontRef idx="minor">
-      <a:schemeClr val="dk1">
-        <a:lumMod val="65000"/>
-        <a:lumOff val="35000"/>
-      </a:schemeClr>
-    </cs:fontRef>
-    <cs:spPr>
-      <a:solidFill>
-        <a:schemeClr val="lt1"/>
-      </a:solidFill>
-      <a:ln>
-        <a:solidFill>
-          <a:schemeClr val="dk1">
-            <a:lumMod val="25000"/>
-            <a:lumOff val="75000"/>
-          </a:schemeClr>
-        </a:solidFill>
-      </a:ln>
-    </cs:spPr>
-    <cs:defRPr sz="1197" kern="1200"/>
-    <cs:bodyPr rot="0" spcFirstLastPara="1" vertOverflow="clip" horzOverflow="clip" vert="horz" wrap="square" lIns="36576" tIns="18288" rIns="36576" bIns="18288" anchor="ctr" anchorCtr="1">
-      <a:spAutoFit/>
-    </cs:bodyPr>
-  </cs:dataLabelCallout>
-  <cs:dataPoint>
-    <cs:lnRef idx="0"/>
-    <cs:fillRef idx="1">
-      <cs:styleClr val="auto"/>
-    </cs:fillRef>
-    <cs:effectRef idx="0"/>
-    <cs:fontRef idx="minor">
-      <a:schemeClr val="tx1"/>
-    </cs:fontRef>
-    <cs:spPr>
-      <a:ln w="19050">
-        <a:solidFill>
-          <a:schemeClr val="lt1"/>
-        </a:solidFill>
-      </a:ln>
-    </cs:spPr>
-  </cs:dataPoint>
-  <cs:dataPoint3D>
-    <cs:lnRef idx="0"/>
-    <cs:fillRef idx="1">
-      <cs:styleClr val="auto"/>
-    </cs:fillRef>
-    <cs:effectRef idx="0"/>
-    <cs:fontRef idx="minor">
-      <a:schemeClr val="tx1"/>
-    </cs:fontRef>
-    <cs:spPr>
-      <a:ln w="25400">
-        <a:solidFill>
-          <a:schemeClr val="lt1"/>
-        </a:solidFill>
-      </a:ln>
-    </cs:spPr>
-  </cs:dataPoint3D>
-  <cs:dataPointLine>
-    <cs:lnRef idx="0">
-      <cs:styleClr val="auto"/>
-    </cs:lnRef>
-    <cs:fillRef idx="0"/>
-    <cs:effectRef idx="0"/>
-    <cs:fontRef idx="minor">
-      <a:schemeClr val="tx1"/>
-    </cs:fontRef>
-    <cs:spPr>
-      <a:ln w="28575" cap="rnd">
-        <a:solidFill>
-          <a:schemeClr val="phClr"/>
-        </a:solidFill>
-        <a:round/>
-      </a:ln>
-    </cs:spPr>
-  </cs:dataPointLine>
-  <cs:dataPointMarker>
-    <cs:lnRef idx="0">
-      <cs:styleClr val="auto"/>
-    </cs:lnRef>
-    <cs:fillRef idx="1">
-      <cs:styleClr val="auto"/>
-    </cs:fillRef>
-    <cs:effectRef idx="0"/>
-    <cs:fontRef idx="minor">
-      <a:schemeClr val="tx1"/>
-    </cs:fontRef>
-    <cs:spPr>
-      <a:ln w="9525">
-        <a:solidFill>
-          <a:schemeClr val="phClr"/>
-        </a:solidFill>
-      </a:ln>
-    </cs:spPr>
-  </cs:dataPointMarker>
-  <cs:dataPointMarkerLayout symbol="circle" size="5"/>
-  <cs:dataPointWireframe>
-    <cs:lnRef idx="0">
-      <cs:styleClr val="auto"/>
-    </cs:lnRef>
-    <cs:fillRef idx="0"/>
-    <cs:effectRef idx="0"/>
-    <cs:fontRef idx="minor">
-      <a:schemeClr val="tx1"/>
-    </cs:fontRef>
-    <cs:spPr>
-      <a:ln w="9525" cap="rnd">
-        <a:solidFill>
-          <a:schemeClr val="phClr"/>
-        </a:solidFill>
-        <a:round/>
-      </a:ln>
-    </cs:spPr>
-  </cs:dataPointWireframe>
-  <cs:dataTable>
-    <cs:lnRef idx="0"/>
-    <cs:fillRef idx="0"/>
-    <cs:effectRef idx="0"/>
-    <cs:fontRef idx="minor">
-      <a:schemeClr val="tx1">
-        <a:lumMod val="65000"/>
-        <a:lumOff val="35000"/>
-      </a:schemeClr>
-    </cs:fontRef>
-    <cs:spPr>
-      <a:noFill/>
-      <a:ln w="9525" cap="flat" cmpd="sng" algn="ctr">
-        <a:solidFill>
-          <a:schemeClr val="tx1">
-            <a:lumMod val="15000"/>
-            <a:lumOff val="85000"/>
-          </a:schemeClr>
-        </a:solidFill>
-        <a:round/>
-      </a:ln>
-    </cs:spPr>
-    <cs:defRPr sz="1197" kern="1200"/>
-  </cs:dataTable>
-  <cs:downBar>
-    <cs:lnRef idx="0"/>
-    <cs:fillRef idx="0"/>
-    <cs:effectRef idx="0"/>
-    <cs:fontRef idx="minor">
-      <a:schemeClr val="tx1"/>
-    </cs:fontRef>
-    <cs:spPr>
-      <a:solidFill>
-        <a:schemeClr val="dk1">
-          <a:lumMod val="75000"/>
-          <a:lumOff val="25000"/>
-        </a:schemeClr>
-      </a:solidFill>
-      <a:ln w="9525" cap="flat" cmpd="sng" algn="ctr">
-        <a:solidFill>
-          <a:schemeClr val="tx1">
-            <a:lumMod val="65000"/>
-            <a:lumOff val="35000"/>
-          </a:schemeClr>
-        </a:solidFill>
-        <a:round/>
-      </a:ln>
-    </cs:spPr>
-  </cs:downBar>
-  <cs:dropLine>
-    <cs:lnRef idx="0"/>
-    <cs:fillRef idx="0"/>
-    <cs:effectRef idx="0"/>
-    <cs:fontRef idx="minor">
-      <a:schemeClr val="tx1"/>
-    </cs:fontRef>
-    <cs:spPr>
-      <a:ln w="9525" cap="flat" cmpd="sng" algn="ctr">
-        <a:solidFill>
-          <a:schemeClr val="tx1">
-            <a:lumMod val="35000"/>
-            <a:lumOff val="65000"/>
-          </a:schemeClr>
-        </a:solidFill>
-        <a:round/>
-      </a:ln>
-    </cs:spPr>
-  </cs:dropLine>
-  <cs:errorBar>
-    <cs:lnRef idx="0"/>
-    <cs:fillRef idx="0"/>
-    <cs:effectRef idx="0"/>
-    <cs:fontRef idx="minor">
-      <a:schemeClr val="tx1"/>
-    </cs:fontRef>
-    <cs:spPr>
-      <a:ln w="9525" cap="flat" cmpd="sng" algn="ctr">
-        <a:solidFill>
-          <a:schemeClr val="tx1">
-            <a:lumMod val="65000"/>
-            <a:lumOff val="35000"/>
-          </a:schemeClr>
-        </a:solidFill>
-        <a:round/>
-      </a:ln>
-    </cs:spPr>
-  </cs:errorBar>
-  <cs:floor>
-    <cs:lnRef idx="0"/>
-    <cs:fillRef idx="0"/>
-    <cs:effectRef idx="0"/>
-    <cs:fontRef idx="minor">
-      <a:schemeClr val="tx1"/>
-    </cs:fontRef>
-    <cs:spPr>
-      <a:noFill/>
-      <a:ln>
-        <a:noFill/>
-      </a:ln>
-    </cs:spPr>
-  </cs:floor>
-  <cs:gridlineMajor>
-    <cs:lnRef idx="0"/>
-    <cs:fillRef idx="0"/>
-    <cs:effectRef idx="0"/>
-    <cs:fontRef idx="minor">
-      <a:schemeClr val="tx1"/>
-    </cs:fontRef>
-    <cs:spPr>
-      <a:ln w="9525" cap="flat" cmpd="sng" algn="ctr">
-        <a:solidFill>
-          <a:schemeClr val="tx1">
-            <a:lumMod val="15000"/>
-            <a:lumOff val="85000"/>
-          </a:schemeClr>
-        </a:solidFill>
-        <a:round/>
-      </a:ln>
-    </cs:spPr>
-  </cs:gridlineMajor>
-  <cs:gridlineMinor>
-    <cs:lnRef idx="0"/>
-    <cs:fillRef idx="0"/>
-    <cs:effectRef idx="0"/>
-    <cs:fontRef idx="minor">
-      <a:schemeClr val="tx1"/>
-    </cs:fontRef>
-    <cs:spPr>
-      <a:ln w="9525" cap="flat" cmpd="sng" algn="ctr">
-        <a:solidFill>
-          <a:schemeClr val="tx1">
-            <a:lumMod val="5000"/>
-            <a:lumOff val="95000"/>
-          </a:schemeClr>
-        </a:solidFill>
-        <a:round/>
-      </a:ln>
-    </cs:spPr>
-  </cs:gridlineMinor>
-  <cs:hiLoLine>
-    <cs:lnRef idx="0"/>
-    <cs:fillRef idx="0"/>
-    <cs:effectRef idx="0"/>
-    <cs:fontRef idx="minor">
-      <a:schemeClr val="tx1"/>
-    </cs:fontRef>
-    <cs:spPr>
-      <a:ln w="9525" cap="flat" cmpd="sng" algn="ctr">
-        <a:solidFill>
-          <a:schemeClr val="tx1">
-            <a:lumMod val="50000"/>
-            <a:lumOff val="50000"/>
-          </a:schemeClr>
-        </a:solidFill>
-        <a:round/>
-      </a:ln>
-    </cs:spPr>
-  </cs:hiLoLine>
-  <cs:leaderLine>
-    <cs:lnRef idx="0"/>
-    <cs:fillRef idx="0"/>
-    <cs:effectRef idx="0"/>
-    <cs:fontRef idx="minor">
-      <a:schemeClr val="tx1"/>
-    </cs:fontRef>
-    <cs:spPr>
-      <a:ln w="9525" cap="flat" cmpd="sng" algn="ctr">
-        <a:solidFill>
-          <a:schemeClr val="tx1">
-            <a:lumMod val="35000"/>
-            <a:lumOff val="65000"/>
-          </a:schemeClr>
-        </a:solidFill>
-        <a:round/>
-      </a:ln>
-    </cs:spPr>
-  </cs:leaderLine>
-  <cs:legend>
-    <cs:lnRef idx="0"/>
-    <cs:fillRef idx="0"/>
-    <cs:effectRef idx="0"/>
-    <cs:fontRef idx="minor">
-      <a:schemeClr val="tx1">
-        <a:lumMod val="65000"/>
-        <a:lumOff val="35000"/>
-      </a:schemeClr>
-    </cs:fontRef>
-    <cs:defRPr sz="1197" kern="1200"/>
-  </cs:legend>
-  <cs:plotArea mods="allowNoFillOverride allowNoLineOverride">
-    <cs:lnRef idx="0"/>
-    <cs:fillRef idx="0"/>
-    <cs:effectRef idx="0"/>
-    <cs:fontRef idx="minor">
-      <a:schemeClr val="tx1"/>
-    </cs:fontRef>
-  </cs:plotArea>
-  <cs:plotArea3D mods="allowNoFillOverride allowNoLineOverride">
-    <cs:lnRef idx="0"/>
-    <cs:fillRef idx="0"/>
-    <cs:effectRef idx="0"/>
-    <cs:fontRef idx="minor">
-      <a:schemeClr val="tx1"/>
-    </cs:fontRef>
-  </cs:plotArea3D>
-  <cs:seriesAxis>
-    <cs:lnRef idx="0"/>
-    <cs:fillRef idx="0"/>
-    <cs:effectRef idx="0"/>
-    <cs:fontRef idx="minor">
-      <a:schemeClr val="tx1">
-        <a:lumMod val="65000"/>
-        <a:lumOff val="35000"/>
-      </a:schemeClr>
-    </cs:fontRef>
-    <cs:defRPr sz="1197" kern="1200"/>
-  </cs:seriesAxis>
-  <cs:seriesLine>
-    <cs:lnRef idx="0"/>
-    <cs:fillRef idx="0"/>
-    <cs:effectRef idx="0"/>
-    <cs:fontRef idx="minor">
-      <a:schemeClr val="tx1"/>
-    </cs:fontRef>
-    <cs:spPr>
-      <a:ln w="9525" cap="flat" cmpd="sng" algn="ctr">
-        <a:solidFill>
-          <a:schemeClr val="tx1">
-            <a:lumMod val="35000"/>
-            <a:lumOff val="65000"/>
-          </a:schemeClr>
-        </a:solidFill>
-        <a:round/>
-      </a:ln>
-    </cs:spPr>
-  </cs:seriesLine>
-  <cs:title>
-    <cs:lnRef idx="0"/>
-    <cs:fillRef idx="0"/>
-    <cs:effectRef idx="0"/>
-    <cs:fontRef idx="minor">
-      <a:schemeClr val="tx1">
-        <a:lumMod val="65000"/>
-        <a:lumOff val="35000"/>
-      </a:schemeClr>
-    </cs:fontRef>
-    <cs:defRPr sz="1862" b="0" kern="1200" spc="0" baseline="0"/>
-  </cs:title>
-  <cs:trendline>
-    <cs:lnRef idx="0">
-      <cs:styleClr val="auto"/>
-    </cs:lnRef>
-    <cs:fillRef idx="0"/>
-    <cs:effectRef idx="0"/>
-    <cs:fontRef idx="minor">
-      <a:schemeClr val="tx1"/>
-    </cs:fontRef>
-    <cs:spPr>
-      <a:ln w="19050" cap="rnd">
-        <a:solidFill>
-          <a:schemeClr val="phClr"/>
-        </a:solidFill>
-        <a:prstDash val="sysDot"/>
-      </a:ln>
-    </cs:spPr>
-  </cs:trendline>
-  <cs:trendlineLabel>
-    <cs:lnRef idx="0"/>
-    <cs:fillRef idx="0"/>
-    <cs:effectRef idx="0"/>
-    <cs:fontRef idx="minor">
-      <a:schemeClr val="tx1">
-        <a:lumMod val="65000"/>
-        <a:lumOff val="35000"/>
-      </a:schemeClr>
-    </cs:fontRef>
-    <cs:defRPr sz="1197" kern="1200"/>
-  </cs:trendlineLabel>
-  <cs:upBar>
-    <cs:lnRef idx="0"/>
-    <cs:fillRef idx="0"/>
-    <cs:effectRef idx="0"/>
-    <cs:fontRef idx="minor">
-      <a:schemeClr val="tx1"/>
-    </cs:fontRef>
-    <cs:spPr>
-      <a:solidFill>
-        <a:schemeClr val="lt1"/>
-      </a:solidFill>
-      <a:ln w="9525" cap="flat" cmpd="sng" algn="ctr">
-        <a:solidFill>
-          <a:schemeClr val="tx1">
-            <a:lumMod val="65000"/>
-            <a:lumOff val="35000"/>
-          </a:schemeClr>
-        </a:solidFill>
-        <a:round/>
-      </a:ln>
-    </cs:spPr>
-  </cs:upBar>
-  <cs:valueAxis>
-    <cs:lnRef idx="0"/>
-    <cs:fillRef idx="0"/>
-    <cs:effectRef idx="0"/>
-    <cs:fontRef idx="minor">
-      <a:schemeClr val="tx1">
-        <a:lumMod val="65000"/>
-        <a:lumOff val="35000"/>
-      </a:schemeClr>
-    </cs:fontRef>
-    <cs:defRPr sz="1197" kern="1200"/>
-  </cs:valueAxis>
-  <cs:wall>
-    <cs:lnRef idx="0"/>
-    <cs:fillRef idx="0"/>
-    <cs:effectRef idx="0"/>
-    <cs:fontRef idx="minor">
-      <a:schemeClr val="tx1"/>
-    </cs:fontRef>
-    <cs:spPr>
-      <a:noFill/>
-      <a:ln>
-        <a:noFill/>
-      </a:ln>
-    </cs:spPr>
-  </cs:wall>
-</cs:chartStyle>
 </file>
 
 <file path=ppt/handoutMasters/handoutMaster1.xml><?xml version="1.0" encoding="utf-8"?>
@@ -1593,92 +779,6 @@
 </p:notes>
 </file>
 
-<file path=ppt/notesSlides/notesSlide10.xml><?xml version="1.0" encoding="utf-8"?>
-<p:notes xmlns:a="http://schemas.openxmlformats.org/drawingml/2006/main" xmlns:r="http://schemas.openxmlformats.org/officeDocument/2006/relationships" xmlns:p="http://schemas.openxmlformats.org/presentationml/2006/main">
-  <p:cSld>
-    <p:spTree>
-      <p:nvGrpSpPr>
-        <p:cNvPr id="1" name=""/>
-        <p:cNvGrpSpPr/>
-        <p:nvPr/>
-      </p:nvGrpSpPr>
-      <p:grpSpPr>
-        <a:xfrm>
-          <a:off x="0" y="0"/>
-          <a:ext cx="0" cy="0"/>
-          <a:chOff x="0" y="0"/>
-          <a:chExt cx="0" cy="0"/>
-        </a:xfrm>
-      </p:grpSpPr>
-      <p:sp>
-        <p:nvSpPr>
-          <p:cNvPr id="2" name="Tijdelijke aanduiding voor dia-afbeelding 1"/>
-          <p:cNvSpPr>
-            <a:spLocks noGrp="1" noRot="1" noChangeAspect="1"/>
-          </p:cNvSpPr>
-          <p:nvPr>
-            <p:ph type="sldImg"/>
-          </p:nvPr>
-        </p:nvSpPr>
-        <p:spPr/>
-      </p:sp>
-      <p:sp>
-        <p:nvSpPr>
-          <p:cNvPr id="3" name="Tijdelijke aanduiding voor notities 2"/>
-          <p:cNvSpPr>
-            <a:spLocks noGrp="1"/>
-          </p:cNvSpPr>
-          <p:nvPr>
-            <p:ph type="body" idx="1"/>
-          </p:nvPr>
-        </p:nvSpPr>
-        <p:spPr/>
-        <p:txBody>
-          <a:bodyPr rtlCol="0"/>
-          <a:lstStyle/>
-          <a:p>
-            <a:pPr rtl="0"/>
-            <a:endParaRPr lang="nl-NL" dirty="0"/>
-          </a:p>
-        </p:txBody>
-      </p:sp>
-      <p:sp>
-        <p:nvSpPr>
-          <p:cNvPr id="4" name="Tijdelijke aanduiding voor dianummer 3"/>
-          <p:cNvSpPr>
-            <a:spLocks noGrp="1"/>
-          </p:cNvSpPr>
-          <p:nvPr>
-            <p:ph type="sldNum" sz="quarter" idx="10"/>
-          </p:nvPr>
-        </p:nvSpPr>
-        <p:spPr/>
-        <p:txBody>
-          <a:bodyPr rtlCol="0"/>
-          <a:lstStyle/>
-          <a:p>
-            <a:pPr rtl="0"/>
-            <a:fld id="{53D78A92-0141-4330-8F3E-FAADFAC23844}" type="slidenum">
-              <a:rPr lang="nl-NL" smtClean="0"/>
-              <a:t>11</a:t>
-            </a:fld>
-            <a:endParaRPr lang="nl-NL" dirty="0"/>
-          </a:p>
-        </p:txBody>
-      </p:sp>
-    </p:spTree>
-    <p:extLst>
-      <p:ext uri="{BB962C8B-B14F-4D97-AF65-F5344CB8AC3E}">
-        <p14:creationId xmlns:p14="http://schemas.microsoft.com/office/powerpoint/2010/main" val="4284939395"/>
-      </p:ext>
-    </p:extLst>
-  </p:cSld>
-  <p:clrMapOvr>
-    <a:masterClrMapping/>
-  </p:clrMapOvr>
-</p:notes>
-</file>
-
 <file path=ppt/notesSlides/notesSlide2.xml><?xml version="1.0" encoding="utf-8"?>
 <p:notes xmlns:a="http://schemas.openxmlformats.org/drawingml/2006/main" xmlns:r="http://schemas.openxmlformats.org/officeDocument/2006/relationships" xmlns:p="http://schemas.openxmlformats.org/presentationml/2006/main">
   <p:cSld>
@@ -1746,7 +846,7 @@
             <a:pPr rtl="0"/>
             <a:fld id="{53D78A92-0141-4330-8F3E-FAADFAC23844}" type="slidenum">
               <a:rPr lang="nl-NL" smtClean="0"/>
-              <a:t>3</a:t>
+              <a:t>4</a:t>
             </a:fld>
             <a:endParaRPr lang="nl-NL" dirty="0"/>
           </a:p>
@@ -1832,7 +932,7 @@
             <a:pPr rtl="0"/>
             <a:fld id="{53D78A92-0141-4330-8F3E-FAADFAC23844}" type="slidenum">
               <a:rPr lang="nl-NL" smtClean="0"/>
-              <a:t>4</a:t>
+              <a:t>8</a:t>
             </a:fld>
             <a:endParaRPr lang="nl-NL" dirty="0"/>
           </a:p>
@@ -1918,7 +1018,7 @@
             <a:pPr rtl="0"/>
             <a:fld id="{53D78A92-0141-4330-8F3E-FAADFAC23844}" type="slidenum">
               <a:rPr lang="nl-NL" smtClean="0"/>
-              <a:t>5</a:t>
+              <a:t>9</a:t>
             </a:fld>
             <a:endParaRPr lang="nl-NL" dirty="0"/>
           </a:p>
@@ -2004,7 +1104,7 @@
             <a:pPr rtl="0"/>
             <a:fld id="{53D78A92-0141-4330-8F3E-FAADFAC23844}" type="slidenum">
               <a:rPr lang="nl-NL" smtClean="0"/>
-              <a:t>6</a:t>
+              <a:t>12</a:t>
             </a:fld>
             <a:endParaRPr lang="nl-NL" dirty="0"/>
           </a:p>
@@ -2013,7 +1113,7 @@
     </p:spTree>
     <p:extLst>
       <p:ext uri="{BB962C8B-B14F-4D97-AF65-F5344CB8AC3E}">
-        <p14:creationId xmlns:p14="http://schemas.microsoft.com/office/powerpoint/2010/main" val="253677801"/>
+        <p14:creationId xmlns:p14="http://schemas.microsoft.com/office/powerpoint/2010/main" val="4284939395"/>
       </p:ext>
     </p:extLst>
   </p:cSld>
@@ -2090,265 +1190,7 @@
             <a:pPr rtl="0"/>
             <a:fld id="{53D78A92-0141-4330-8F3E-FAADFAC23844}" type="slidenum">
               <a:rPr lang="nl-NL" smtClean="0"/>
-              <a:t>7</a:t>
-            </a:fld>
-            <a:endParaRPr lang="nl-NL" dirty="0"/>
-          </a:p>
-        </p:txBody>
-      </p:sp>
-    </p:spTree>
-    <p:extLst>
-      <p:ext uri="{BB962C8B-B14F-4D97-AF65-F5344CB8AC3E}">
-        <p14:creationId xmlns:p14="http://schemas.microsoft.com/office/powerpoint/2010/main" val="3944440398"/>
-      </p:ext>
-    </p:extLst>
-  </p:cSld>
-  <p:clrMapOvr>
-    <a:masterClrMapping/>
-  </p:clrMapOvr>
-</p:notes>
-</file>
-
-<file path=ppt/notesSlides/notesSlide7.xml><?xml version="1.0" encoding="utf-8"?>
-<p:notes xmlns:a="http://schemas.openxmlformats.org/drawingml/2006/main" xmlns:r="http://schemas.openxmlformats.org/officeDocument/2006/relationships" xmlns:p="http://schemas.openxmlformats.org/presentationml/2006/main">
-  <p:cSld>
-    <p:spTree>
-      <p:nvGrpSpPr>
-        <p:cNvPr id="1" name=""/>
-        <p:cNvGrpSpPr/>
-        <p:nvPr/>
-      </p:nvGrpSpPr>
-      <p:grpSpPr>
-        <a:xfrm>
-          <a:off x="0" y="0"/>
-          <a:ext cx="0" cy="0"/>
-          <a:chOff x="0" y="0"/>
-          <a:chExt cx="0" cy="0"/>
-        </a:xfrm>
-      </p:grpSpPr>
-      <p:sp>
-        <p:nvSpPr>
-          <p:cNvPr id="2" name="Tijdelijke aanduiding voor dia-afbeelding 1"/>
-          <p:cNvSpPr>
-            <a:spLocks noGrp="1" noRot="1" noChangeAspect="1"/>
-          </p:cNvSpPr>
-          <p:nvPr>
-            <p:ph type="sldImg"/>
-          </p:nvPr>
-        </p:nvSpPr>
-        <p:spPr/>
-      </p:sp>
-      <p:sp>
-        <p:nvSpPr>
-          <p:cNvPr id="3" name="Tijdelijke aanduiding voor notities 2"/>
-          <p:cNvSpPr>
-            <a:spLocks noGrp="1"/>
-          </p:cNvSpPr>
-          <p:nvPr>
-            <p:ph type="body" idx="1"/>
-          </p:nvPr>
-        </p:nvSpPr>
-        <p:spPr/>
-        <p:txBody>
-          <a:bodyPr rtlCol="0"/>
-          <a:lstStyle/>
-          <a:p>
-            <a:pPr rtl="0"/>
-            <a:endParaRPr lang="nl-NL" dirty="0"/>
-          </a:p>
-        </p:txBody>
-      </p:sp>
-      <p:sp>
-        <p:nvSpPr>
-          <p:cNvPr id="4" name="Tijdelijke aanduiding voor dianummer 3"/>
-          <p:cNvSpPr>
-            <a:spLocks noGrp="1"/>
-          </p:cNvSpPr>
-          <p:nvPr>
-            <p:ph type="sldNum" sz="quarter" idx="10"/>
-          </p:nvPr>
-        </p:nvSpPr>
-        <p:spPr/>
-        <p:txBody>
-          <a:bodyPr rtlCol="0"/>
-          <a:lstStyle/>
-          <a:p>
-            <a:pPr rtl="0"/>
-            <a:fld id="{53D78A92-0141-4330-8F3E-FAADFAC23844}" type="slidenum">
-              <a:rPr lang="nl-NL" smtClean="0"/>
-              <a:t>8</a:t>
-            </a:fld>
-            <a:endParaRPr lang="nl-NL" dirty="0"/>
-          </a:p>
-        </p:txBody>
-      </p:sp>
-    </p:spTree>
-    <p:extLst>
-      <p:ext uri="{BB962C8B-B14F-4D97-AF65-F5344CB8AC3E}">
-        <p14:creationId xmlns:p14="http://schemas.microsoft.com/office/powerpoint/2010/main" val="1248680118"/>
-      </p:ext>
-    </p:extLst>
-  </p:cSld>
-  <p:clrMapOvr>
-    <a:masterClrMapping/>
-  </p:clrMapOvr>
-</p:notes>
-</file>
-
-<file path=ppt/notesSlides/notesSlide8.xml><?xml version="1.0" encoding="utf-8"?>
-<p:notes xmlns:a="http://schemas.openxmlformats.org/drawingml/2006/main" xmlns:r="http://schemas.openxmlformats.org/officeDocument/2006/relationships" xmlns:p="http://schemas.openxmlformats.org/presentationml/2006/main">
-  <p:cSld>
-    <p:spTree>
-      <p:nvGrpSpPr>
-        <p:cNvPr id="1" name=""/>
-        <p:cNvGrpSpPr/>
-        <p:nvPr/>
-      </p:nvGrpSpPr>
-      <p:grpSpPr>
-        <a:xfrm>
-          <a:off x="0" y="0"/>
-          <a:ext cx="0" cy="0"/>
-          <a:chOff x="0" y="0"/>
-          <a:chExt cx="0" cy="0"/>
-        </a:xfrm>
-      </p:grpSpPr>
-      <p:sp>
-        <p:nvSpPr>
-          <p:cNvPr id="2" name="Tijdelijke aanduiding voor dia-afbeelding 1"/>
-          <p:cNvSpPr>
-            <a:spLocks noGrp="1" noRot="1" noChangeAspect="1"/>
-          </p:cNvSpPr>
-          <p:nvPr>
-            <p:ph type="sldImg"/>
-          </p:nvPr>
-        </p:nvSpPr>
-        <p:spPr/>
-      </p:sp>
-      <p:sp>
-        <p:nvSpPr>
-          <p:cNvPr id="3" name="Tijdelijke aanduiding voor notities 2"/>
-          <p:cNvSpPr>
-            <a:spLocks noGrp="1"/>
-          </p:cNvSpPr>
-          <p:nvPr>
-            <p:ph type="body" idx="1"/>
-          </p:nvPr>
-        </p:nvSpPr>
-        <p:spPr/>
-        <p:txBody>
-          <a:bodyPr rtlCol="0"/>
-          <a:lstStyle/>
-          <a:p>
-            <a:pPr rtl="0"/>
-            <a:endParaRPr lang="nl-NL" dirty="0"/>
-          </a:p>
-        </p:txBody>
-      </p:sp>
-      <p:sp>
-        <p:nvSpPr>
-          <p:cNvPr id="4" name="Tijdelijke aanduiding voor dianummer 3"/>
-          <p:cNvSpPr>
-            <a:spLocks noGrp="1"/>
-          </p:cNvSpPr>
-          <p:nvPr>
-            <p:ph type="sldNum" sz="quarter" idx="10"/>
-          </p:nvPr>
-        </p:nvSpPr>
-        <p:spPr/>
-        <p:txBody>
-          <a:bodyPr rtlCol="0"/>
-          <a:lstStyle/>
-          <a:p>
-            <a:pPr rtl="0"/>
-            <a:fld id="{53D78A92-0141-4330-8F3E-FAADFAC23844}" type="slidenum">
-              <a:rPr lang="nl-NL" smtClean="0"/>
-              <a:t>9</a:t>
-            </a:fld>
-            <a:endParaRPr lang="nl-NL" dirty="0"/>
-          </a:p>
-        </p:txBody>
-      </p:sp>
-    </p:spTree>
-    <p:extLst>
-      <p:ext uri="{BB962C8B-B14F-4D97-AF65-F5344CB8AC3E}">
-        <p14:creationId xmlns:p14="http://schemas.microsoft.com/office/powerpoint/2010/main" val="188371534"/>
-      </p:ext>
-    </p:extLst>
-  </p:cSld>
-  <p:clrMapOvr>
-    <a:masterClrMapping/>
-  </p:clrMapOvr>
-</p:notes>
-</file>
-
-<file path=ppt/notesSlides/notesSlide9.xml><?xml version="1.0" encoding="utf-8"?>
-<p:notes xmlns:a="http://schemas.openxmlformats.org/drawingml/2006/main" xmlns:r="http://schemas.openxmlformats.org/officeDocument/2006/relationships" xmlns:p="http://schemas.openxmlformats.org/presentationml/2006/main">
-  <p:cSld>
-    <p:spTree>
-      <p:nvGrpSpPr>
-        <p:cNvPr id="1" name=""/>
-        <p:cNvGrpSpPr/>
-        <p:nvPr/>
-      </p:nvGrpSpPr>
-      <p:grpSpPr>
-        <a:xfrm>
-          <a:off x="0" y="0"/>
-          <a:ext cx="0" cy="0"/>
-          <a:chOff x="0" y="0"/>
-          <a:chExt cx="0" cy="0"/>
-        </a:xfrm>
-      </p:grpSpPr>
-      <p:sp>
-        <p:nvSpPr>
-          <p:cNvPr id="2" name="Tijdelijke aanduiding voor dia-afbeelding 1"/>
-          <p:cNvSpPr>
-            <a:spLocks noGrp="1" noRot="1" noChangeAspect="1"/>
-          </p:cNvSpPr>
-          <p:nvPr>
-            <p:ph type="sldImg"/>
-          </p:nvPr>
-        </p:nvSpPr>
-        <p:spPr/>
-      </p:sp>
-      <p:sp>
-        <p:nvSpPr>
-          <p:cNvPr id="3" name="Tijdelijke aanduiding voor notities 2"/>
-          <p:cNvSpPr>
-            <a:spLocks noGrp="1"/>
-          </p:cNvSpPr>
-          <p:nvPr>
-            <p:ph type="body" idx="1"/>
-          </p:nvPr>
-        </p:nvSpPr>
-        <p:spPr/>
-        <p:txBody>
-          <a:bodyPr rtlCol="0"/>
-          <a:lstStyle/>
-          <a:p>
-            <a:pPr rtl="0"/>
-            <a:endParaRPr lang="nl-NL" dirty="0"/>
-          </a:p>
-        </p:txBody>
-      </p:sp>
-      <p:sp>
-        <p:nvSpPr>
-          <p:cNvPr id="4" name="Tijdelijke aanduiding voor dianummer 3"/>
-          <p:cNvSpPr>
-            <a:spLocks noGrp="1"/>
-          </p:cNvSpPr>
-          <p:nvPr>
-            <p:ph type="sldNum" sz="quarter" idx="10"/>
-          </p:nvPr>
-        </p:nvSpPr>
-        <p:spPr/>
-        <p:txBody>
-          <a:bodyPr rtlCol="0"/>
-          <a:lstStyle/>
-          <a:p>
-            <a:pPr rtl="0"/>
-            <a:fld id="{53D78A92-0141-4330-8F3E-FAADFAC23844}" type="slidenum">
-              <a:rPr lang="nl-NL" smtClean="0"/>
-              <a:t>10</a:t>
+              <a:t>13</a:t>
             </a:fld>
             <a:endParaRPr lang="nl-NL" dirty="0"/>
           </a:p>
@@ -31517,21 +30359,36 @@
           <a:p>
             <a:pPr rtl="0"/>
             <a:r>
-              <a:rPr lang="nl-NL" dirty="0"/>
+              <a:rPr lang="nl-NL" sz="2400" b="1" dirty="0">
+                <a:latin typeface="Dotum" panose="020B0503020000020004" pitchFamily="34" charset="-127"/>
+                <a:ea typeface="Dotum" panose="020B0503020000020004" pitchFamily="34" charset="-127"/>
+              </a:rPr>
               <a:t>Nawang Tendar</a:t>
             </a:r>
             <a:br>
-              <a:rPr lang="nl-NL" dirty="0"/>
+              <a:rPr lang="nl-NL" sz="2400" b="1" dirty="0">
+                <a:latin typeface="Dotum" panose="020B0503020000020004" pitchFamily="34" charset="-127"/>
+                <a:ea typeface="Dotum" panose="020B0503020000020004" pitchFamily="34" charset="-127"/>
+              </a:rPr>
             </a:br>
             <a:r>
-              <a:rPr lang="nl-NL" dirty="0"/>
+              <a:rPr lang="nl-NL" sz="2400" b="1" dirty="0">
+                <a:latin typeface="Dotum" panose="020B0503020000020004" pitchFamily="34" charset="-127"/>
+                <a:ea typeface="Dotum" panose="020B0503020000020004" pitchFamily="34" charset="-127"/>
+              </a:rPr>
               <a:t>2018 – 2019</a:t>
             </a:r>
             <a:br>
-              <a:rPr lang="nl-NL" dirty="0"/>
+              <a:rPr lang="nl-NL" sz="2400" b="1" dirty="0">
+                <a:latin typeface="Dotum" panose="020B0503020000020004" pitchFamily="34" charset="-127"/>
+                <a:ea typeface="Dotum" panose="020B0503020000020004" pitchFamily="34" charset="-127"/>
+              </a:rPr>
             </a:br>
             <a:r>
-              <a:rPr lang="nl-NL" dirty="0"/>
+              <a:rPr lang="nl-NL" sz="2400" b="1" dirty="0">
+                <a:latin typeface="Dotum" panose="020B0503020000020004" pitchFamily="34" charset="-127"/>
+                <a:ea typeface="Dotum" panose="020B0503020000020004" pitchFamily="34" charset="-127"/>
+              </a:rPr>
               <a:t>Web Development</a:t>
             </a:r>
           </a:p>
@@ -31598,10 +30455,10 @@
       </p:grpSpPr>
       <p:sp>
         <p:nvSpPr>
-          <p:cNvPr id="2" name="Tijdelijke aanduiding voor media 1" descr="Video">
+          <p:cNvPr id="4" name="Tijdelijke aanduiding voor voettekst 3">
             <a:extLst>
               <a:ext uri="{FF2B5EF4-FFF2-40B4-BE49-F238E27FC236}">
-                <a16:creationId xmlns:a16="http://schemas.microsoft.com/office/drawing/2014/main" id="{531D7866-D98C-4600-BEC4-FCE6295FAD25}"/>
+                <a16:creationId xmlns:a16="http://schemas.microsoft.com/office/drawing/2014/main" id="{5010762E-7738-41B4-8599-FB4CE829F1E9}"/>
               </a:ext>
             </a:extLst>
           </p:cNvPr>
@@ -31609,17 +30466,148 @@
             <a:spLocks noGrp="1"/>
           </p:cNvSpPr>
           <p:nvPr>
-            <p:ph type="media" sz="quarter" idx="17"/>
+            <p:ph type="ftr" sz="quarter" idx="11"/>
           </p:nvPr>
         </p:nvSpPr>
         <p:spPr/>
+        <p:txBody>
+          <a:bodyPr/>
+          <a:lstStyle/>
+          <a:p>
+            <a:pPr rtl="0"/>
+            <a:r>
+              <a:rPr lang="nl-NL" noProof="0"/>
+              <a:t>EEN VOETTEKST TOEVOEGEN</a:t>
+            </a:r>
+            <a:endParaRPr lang="nl-NL" noProof="0" dirty="0"/>
+          </a:p>
+        </p:txBody>
       </p:sp>
       <p:sp>
         <p:nvSpPr>
-          <p:cNvPr id="5" name="Titel 4">
+          <p:cNvPr id="5" name="Tijdelijke aanduiding voor dianummer 4">
             <a:extLst>
               <a:ext uri="{FF2B5EF4-FFF2-40B4-BE49-F238E27FC236}">
-                <a16:creationId xmlns:a16="http://schemas.microsoft.com/office/drawing/2014/main" id="{3A483267-D13E-45C6-895A-743DA26910A7}"/>
+                <a16:creationId xmlns:a16="http://schemas.microsoft.com/office/drawing/2014/main" id="{36533C87-9D6B-44C3-B85F-F194AC7301C2}"/>
+              </a:ext>
+            </a:extLst>
+          </p:cNvPr>
+          <p:cNvSpPr>
+            <a:spLocks noGrp="1"/>
+          </p:cNvSpPr>
+          <p:nvPr>
+            <p:ph type="sldNum" sz="quarter" idx="12"/>
+          </p:nvPr>
+        </p:nvSpPr>
+        <p:spPr/>
+        <p:txBody>
+          <a:bodyPr/>
+          <a:lstStyle/>
+          <a:p>
+            <a:pPr rtl="0"/>
+            <a:fld id="{D495E168-DA5E-4888-8D8A-92B118324C14}" type="slidenum">
+              <a:rPr lang="nl-NL" noProof="0" smtClean="0"/>
+              <a:t>10</a:t>
+            </a:fld>
+            <a:endParaRPr lang="nl-NL" noProof="0" dirty="0"/>
+          </a:p>
+        </p:txBody>
+      </p:sp>
+      <p:pic>
+        <p:nvPicPr>
+          <p:cNvPr id="13" name="Afbeelding 12">
+            <a:extLst>
+              <a:ext uri="{FF2B5EF4-FFF2-40B4-BE49-F238E27FC236}">
+                <a16:creationId xmlns:a16="http://schemas.microsoft.com/office/drawing/2014/main" id="{148623DE-5380-40C6-B6C6-278BF1B4D628}"/>
+              </a:ext>
+            </a:extLst>
+          </p:cNvPr>
+          <p:cNvPicPr>
+            <a:picLocks noChangeAspect="1"/>
+          </p:cNvPicPr>
+          <p:nvPr/>
+        </p:nvPicPr>
+        <p:blipFill>
+          <a:blip r:embed="rId2"/>
+          <a:stretch>
+            <a:fillRect/>
+          </a:stretch>
+        </p:blipFill>
+        <p:spPr>
+          <a:xfrm>
+            <a:off x="6576970" y="0"/>
+            <a:ext cx="5615030" cy="6858000"/>
+          </a:xfrm>
+          <a:prstGeom prst="rect">
+            <a:avLst/>
+          </a:prstGeom>
+        </p:spPr>
+      </p:pic>
+      <p:pic>
+        <p:nvPicPr>
+          <p:cNvPr id="16" name="Afbeelding 15">
+            <a:extLst>
+              <a:ext uri="{FF2B5EF4-FFF2-40B4-BE49-F238E27FC236}">
+                <a16:creationId xmlns:a16="http://schemas.microsoft.com/office/drawing/2014/main" id="{9A74AD12-BC3A-44FB-BD0D-88367F31BCC6}"/>
+              </a:ext>
+            </a:extLst>
+          </p:cNvPr>
+          <p:cNvPicPr>
+            <a:picLocks noChangeAspect="1"/>
+          </p:cNvPicPr>
+          <p:nvPr/>
+        </p:nvPicPr>
+        <p:blipFill rotWithShape="1">
+          <a:blip r:embed="rId3"/>
+          <a:srcRect l="2323"/>
+          <a:stretch/>
+        </p:blipFill>
+        <p:spPr>
+          <a:xfrm>
+            <a:off x="0" y="0"/>
+            <a:ext cx="6576970" cy="6858000"/>
+          </a:xfrm>
+          <a:prstGeom prst="rect">
+            <a:avLst/>
+          </a:prstGeom>
+        </p:spPr>
+      </p:pic>
+    </p:spTree>
+    <p:extLst>
+      <p:ext uri="{BB962C8B-B14F-4D97-AF65-F5344CB8AC3E}">
+        <p14:creationId xmlns:p14="http://schemas.microsoft.com/office/powerpoint/2010/main" val="1871358987"/>
+      </p:ext>
+    </p:extLst>
+  </p:cSld>
+  <p:clrMapOvr>
+    <a:masterClrMapping/>
+  </p:clrMapOvr>
+</p:sld>
+</file>
+
+<file path=ppt/slides/slide11.xml><?xml version="1.0" encoding="utf-8"?>
+<p:sld xmlns:a="http://schemas.openxmlformats.org/drawingml/2006/main" xmlns:r="http://schemas.openxmlformats.org/officeDocument/2006/relationships" xmlns:p="http://schemas.openxmlformats.org/presentationml/2006/main">
+  <p:cSld>
+    <p:spTree>
+      <p:nvGrpSpPr>
+        <p:cNvPr id="1" name=""/>
+        <p:cNvGrpSpPr/>
+        <p:nvPr/>
+      </p:nvGrpSpPr>
+      <p:grpSpPr>
+        <a:xfrm>
+          <a:off x="0" y="0"/>
+          <a:ext cx="0" cy="0"/>
+          <a:chOff x="0" y="0"/>
+          <a:chExt cx="0" cy="0"/>
+        </a:xfrm>
+      </p:grpSpPr>
+      <p:sp>
+        <p:nvSpPr>
+          <p:cNvPr id="26" name="Titel 25">
+            <a:extLst>
+              <a:ext uri="{FF2B5EF4-FFF2-40B4-BE49-F238E27FC236}">
+                <a16:creationId xmlns:a16="http://schemas.microsoft.com/office/drawing/2014/main" id="{72E51545-85FD-43EC-B3A6-6649167D71A6}"/>
               </a:ext>
             </a:extLst>
           </p:cNvPr>
@@ -31632,109 +30620,25 @@
         </p:nvSpPr>
         <p:spPr/>
         <p:txBody>
-          <a:bodyPr rtlCol="0">
-            <a:normAutofit/>
+          <a:bodyPr>
+            <a:noAutofit/>
           </a:bodyPr>
           <a:lstStyle/>
           <a:p>
-            <a:pPr rtl="0"/>
             <a:r>
-              <a:rPr lang="nl-NL" dirty="0" err="1"/>
-              <a:t>Lorem</a:t>
+              <a:rPr lang="en-GB" sz="2400" dirty="0"/>
+              <a:t>Tijdens development: fouten</a:t>
             </a:r>
-            <a:r>
-              <a:rPr lang="nl-NL" dirty="0"/>
-              <a:t> </a:t>
-            </a:r>
-            <a:r>
-              <a:rPr lang="nl-NL" dirty="0" err="1"/>
-              <a:t>ipsum</a:t>
-            </a:r>
-            <a:r>
-              <a:rPr lang="nl-NL" dirty="0"/>
-              <a:t> </a:t>
-            </a:r>
-            <a:r>
-              <a:rPr lang="nl-NL" dirty="0" err="1"/>
-              <a:t>dolor</a:t>
-            </a:r>
-            <a:r>
-              <a:rPr lang="nl-NL" dirty="0"/>
-              <a:t> </a:t>
-            </a:r>
-            <a:r>
-              <a:rPr lang="nl-NL" dirty="0" err="1"/>
-              <a:t>sit</a:t>
-            </a:r>
-            <a:r>
-              <a:rPr lang="nl-NL" dirty="0"/>
-              <a:t> </a:t>
-            </a:r>
-            <a:r>
-              <a:rPr lang="nl-NL" dirty="0" err="1"/>
-              <a:t>amet</a:t>
-            </a:r>
-            <a:r>
-              <a:rPr lang="nl-NL" dirty="0"/>
-              <a:t>, </a:t>
-            </a:r>
-            <a:r>
-              <a:rPr lang="nl-NL" dirty="0" err="1"/>
-              <a:t>consectetuer</a:t>
-            </a:r>
-            <a:r>
-              <a:rPr lang="nl-NL" dirty="0"/>
-              <a:t> </a:t>
-            </a:r>
-            <a:r>
-              <a:rPr lang="nl-NL" dirty="0" err="1"/>
-              <a:t>adipiscing</a:t>
-            </a:r>
-            <a:r>
-              <a:rPr lang="nl-NL" dirty="0"/>
-              <a:t> </a:t>
-            </a:r>
-            <a:r>
-              <a:rPr lang="nl-NL" dirty="0" err="1"/>
-              <a:t>elit</a:t>
-            </a:r>
-            <a:r>
-              <a:rPr lang="nl-NL" dirty="0"/>
-              <a:t>. </a:t>
-            </a:r>
-            <a:r>
-              <a:rPr lang="nl-NL" dirty="0" err="1"/>
-              <a:t>Maecenas</a:t>
-            </a:r>
-            <a:r>
-              <a:rPr lang="nl-NL" dirty="0"/>
-              <a:t> </a:t>
-            </a:r>
-            <a:r>
-              <a:rPr lang="nl-NL" dirty="0" err="1"/>
-              <a:t>porttitor</a:t>
-            </a:r>
-            <a:r>
-              <a:rPr lang="nl-NL" dirty="0"/>
-              <a:t> </a:t>
-            </a:r>
-            <a:r>
-              <a:rPr lang="nl-NL" dirty="0" err="1"/>
-              <a:t>congue</a:t>
-            </a:r>
-            <a:r>
-              <a:rPr lang="nl-NL" dirty="0"/>
-              <a:t> massa</a:t>
-            </a:r>
+            <a:endParaRPr lang="nl-BE" sz="2400" dirty="0"/>
           </a:p>
         </p:txBody>
       </p:sp>
       <p:sp>
         <p:nvSpPr>
-          <p:cNvPr id="3" name="Tijdelijke aanduiding voor voettekst 2">
+          <p:cNvPr id="27" name="Tijdelijke aanduiding voor tekst 26">
             <a:extLst>
               <a:ext uri="{FF2B5EF4-FFF2-40B4-BE49-F238E27FC236}">
-                <a16:creationId xmlns:a16="http://schemas.microsoft.com/office/drawing/2014/main" id="{EA45DB45-A744-4939-A7FE-863B69ECEA97}"/>
+                <a16:creationId xmlns:a16="http://schemas.microsoft.com/office/drawing/2014/main" id="{B9EB5BEF-FC17-486D-953A-E9DC73F6045B}"/>
               </a:ext>
             </a:extLst>
           </p:cNvPr>
@@ -31742,28 +30646,66 @@
             <a:spLocks noGrp="1"/>
           </p:cNvSpPr>
           <p:nvPr>
-            <p:ph type="ftr" sz="quarter" idx="11"/>
+            <p:ph type="body" sz="quarter" idx="16"/>
           </p:nvPr>
         </p:nvSpPr>
         <p:spPr/>
         <p:txBody>
-          <a:bodyPr rtlCol="0"/>
+          <a:bodyPr/>
           <a:lstStyle/>
           <a:p>
-            <a:pPr rtl="0"/>
+            <a:pPr marL="285750" indent="-285750">
+              <a:buFont typeface="Arial" panose="020B0604020202020204" pitchFamily="34" charset="0"/>
+              <a:buChar char="•"/>
+            </a:pPr>
             <a:r>
-              <a:rPr lang="nl-NL" dirty="0"/>
-              <a:t>EEN VOETTEKST TOEVOEGEN</a:t>
+              <a:rPr lang="en-GB" dirty="0" err="1"/>
+              <a:t>Consistentie</a:t>
             </a:r>
+            <a:endParaRPr lang="en-GB" dirty="0"/>
+          </a:p>
+          <a:p>
+            <a:pPr marL="285750" indent="-285750">
+              <a:buFont typeface="Arial" panose="020B0604020202020204" pitchFamily="34" charset="0"/>
+              <a:buChar char="•"/>
+            </a:pPr>
+            <a:r>
+              <a:rPr lang="en-GB" dirty="0" err="1"/>
+              <a:t>Te</a:t>
+            </a:r>
+            <a:r>
+              <a:rPr lang="en-GB" dirty="0"/>
+              <a:t> </a:t>
+            </a:r>
+            <a:r>
+              <a:rPr lang="en-GB" dirty="0" err="1"/>
+              <a:t>vroeg</a:t>
+            </a:r>
+            <a:r>
+              <a:rPr lang="en-GB" dirty="0"/>
+              <a:t> </a:t>
+            </a:r>
+            <a:r>
+              <a:rPr lang="en-GB" dirty="0" err="1"/>
+              <a:t>begonnen</a:t>
+            </a:r>
+            <a:endParaRPr lang="en-GB" dirty="0"/>
+          </a:p>
+          <a:p>
+            <a:pPr marL="285750" indent="-285750">
+              <a:buFont typeface="Arial" panose="020B0604020202020204" pitchFamily="34" charset="0"/>
+              <a:buChar char="•"/>
+            </a:pPr>
+            <a:endParaRPr lang="nl-BE" dirty="0"/>
           </a:p>
         </p:txBody>
       </p:sp>
       <p:sp>
         <p:nvSpPr>
-          <p:cNvPr id="4" name="Tijdelijke aanduiding voor dianummer 3">
+          <p:cNvPr id="28" name="Tijdelijke aanduiding voor tabel 27">
             <a:extLst>
               <a:ext uri="{FF2B5EF4-FFF2-40B4-BE49-F238E27FC236}">
-                <a16:creationId xmlns:a16="http://schemas.microsoft.com/office/drawing/2014/main" id="{CAEDD93A-2AFF-4DF7-87EA-7C7F419AC314}"/>
+                <a16:creationId xmlns:a16="http://schemas.microsoft.com/office/drawing/2014/main" id="{FDD14DC3-4206-437A-8C1C-0C5208AB8E55}"/>
               </a:ext>
             </a:extLst>
           </p:cNvPr>
@@ -31771,27 +30713,45 @@
             <a:spLocks noGrp="1"/>
           </p:cNvSpPr>
           <p:nvPr>
-            <p:ph type="sldNum" sz="quarter" idx="12"/>
+            <p:ph type="tbl" sz="quarter" idx="17"/>
           </p:nvPr>
         </p:nvSpPr>
         <p:spPr/>
-        <p:txBody>
-          <a:bodyPr rtlCol="0"/>
-          <a:lstStyle/>
-          <a:p>
-            <a:pPr rtl="0"/>
-            <a:fld id="{D495E168-DA5E-4888-8D8A-92B118324C14}" type="slidenum">
-              <a:rPr lang="nl-NL" smtClean="0"/>
-              <a:t>10</a:t>
-            </a:fld>
-            <a:endParaRPr lang="nl-NL" dirty="0"/>
-          </a:p>
-        </p:txBody>
       </p:sp>
+      <p:pic>
+        <p:nvPicPr>
+          <p:cNvPr id="30" name="Afbeelding 29" descr="Afbeelding met tekst&#10;&#10;Beschrijving is gegenereerd met hoge betrouwbaarheid">
+            <a:extLst>
+              <a:ext uri="{FF2B5EF4-FFF2-40B4-BE49-F238E27FC236}">
+                <a16:creationId xmlns:a16="http://schemas.microsoft.com/office/drawing/2014/main" id="{8D2B1F7E-C8AE-4E4D-AFCC-9B470091141B}"/>
+              </a:ext>
+            </a:extLst>
+          </p:cNvPr>
+          <p:cNvPicPr>
+            <a:picLocks noChangeAspect="1"/>
+          </p:cNvPicPr>
+          <p:nvPr/>
+        </p:nvPicPr>
+        <p:blipFill>
+          <a:blip r:embed="rId2"/>
+          <a:stretch>
+            <a:fillRect/>
+          </a:stretch>
+        </p:blipFill>
+        <p:spPr>
+          <a:xfrm>
+            <a:off x="5637875" y="1653680"/>
+            <a:ext cx="4734187" cy="3550640"/>
+          </a:xfrm>
+          <a:prstGeom prst="rect">
+            <a:avLst/>
+          </a:prstGeom>
+        </p:spPr>
+      </p:pic>
     </p:spTree>
     <p:extLst>
       <p:ext uri="{BB962C8B-B14F-4D97-AF65-F5344CB8AC3E}">
-        <p14:creationId xmlns:p14="http://schemas.microsoft.com/office/powerpoint/2010/main" val="1855796050"/>
+        <p14:creationId xmlns:p14="http://schemas.microsoft.com/office/powerpoint/2010/main" val="2072747167"/>
       </p:ext>
     </p:extLst>
   </p:cSld>
@@ -31801,7 +30761,7 @@
 </p:sld>
 </file>
 
-<file path=ppt/slides/slide11.xml><?xml version="1.0" encoding="utf-8"?>
+<file path=ppt/slides/slide12.xml><?xml version="1.0" encoding="utf-8"?>
 <p:sld xmlns:a="http://schemas.openxmlformats.org/drawingml/2006/main" xmlns:r="http://schemas.openxmlformats.org/officeDocument/2006/relationships" xmlns:p="http://schemas.openxmlformats.org/presentationml/2006/main">
   <p:cSld>
     <p:spTree>
@@ -31860,41 +30820,7 @@
             <a:spLocks noGrp="1"/>
           </p:cNvSpPr>
           <p:nvPr>
-            <p:ph type="body" sz="quarter" idx="16"/>
-          </p:nvPr>
-        </p:nvSpPr>
-        <p:spPr>
-          <a:xfrm>
-            <a:off x="824420" y="3955665"/>
-            <a:ext cx="4367531" cy="524711"/>
-          </a:xfrm>
-        </p:spPr>
-        <p:txBody>
-          <a:bodyPr rtlCol="0"/>
-          <a:lstStyle/>
-          <a:p>
-            <a:pPr rtl="0"/>
-            <a:r>
-              <a:rPr lang="nl-NL" dirty="0"/>
-              <a:t>Nawang Tendar</a:t>
-            </a:r>
-          </a:p>
-        </p:txBody>
-      </p:sp>
-      <p:sp>
-        <p:nvSpPr>
-          <p:cNvPr id="4" name="Tijdelijke aanduiding voor tekst 3">
-            <a:extLst>
-              <a:ext uri="{FF2B5EF4-FFF2-40B4-BE49-F238E27FC236}">
-                <a16:creationId xmlns:a16="http://schemas.microsoft.com/office/drawing/2014/main" id="{EE5A967A-4C75-4949-9D48-17FD2D8B8B59}"/>
-              </a:ext>
-            </a:extLst>
-          </p:cNvPr>
-          <p:cNvSpPr>
-            <a:spLocks noGrp="1"/>
-          </p:cNvSpPr>
-          <p:nvPr>
-            <p:ph type="body" sz="quarter" idx="17"/>
+            <p:ph type="subTitle" idx="1"/>
           </p:nvPr>
         </p:nvSpPr>
         <p:spPr/>
@@ -31903,119 +30829,13 @@
           <a:lstStyle/>
           <a:p>
             <a:pPr rtl="0"/>
-            <a:endParaRPr lang="nl-NL" dirty="0"/>
+            <a:r>
+              <a:rPr lang="nl-NL" dirty="0"/>
+              <a:t>Lets get real</a:t>
+            </a:r>
           </a:p>
         </p:txBody>
       </p:sp>
-      <p:sp>
-        <p:nvSpPr>
-          <p:cNvPr id="5" name="Tijdelijke aanduiding voor tekst 4">
-            <a:extLst>
-              <a:ext uri="{FF2B5EF4-FFF2-40B4-BE49-F238E27FC236}">
-                <a16:creationId xmlns:a16="http://schemas.microsoft.com/office/drawing/2014/main" id="{E15085CC-458F-4E9F-AF16-A815111FBF00}"/>
-              </a:ext>
-            </a:extLst>
-          </p:cNvPr>
-          <p:cNvSpPr>
-            <a:spLocks noGrp="1"/>
-          </p:cNvSpPr>
-          <p:nvPr>
-            <p:ph type="body" sz="quarter" idx="18"/>
-          </p:nvPr>
-        </p:nvSpPr>
-        <p:spPr/>
-        <p:txBody>
-          <a:bodyPr rtlCol="0"/>
-          <a:lstStyle/>
-          <a:p>
-            <a:pPr rtl="0"/>
-            <a:endParaRPr lang="nl-NL" dirty="0"/>
-          </a:p>
-        </p:txBody>
-      </p:sp>
-      <p:sp>
-        <p:nvSpPr>
-          <p:cNvPr id="6" name="Tijdelijke aanduiding voor tekst 5">
-            <a:extLst>
-              <a:ext uri="{FF2B5EF4-FFF2-40B4-BE49-F238E27FC236}">
-                <a16:creationId xmlns:a16="http://schemas.microsoft.com/office/drawing/2014/main" id="{459230DA-C209-4406-A9FA-EE60A7827F74}"/>
-              </a:ext>
-            </a:extLst>
-          </p:cNvPr>
-          <p:cNvSpPr>
-            <a:spLocks noGrp="1"/>
-          </p:cNvSpPr>
-          <p:nvPr>
-            <p:ph type="body" sz="quarter" idx="19"/>
-          </p:nvPr>
-        </p:nvSpPr>
-        <p:spPr/>
-        <p:txBody>
-          <a:bodyPr rtlCol="0"/>
-          <a:lstStyle/>
-          <a:p>
-            <a:pPr rtl="0"/>
-            <a:endParaRPr lang="nl-NL" dirty="0"/>
-          </a:p>
-        </p:txBody>
-      </p:sp>
-      <p:sp>
-        <p:nvSpPr>
-          <p:cNvPr id="7" name="Tijdelijke aanduiding voor tekst 6">
-            <a:extLst>
-              <a:ext uri="{FF2B5EF4-FFF2-40B4-BE49-F238E27FC236}">
-                <a16:creationId xmlns:a16="http://schemas.microsoft.com/office/drawing/2014/main" id="{D10F5C8F-9E7F-4E64-9AF6-329D1654118B}"/>
-              </a:ext>
-            </a:extLst>
-          </p:cNvPr>
-          <p:cNvSpPr>
-            <a:spLocks noGrp="1"/>
-          </p:cNvSpPr>
-          <p:nvPr>
-            <p:ph type="body" sz="quarter" idx="20"/>
-          </p:nvPr>
-        </p:nvSpPr>
-        <p:spPr/>
-        <p:txBody>
-          <a:bodyPr rtlCol="0"/>
-          <a:lstStyle/>
-          <a:p>
-            <a:pPr rtl="0"/>
-            <a:r>
-              <a:rPr lang="nl-NL" dirty="0"/>
-              <a:t>n.tendar@gmail.com</a:t>
-            </a:r>
-          </a:p>
-        </p:txBody>
-      </p:sp>
-      <p:pic>
-        <p:nvPicPr>
-          <p:cNvPr id="16" name="Tijdelijke aanduiding voor afbeelding 15" descr="Prachtig uitzicht over strand">
-            <a:extLst>
-              <a:ext uri="{FF2B5EF4-FFF2-40B4-BE49-F238E27FC236}">
-                <a16:creationId xmlns:a16="http://schemas.microsoft.com/office/drawing/2014/main" id="{9AE9B74E-83A6-4E11-8B41-300A15318533}"/>
-              </a:ext>
-            </a:extLst>
-          </p:cNvPr>
-          <p:cNvPicPr>
-            <a:picLocks noGrp="1" noChangeAspect="1"/>
-          </p:cNvPicPr>
-          <p:nvPr>
-            <p:ph type="pic" sz="quarter" idx="21"/>
-          </p:nvPr>
-        </p:nvPicPr>
-        <p:blipFill rotWithShape="1">
-          <a:blip r:embed="rId3"/>
-          <a:srcRect l="32866" r="20338"/>
-          <a:stretch/>
-        </p:blipFill>
-        <p:spPr>
-          <a:xfrm>
-            <a:off x="5245189" y="1"/>
-            <a:ext cx="6943003" cy="5934621"/>
-          </a:xfrm>
-        </p:spPr>
-      </p:pic>
     </p:spTree>
     <p:extLst>
       <p:ext uri="{BB962C8B-B14F-4D97-AF65-F5344CB8AC3E}">
@@ -32029,7 +30849,348 @@
 </p:sld>
 </file>
 
+<file path=ppt/slides/slide13.xml><?xml version="1.0" encoding="utf-8"?>
+<p:sld xmlns:a="http://schemas.openxmlformats.org/drawingml/2006/main" xmlns:r="http://schemas.openxmlformats.org/officeDocument/2006/relationships" xmlns:p="http://schemas.openxmlformats.org/presentationml/2006/main">
+  <p:cSld>
+    <p:spTree>
+      <p:nvGrpSpPr>
+        <p:cNvPr id="1" name=""/>
+        <p:cNvGrpSpPr/>
+        <p:nvPr/>
+      </p:nvGrpSpPr>
+      <p:grpSpPr>
+        <a:xfrm>
+          <a:off x="0" y="0"/>
+          <a:ext cx="0" cy="0"/>
+          <a:chOff x="0" y="0"/>
+          <a:chExt cx="0" cy="0"/>
+        </a:xfrm>
+      </p:grpSpPr>
+      <p:sp>
+        <p:nvSpPr>
+          <p:cNvPr id="5" name="Titel 4">
+            <a:extLst>
+              <a:ext uri="{FF2B5EF4-FFF2-40B4-BE49-F238E27FC236}">
+                <a16:creationId xmlns:a16="http://schemas.microsoft.com/office/drawing/2014/main" id="{3A483267-D13E-45C6-895A-743DA26910A7}"/>
+              </a:ext>
+            </a:extLst>
+          </p:cNvPr>
+          <p:cNvSpPr>
+            <a:spLocks noGrp="1"/>
+          </p:cNvSpPr>
+          <p:nvPr>
+            <p:ph type="title"/>
+          </p:nvPr>
+        </p:nvSpPr>
+        <p:spPr/>
+        <p:txBody>
+          <a:bodyPr rtlCol="0">
+            <a:normAutofit/>
+          </a:bodyPr>
+          <a:lstStyle/>
+          <a:p>
+            <a:pPr rtl="0"/>
+            <a:r>
+              <a:rPr lang="nl-NL" dirty="0" err="1"/>
+              <a:t>Thank</a:t>
+            </a:r>
+            <a:r>
+              <a:rPr lang="nl-NL" dirty="0"/>
+              <a:t> </a:t>
+            </a:r>
+            <a:r>
+              <a:rPr lang="nl-NL" dirty="0" err="1"/>
+              <a:t>you</a:t>
+            </a:r>
+            <a:endParaRPr lang="nl-NL" dirty="0"/>
+          </a:p>
+        </p:txBody>
+      </p:sp>
+      <p:sp>
+        <p:nvSpPr>
+          <p:cNvPr id="6" name="Ondertitel 5">
+            <a:extLst>
+              <a:ext uri="{FF2B5EF4-FFF2-40B4-BE49-F238E27FC236}">
+                <a16:creationId xmlns:a16="http://schemas.microsoft.com/office/drawing/2014/main" id="{2EA41EBE-74EA-4321-976E-385D9C6A97BE}"/>
+              </a:ext>
+            </a:extLst>
+          </p:cNvPr>
+          <p:cNvSpPr>
+            <a:spLocks noGrp="1"/>
+          </p:cNvSpPr>
+          <p:nvPr>
+            <p:ph type="subTitle" idx="1"/>
+          </p:nvPr>
+        </p:nvSpPr>
+        <p:spPr>
+          <a:xfrm>
+            <a:off x="758588" y="3428999"/>
+            <a:ext cx="3629300" cy="1517355"/>
+          </a:xfrm>
+        </p:spPr>
+        <p:txBody>
+          <a:bodyPr>
+            <a:normAutofit/>
+          </a:bodyPr>
+          <a:lstStyle/>
+          <a:p>
+            <a:r>
+              <a:rPr lang="en-GB" sz="1800" dirty="0"/>
+              <a:t>Questions?</a:t>
+            </a:r>
+            <a:endParaRPr lang="nl-BE" sz="1800" dirty="0"/>
+          </a:p>
+        </p:txBody>
+      </p:sp>
+      <p:sp>
+        <p:nvSpPr>
+          <p:cNvPr id="3" name="Tijdelijke aanduiding voor voettekst 2">
+            <a:extLst>
+              <a:ext uri="{FF2B5EF4-FFF2-40B4-BE49-F238E27FC236}">
+                <a16:creationId xmlns:a16="http://schemas.microsoft.com/office/drawing/2014/main" id="{EA45DB45-A744-4939-A7FE-863B69ECEA97}"/>
+              </a:ext>
+            </a:extLst>
+          </p:cNvPr>
+          <p:cNvSpPr>
+            <a:spLocks noGrp="1"/>
+          </p:cNvSpPr>
+          <p:nvPr>
+            <p:ph type="ftr" sz="quarter" idx="4294967295"/>
+          </p:nvPr>
+        </p:nvSpPr>
+        <p:spPr>
+          <a:xfrm>
+            <a:off x="838899" y="5816600"/>
+            <a:ext cx="2387600" cy="365125"/>
+          </a:xfrm>
+        </p:spPr>
+        <p:txBody>
+          <a:bodyPr rtlCol="0"/>
+          <a:lstStyle/>
+          <a:p>
+            <a:pPr rtl="0"/>
+            <a:r>
+              <a:rPr lang="nl-NL" dirty="0"/>
+              <a:t>Fund Time</a:t>
+            </a:r>
+          </a:p>
+        </p:txBody>
+      </p:sp>
+      <p:sp>
+        <p:nvSpPr>
+          <p:cNvPr id="4" name="Tijdelijke aanduiding voor dianummer 3">
+            <a:extLst>
+              <a:ext uri="{FF2B5EF4-FFF2-40B4-BE49-F238E27FC236}">
+                <a16:creationId xmlns:a16="http://schemas.microsoft.com/office/drawing/2014/main" id="{CAEDD93A-2AFF-4DF7-87EA-7C7F419AC314}"/>
+              </a:ext>
+            </a:extLst>
+          </p:cNvPr>
+          <p:cNvSpPr>
+            <a:spLocks noGrp="1"/>
+          </p:cNvSpPr>
+          <p:nvPr>
+            <p:ph type="sldNum" sz="quarter" idx="4294967295"/>
+          </p:nvPr>
+        </p:nvSpPr>
+        <p:spPr>
+          <a:xfrm>
+            <a:off x="11642725" y="5816600"/>
+            <a:ext cx="549275" cy="365125"/>
+          </a:xfrm>
+        </p:spPr>
+        <p:txBody>
+          <a:bodyPr rtlCol="0"/>
+          <a:lstStyle/>
+          <a:p>
+            <a:pPr rtl="0"/>
+            <a:fld id="{D495E168-DA5E-4888-8D8A-92B118324C14}" type="slidenum">
+              <a:rPr lang="nl-NL" smtClean="0"/>
+              <a:t>13</a:t>
+            </a:fld>
+            <a:endParaRPr lang="nl-NL" dirty="0"/>
+          </a:p>
+        </p:txBody>
+      </p:sp>
+    </p:spTree>
+    <p:extLst>
+      <p:ext uri="{BB962C8B-B14F-4D97-AF65-F5344CB8AC3E}">
+        <p14:creationId xmlns:p14="http://schemas.microsoft.com/office/powerpoint/2010/main" val="1855796050"/>
+      </p:ext>
+    </p:extLst>
+  </p:cSld>
+  <p:clrMapOvr>
+    <a:masterClrMapping/>
+  </p:clrMapOvr>
+</p:sld>
+</file>
+
 <file path=ppt/slides/slide2.xml><?xml version="1.0" encoding="utf-8"?>
+<p:sld xmlns:a="http://schemas.openxmlformats.org/drawingml/2006/main" xmlns:r="http://schemas.openxmlformats.org/officeDocument/2006/relationships" xmlns:p="http://schemas.openxmlformats.org/presentationml/2006/main">
+  <p:cSld>
+    <p:spTree>
+      <p:nvGrpSpPr>
+        <p:cNvPr id="1" name=""/>
+        <p:cNvGrpSpPr/>
+        <p:nvPr/>
+      </p:nvGrpSpPr>
+      <p:grpSpPr>
+        <a:xfrm>
+          <a:off x="0" y="0"/>
+          <a:ext cx="0" cy="0"/>
+          <a:chOff x="0" y="0"/>
+          <a:chExt cx="0" cy="0"/>
+        </a:xfrm>
+      </p:grpSpPr>
+      <p:sp>
+        <p:nvSpPr>
+          <p:cNvPr id="5" name="Tijdelijke aanduiding voor voettekst 4">
+            <a:extLst>
+              <a:ext uri="{FF2B5EF4-FFF2-40B4-BE49-F238E27FC236}">
+                <a16:creationId xmlns:a16="http://schemas.microsoft.com/office/drawing/2014/main" id="{11AF0A62-ACF3-4683-B76F-C6654A8D85A1}"/>
+              </a:ext>
+            </a:extLst>
+          </p:cNvPr>
+          <p:cNvSpPr>
+            <a:spLocks noGrp="1"/>
+          </p:cNvSpPr>
+          <p:nvPr>
+            <p:ph type="ftr" sz="quarter" idx="11"/>
+          </p:nvPr>
+        </p:nvSpPr>
+        <p:spPr/>
+        <p:txBody>
+          <a:bodyPr/>
+          <a:lstStyle/>
+          <a:p>
+            <a:pPr rtl="0"/>
+            <a:r>
+              <a:rPr lang="nl-NL" noProof="0" dirty="0"/>
+              <a:t>LOGO</a:t>
+            </a:r>
+          </a:p>
+        </p:txBody>
+      </p:sp>
+      <p:sp>
+        <p:nvSpPr>
+          <p:cNvPr id="6" name="Tijdelijke aanduiding voor dianummer 5">
+            <a:extLst>
+              <a:ext uri="{FF2B5EF4-FFF2-40B4-BE49-F238E27FC236}">
+                <a16:creationId xmlns:a16="http://schemas.microsoft.com/office/drawing/2014/main" id="{EF1F46AF-88FF-44B5-821F-A54030EF7489}"/>
+              </a:ext>
+            </a:extLst>
+          </p:cNvPr>
+          <p:cNvSpPr>
+            <a:spLocks noGrp="1"/>
+          </p:cNvSpPr>
+          <p:nvPr>
+            <p:ph type="sldNum" sz="quarter" idx="12"/>
+          </p:nvPr>
+        </p:nvSpPr>
+        <p:spPr/>
+        <p:txBody>
+          <a:bodyPr/>
+          <a:lstStyle/>
+          <a:p>
+            <a:pPr rtl="0"/>
+            <a:fld id="{D495E168-DA5E-4888-8D8A-92B118324C14}" type="slidenum">
+              <a:rPr lang="nl-NL" noProof="0" smtClean="0"/>
+              <a:t>2</a:t>
+            </a:fld>
+            <a:endParaRPr lang="nl-NL" noProof="0" dirty="0"/>
+          </a:p>
+        </p:txBody>
+      </p:sp>
+      <p:sp>
+        <p:nvSpPr>
+          <p:cNvPr id="9" name="Rechthoek 8">
+            <a:extLst>
+              <a:ext uri="{FF2B5EF4-FFF2-40B4-BE49-F238E27FC236}">
+                <a16:creationId xmlns:a16="http://schemas.microsoft.com/office/drawing/2014/main" id="{F16DD28D-D533-4A5B-9F5B-D02DF66ABCC6}"/>
+              </a:ext>
+            </a:extLst>
+          </p:cNvPr>
+          <p:cNvSpPr/>
+          <p:nvPr/>
+        </p:nvSpPr>
+        <p:spPr>
+          <a:xfrm>
+            <a:off x="0" y="0"/>
+            <a:ext cx="12192000" cy="6920917"/>
+          </a:xfrm>
+          <a:prstGeom prst="rect">
+            <a:avLst/>
+          </a:prstGeom>
+          <a:gradFill flip="none" rotWithShape="1">
+            <a:gsLst>
+              <a:gs pos="12000">
+                <a:schemeClr val="accent1"/>
+              </a:gs>
+              <a:gs pos="100000">
+                <a:schemeClr val="accent3"/>
+              </a:gs>
+            </a:gsLst>
+            <a:lin ang="0" scaled="1"/>
+            <a:tileRect/>
+          </a:gradFill>
+          <a:ln w="12700" cap="flat">
+            <a:noFill/>
+            <a:prstDash val="solid"/>
+            <a:miter/>
+          </a:ln>
+        </p:spPr>
+        <p:txBody>
+          <a:bodyPr rtlCol="0" anchor="ctr"/>
+          <a:lstStyle/>
+          <a:p>
+            <a:pPr algn="l"/>
+            <a:endParaRPr lang="nl-BE" dirty="0"/>
+          </a:p>
+        </p:txBody>
+      </p:sp>
+      <p:pic>
+        <p:nvPicPr>
+          <p:cNvPr id="15" name="Afbeelding 14" descr="Afbeelding met vectorafbeeldingen&#10;&#10;Beschrijving is gegenereerd met hoge betrouwbaarheid">
+            <a:extLst>
+              <a:ext uri="{FF2B5EF4-FFF2-40B4-BE49-F238E27FC236}">
+                <a16:creationId xmlns:a16="http://schemas.microsoft.com/office/drawing/2014/main" id="{77D067D1-2BC4-4C8F-8CA1-7CE909B6978C}"/>
+              </a:ext>
+            </a:extLst>
+          </p:cNvPr>
+          <p:cNvPicPr>
+            <a:picLocks noChangeAspect="1"/>
+          </p:cNvPicPr>
+          <p:nvPr/>
+        </p:nvPicPr>
+        <p:blipFill>
+          <a:blip r:embed="rId2"/>
+          <a:stretch>
+            <a:fillRect/>
+          </a:stretch>
+        </p:blipFill>
+        <p:spPr>
+          <a:xfrm>
+            <a:off x="4370154" y="2089933"/>
+            <a:ext cx="3451692" cy="2741050"/>
+          </a:xfrm>
+          <a:prstGeom prst="rect">
+            <a:avLst/>
+          </a:prstGeom>
+        </p:spPr>
+      </p:pic>
+    </p:spTree>
+    <p:extLst>
+      <p:ext uri="{BB962C8B-B14F-4D97-AF65-F5344CB8AC3E}">
+        <p14:creationId xmlns:p14="http://schemas.microsoft.com/office/powerpoint/2010/main" val="22215009"/>
+      </p:ext>
+    </p:extLst>
+  </p:cSld>
+  <p:clrMapOvr>
+    <a:masterClrMapping/>
+  </p:clrMapOvr>
+</p:sld>
+</file>
+
+<file path=ppt/slides/slide3.xml><?xml version="1.0" encoding="utf-8"?>
 <p:sld xmlns:a="http://schemas.openxmlformats.org/drawingml/2006/main" xmlns:r="http://schemas.openxmlformats.org/officeDocument/2006/relationships" xmlns:p="http://schemas.openxmlformats.org/presentationml/2006/main">
   <p:cSld>
     <p:spTree>
@@ -32126,9 +31287,10 @@
           <a:p>
             <a:pPr rtl="0"/>
             <a:r>
-              <a:rPr lang="nl-NL" noProof="0" dirty="0"/>
-              <a:t>Fund Time</a:t>
+              <a:rPr lang="nl-NL" dirty="0"/>
+              <a:t>Probleem</a:t>
             </a:r>
+            <a:endParaRPr lang="nl-NL" noProof="0" dirty="0"/>
           </a:p>
         </p:txBody>
       </p:sp>
@@ -32156,7 +31318,7 @@
             <a:pPr rtl="0"/>
             <a:fld id="{D495E168-DA5E-4888-8D8A-92B118324C14}" type="slidenum">
               <a:rPr lang="nl-NL" noProof="0" smtClean="0"/>
-              <a:t>2</a:t>
+              <a:t>3</a:t>
             </a:fld>
             <a:endParaRPr lang="nl-NL" noProof="0" dirty="0"/>
           </a:p>
@@ -32175,7 +31337,7 @@
 </p:sld>
 </file>
 
-<file path=ppt/slides/slide3.xml><?xml version="1.0" encoding="utf-8"?>
+<file path=ppt/slides/slide4.xml><?xml version="1.0" encoding="utf-8"?>
 <p:sld xmlns:a="http://schemas.openxmlformats.org/drawingml/2006/main" xmlns:r="http://schemas.openxmlformats.org/officeDocument/2006/relationships" xmlns:p="http://schemas.openxmlformats.org/presentationml/2006/main">
   <p:cSld>
     <p:spTree>
@@ -32274,7 +31436,7 @@
             <a:pPr rtl="0"/>
             <a:r>
               <a:rPr lang="nl-NL" dirty="0"/>
-              <a:t>Fund Time</a:t>
+              <a:t>Oplossing</a:t>
             </a:r>
           </a:p>
         </p:txBody>
@@ -32304,7 +31466,7 @@
             <a:fld id="{D495E168-DA5E-4888-8D8A-92B118324C14}" type="slidenum">
               <a:rPr lang="nl-NL" smtClean="0"/>
               <a:pPr rtl="0"/>
-              <a:t>3</a:t>
+              <a:t>4</a:t>
             </a:fld>
             <a:endParaRPr lang="nl-NL" dirty="0"/>
           </a:p>
@@ -32393,7 +31555,472 @@
 </p:sld>
 </file>
 
-<file path=ppt/slides/slide4.xml><?xml version="1.0" encoding="utf-8"?>
+<file path=ppt/slides/slide5.xml><?xml version="1.0" encoding="utf-8"?>
+<p:sld xmlns:a="http://schemas.openxmlformats.org/drawingml/2006/main" xmlns:r="http://schemas.openxmlformats.org/officeDocument/2006/relationships" xmlns:p="http://schemas.openxmlformats.org/presentationml/2006/main">
+  <p:cSld>
+    <p:spTree>
+      <p:nvGrpSpPr>
+        <p:cNvPr id="1" name=""/>
+        <p:cNvGrpSpPr/>
+        <p:nvPr/>
+      </p:nvGrpSpPr>
+      <p:grpSpPr>
+        <a:xfrm>
+          <a:off x="0" y="0"/>
+          <a:ext cx="0" cy="0"/>
+          <a:chOff x="0" y="0"/>
+          <a:chExt cx="0" cy="0"/>
+        </a:xfrm>
+      </p:grpSpPr>
+      <p:sp>
+        <p:nvSpPr>
+          <p:cNvPr id="4" name="Tijdelijke aanduiding voor voettekst 3">
+            <a:extLst>
+              <a:ext uri="{FF2B5EF4-FFF2-40B4-BE49-F238E27FC236}">
+                <a16:creationId xmlns:a16="http://schemas.microsoft.com/office/drawing/2014/main" id="{992E424B-421A-45D4-94A8-F13EEECF3A55}"/>
+              </a:ext>
+            </a:extLst>
+          </p:cNvPr>
+          <p:cNvSpPr>
+            <a:spLocks noGrp="1"/>
+          </p:cNvSpPr>
+          <p:nvPr>
+            <p:ph type="ftr" sz="quarter" idx="11"/>
+          </p:nvPr>
+        </p:nvSpPr>
+        <p:spPr/>
+        <p:txBody>
+          <a:bodyPr/>
+          <a:lstStyle/>
+          <a:p>
+            <a:pPr rtl="0"/>
+            <a:r>
+              <a:rPr lang="nl-NL" noProof="0" dirty="0" err="1"/>
+              <a:t>Wireframe</a:t>
+            </a:r>
+            <a:endParaRPr lang="nl-NL" noProof="0" dirty="0"/>
+          </a:p>
+        </p:txBody>
+      </p:sp>
+      <p:sp>
+        <p:nvSpPr>
+          <p:cNvPr id="5" name="Tijdelijke aanduiding voor dianummer 4">
+            <a:extLst>
+              <a:ext uri="{FF2B5EF4-FFF2-40B4-BE49-F238E27FC236}">
+                <a16:creationId xmlns:a16="http://schemas.microsoft.com/office/drawing/2014/main" id="{8EBD94CA-7B10-40DA-9142-645E8B2F720E}"/>
+              </a:ext>
+            </a:extLst>
+          </p:cNvPr>
+          <p:cNvSpPr>
+            <a:spLocks noGrp="1"/>
+          </p:cNvSpPr>
+          <p:nvPr>
+            <p:ph type="sldNum" sz="quarter" idx="12"/>
+          </p:nvPr>
+        </p:nvSpPr>
+        <p:spPr/>
+        <p:txBody>
+          <a:bodyPr/>
+          <a:lstStyle/>
+          <a:p>
+            <a:pPr rtl="0"/>
+            <a:fld id="{D495E168-DA5E-4888-8D8A-92B118324C14}" type="slidenum">
+              <a:rPr lang="nl-NL" noProof="0" smtClean="0"/>
+              <a:t>5</a:t>
+            </a:fld>
+            <a:endParaRPr lang="nl-NL" noProof="0" dirty="0"/>
+          </a:p>
+        </p:txBody>
+      </p:sp>
+      <p:pic>
+        <p:nvPicPr>
+          <p:cNvPr id="11" name="Tijdelijke aanduiding voor inhoud 10" descr="Afbeelding met tekst, kaart&#10;&#10;Beschrijving is gegenereerd met hoge betrouwbaarheid">
+            <a:extLst>
+              <a:ext uri="{FF2B5EF4-FFF2-40B4-BE49-F238E27FC236}">
+                <a16:creationId xmlns:a16="http://schemas.microsoft.com/office/drawing/2014/main" id="{F770DCC6-043F-4B90-B363-A7A23358A7BB}"/>
+              </a:ext>
+            </a:extLst>
+          </p:cNvPr>
+          <p:cNvPicPr>
+            <a:picLocks noGrp="1" noChangeAspect="1"/>
+          </p:cNvPicPr>
+          <p:nvPr>
+            <p:ph idx="4294967295"/>
+          </p:nvPr>
+        </p:nvPicPr>
+        <p:blipFill>
+          <a:blip r:embed="rId2"/>
+          <a:stretch>
+            <a:fillRect/>
+          </a:stretch>
+        </p:blipFill>
+        <p:spPr>
+          <a:xfrm>
+            <a:off x="812290" y="557255"/>
+            <a:ext cx="9135975" cy="5138869"/>
+          </a:xfrm>
+        </p:spPr>
+      </p:pic>
+    </p:spTree>
+    <p:extLst>
+      <p:ext uri="{BB962C8B-B14F-4D97-AF65-F5344CB8AC3E}">
+        <p14:creationId xmlns:p14="http://schemas.microsoft.com/office/powerpoint/2010/main" val="2638808503"/>
+      </p:ext>
+    </p:extLst>
+  </p:cSld>
+  <p:clrMapOvr>
+    <a:masterClrMapping/>
+  </p:clrMapOvr>
+</p:sld>
+</file>
+
+<file path=ppt/slides/slide6.xml><?xml version="1.0" encoding="utf-8"?>
+<p:sld xmlns:a="http://schemas.openxmlformats.org/drawingml/2006/main" xmlns:r="http://schemas.openxmlformats.org/officeDocument/2006/relationships" xmlns:p="http://schemas.openxmlformats.org/presentationml/2006/main">
+  <p:cSld>
+    <p:spTree>
+      <p:nvGrpSpPr>
+        <p:cNvPr id="1" name=""/>
+        <p:cNvGrpSpPr/>
+        <p:nvPr/>
+      </p:nvGrpSpPr>
+      <p:grpSpPr>
+        <a:xfrm>
+          <a:off x="0" y="0"/>
+          <a:ext cx="0" cy="0"/>
+          <a:chOff x="0" y="0"/>
+          <a:chExt cx="0" cy="0"/>
+        </a:xfrm>
+      </p:grpSpPr>
+      <p:sp>
+        <p:nvSpPr>
+          <p:cNvPr id="2" name="Tijdelijke aanduiding voor voettekst 1">
+            <a:extLst>
+              <a:ext uri="{FF2B5EF4-FFF2-40B4-BE49-F238E27FC236}">
+                <a16:creationId xmlns:a16="http://schemas.microsoft.com/office/drawing/2014/main" id="{302B8770-5649-4316-BFA0-2ED1B5B43972}"/>
+              </a:ext>
+            </a:extLst>
+          </p:cNvPr>
+          <p:cNvSpPr>
+            <a:spLocks noGrp="1"/>
+          </p:cNvSpPr>
+          <p:nvPr>
+            <p:ph type="ftr" sz="quarter" idx="11"/>
+          </p:nvPr>
+        </p:nvSpPr>
+        <p:spPr/>
+        <p:txBody>
+          <a:bodyPr/>
+          <a:lstStyle/>
+          <a:p>
+            <a:pPr rtl="0"/>
+            <a:r>
+              <a:rPr lang="nl-NL" noProof="0" dirty="0"/>
+              <a:t>Visual Design </a:t>
+            </a:r>
+          </a:p>
+        </p:txBody>
+      </p:sp>
+      <p:sp>
+        <p:nvSpPr>
+          <p:cNvPr id="3" name="Tijdelijke aanduiding voor dianummer 2">
+            <a:extLst>
+              <a:ext uri="{FF2B5EF4-FFF2-40B4-BE49-F238E27FC236}">
+                <a16:creationId xmlns:a16="http://schemas.microsoft.com/office/drawing/2014/main" id="{C0448379-B035-4EDF-B07A-9E059EA250F3}"/>
+              </a:ext>
+            </a:extLst>
+          </p:cNvPr>
+          <p:cNvSpPr>
+            <a:spLocks noGrp="1"/>
+          </p:cNvSpPr>
+          <p:nvPr>
+            <p:ph type="sldNum" sz="quarter" idx="12"/>
+          </p:nvPr>
+        </p:nvSpPr>
+        <p:spPr/>
+        <p:txBody>
+          <a:bodyPr/>
+          <a:lstStyle/>
+          <a:p>
+            <a:pPr rtl="0"/>
+            <a:fld id="{D495E168-DA5E-4888-8D8A-92B118324C14}" type="slidenum">
+              <a:rPr lang="nl-NL" noProof="0" smtClean="0"/>
+              <a:t>6</a:t>
+            </a:fld>
+            <a:endParaRPr lang="nl-NL" noProof="0" dirty="0"/>
+          </a:p>
+        </p:txBody>
+      </p:sp>
+      <p:pic>
+        <p:nvPicPr>
+          <p:cNvPr id="5" name="Afbeelding 4">
+            <a:extLst>
+              <a:ext uri="{FF2B5EF4-FFF2-40B4-BE49-F238E27FC236}">
+                <a16:creationId xmlns:a16="http://schemas.microsoft.com/office/drawing/2014/main" id="{02482C15-274D-46E0-8507-25A2833CCA45}"/>
+              </a:ext>
+            </a:extLst>
+          </p:cNvPr>
+          <p:cNvPicPr>
+            <a:picLocks noChangeAspect="1"/>
+          </p:cNvPicPr>
+          <p:nvPr/>
+        </p:nvPicPr>
+        <p:blipFill>
+          <a:blip r:embed="rId2"/>
+          <a:stretch>
+            <a:fillRect/>
+          </a:stretch>
+        </p:blipFill>
+        <p:spPr>
+          <a:xfrm>
+            <a:off x="838200" y="385894"/>
+            <a:ext cx="8650687" cy="5430925"/>
+          </a:xfrm>
+          <a:prstGeom prst="rect">
+            <a:avLst/>
+          </a:prstGeom>
+        </p:spPr>
+      </p:pic>
+    </p:spTree>
+    <p:extLst>
+      <p:ext uri="{BB962C8B-B14F-4D97-AF65-F5344CB8AC3E}">
+        <p14:creationId xmlns:p14="http://schemas.microsoft.com/office/powerpoint/2010/main" val="2988751580"/>
+      </p:ext>
+    </p:extLst>
+  </p:cSld>
+  <p:clrMapOvr>
+    <a:masterClrMapping/>
+  </p:clrMapOvr>
+</p:sld>
+</file>
+
+<file path=ppt/slides/slide7.xml><?xml version="1.0" encoding="utf-8"?>
+<p:sld xmlns:a="http://schemas.openxmlformats.org/drawingml/2006/main" xmlns:r="http://schemas.openxmlformats.org/officeDocument/2006/relationships" xmlns:p="http://schemas.openxmlformats.org/presentationml/2006/main">
+  <p:cSld>
+    <p:spTree>
+      <p:nvGrpSpPr>
+        <p:cNvPr id="1" name=""/>
+        <p:cNvGrpSpPr/>
+        <p:nvPr/>
+      </p:nvGrpSpPr>
+      <p:grpSpPr>
+        <a:xfrm>
+          <a:off x="0" y="0"/>
+          <a:ext cx="0" cy="0"/>
+          <a:chOff x="0" y="0"/>
+          <a:chExt cx="0" cy="0"/>
+        </a:xfrm>
+      </p:grpSpPr>
+      <p:pic>
+        <p:nvPicPr>
+          <p:cNvPr id="15" name="Tijdelijke aanduiding voor afbeelding 14" descr="Afbeelding met tafel, computer, binnen, muur&#10;&#10;Beschrijving is gegenereerd met zeer hoge betrouwbaarheid">
+            <a:extLst>
+              <a:ext uri="{FF2B5EF4-FFF2-40B4-BE49-F238E27FC236}">
+                <a16:creationId xmlns:a16="http://schemas.microsoft.com/office/drawing/2014/main" id="{A1FEA1EE-6230-4DE5-8587-D2D2AE87731D}"/>
+              </a:ext>
+            </a:extLst>
+          </p:cNvPr>
+          <p:cNvPicPr>
+            <a:picLocks noGrp="1" noChangeAspect="1"/>
+          </p:cNvPicPr>
+          <p:nvPr>
+            <p:ph type="pic" idx="1"/>
+          </p:nvPr>
+        </p:nvPicPr>
+        <p:blipFill>
+          <a:blip r:embed="rId2"/>
+          <a:srcRect l="2841" r="2841"/>
+          <a:stretch>
+            <a:fillRect/>
+          </a:stretch>
+        </p:blipFill>
+        <p:spPr>
+          <a:xfrm>
+            <a:off x="5792634" y="540908"/>
+            <a:ext cx="6416144" cy="4534825"/>
+          </a:xfrm>
+        </p:spPr>
+      </p:pic>
+      <p:sp>
+        <p:nvSpPr>
+          <p:cNvPr id="2" name="Tijdelijke aanduiding voor voettekst 1">
+            <a:extLst>
+              <a:ext uri="{FF2B5EF4-FFF2-40B4-BE49-F238E27FC236}">
+                <a16:creationId xmlns:a16="http://schemas.microsoft.com/office/drawing/2014/main" id="{5C44C340-F107-4535-9DAA-40F060E7FD41}"/>
+              </a:ext>
+            </a:extLst>
+          </p:cNvPr>
+          <p:cNvSpPr>
+            <a:spLocks noGrp="1"/>
+          </p:cNvSpPr>
+          <p:nvPr>
+            <p:ph type="ftr" sz="quarter" idx="11"/>
+          </p:nvPr>
+        </p:nvSpPr>
+        <p:spPr/>
+        <p:txBody>
+          <a:bodyPr/>
+          <a:lstStyle/>
+          <a:p>
+            <a:pPr rtl="0"/>
+            <a:r>
+              <a:rPr lang="nl-NL" noProof="0" dirty="0"/>
+              <a:t>User Power</a:t>
+            </a:r>
+          </a:p>
+        </p:txBody>
+      </p:sp>
+      <p:sp>
+        <p:nvSpPr>
+          <p:cNvPr id="3" name="Tijdelijke aanduiding voor dianummer 2">
+            <a:extLst>
+              <a:ext uri="{FF2B5EF4-FFF2-40B4-BE49-F238E27FC236}">
+                <a16:creationId xmlns:a16="http://schemas.microsoft.com/office/drawing/2014/main" id="{3EF2D1A0-F6CC-49A1-9835-B08636BDE2AC}"/>
+              </a:ext>
+            </a:extLst>
+          </p:cNvPr>
+          <p:cNvSpPr>
+            <a:spLocks noGrp="1"/>
+          </p:cNvSpPr>
+          <p:nvPr>
+            <p:ph type="sldNum" sz="quarter" idx="12"/>
+          </p:nvPr>
+        </p:nvSpPr>
+        <p:spPr/>
+        <p:txBody>
+          <a:bodyPr/>
+          <a:lstStyle/>
+          <a:p>
+            <a:pPr rtl="0"/>
+            <a:fld id="{D495E168-DA5E-4888-8D8A-92B118324C14}" type="slidenum">
+              <a:rPr lang="nl-NL" noProof="0" smtClean="0"/>
+              <a:t>7</a:t>
+            </a:fld>
+            <a:endParaRPr lang="nl-NL" noProof="0" dirty="0"/>
+          </a:p>
+        </p:txBody>
+      </p:sp>
+      <p:sp>
+        <p:nvSpPr>
+          <p:cNvPr id="11" name="Titel 10">
+            <a:extLst>
+              <a:ext uri="{FF2B5EF4-FFF2-40B4-BE49-F238E27FC236}">
+                <a16:creationId xmlns:a16="http://schemas.microsoft.com/office/drawing/2014/main" id="{4DEAEE1B-E5AE-4114-AEAA-298E96E0308F}"/>
+              </a:ext>
+            </a:extLst>
+          </p:cNvPr>
+          <p:cNvSpPr>
+            <a:spLocks noGrp="1"/>
+          </p:cNvSpPr>
+          <p:nvPr>
+            <p:ph type="title"/>
+          </p:nvPr>
+        </p:nvSpPr>
+        <p:spPr/>
+        <p:txBody>
+          <a:bodyPr/>
+          <a:lstStyle/>
+          <a:p>
+            <a:r>
+              <a:rPr lang="en-GB" dirty="0"/>
+              <a:t>USER POWER</a:t>
+            </a:r>
+            <a:endParaRPr lang="nl-BE" dirty="0"/>
+          </a:p>
+        </p:txBody>
+      </p:sp>
+      <p:sp>
+        <p:nvSpPr>
+          <p:cNvPr id="13" name="Tijdelijke aanduiding voor tekst 12">
+            <a:extLst>
+              <a:ext uri="{FF2B5EF4-FFF2-40B4-BE49-F238E27FC236}">
+                <a16:creationId xmlns:a16="http://schemas.microsoft.com/office/drawing/2014/main" id="{14B4F70B-0537-47C6-8FFB-A419E49DC274}"/>
+              </a:ext>
+            </a:extLst>
+          </p:cNvPr>
+          <p:cNvSpPr>
+            <a:spLocks noGrp="1"/>
+          </p:cNvSpPr>
+          <p:nvPr>
+            <p:ph type="body" sz="half" idx="2"/>
+          </p:nvPr>
+        </p:nvSpPr>
+        <p:spPr/>
+        <p:txBody>
+          <a:bodyPr/>
+          <a:lstStyle/>
+          <a:p>
+            <a:pPr marL="285750" indent="-285750">
+              <a:buFont typeface="Arial" panose="020B0604020202020204" pitchFamily="34" charset="0"/>
+              <a:buChar char="•"/>
+            </a:pPr>
+            <a:r>
+              <a:rPr lang="en-GB" dirty="0"/>
+              <a:t>Create new projects</a:t>
+            </a:r>
+          </a:p>
+          <a:p>
+            <a:pPr marL="285750" indent="-285750">
+              <a:buFont typeface="Arial" panose="020B0604020202020204" pitchFamily="34" charset="0"/>
+              <a:buChar char="•"/>
+            </a:pPr>
+            <a:r>
+              <a:rPr lang="en-GB" dirty="0"/>
+              <a:t>Fund other projects</a:t>
+            </a:r>
+          </a:p>
+          <a:p>
+            <a:pPr marL="285750" indent="-285750">
+              <a:buFont typeface="Arial" panose="020B0604020202020204" pitchFamily="34" charset="0"/>
+              <a:buChar char="•"/>
+            </a:pPr>
+            <a:r>
+              <a:rPr lang="en-GB" dirty="0"/>
+              <a:t>Comments</a:t>
+            </a:r>
+          </a:p>
+          <a:p>
+            <a:pPr marL="285750" indent="-285750">
+              <a:buFont typeface="Arial" panose="020B0604020202020204" pitchFamily="34" charset="0"/>
+              <a:buChar char="•"/>
+            </a:pPr>
+            <a:r>
+              <a:rPr lang="en-GB" dirty="0"/>
+              <a:t>Control own project</a:t>
+            </a:r>
+          </a:p>
+          <a:p>
+            <a:pPr marL="285750" indent="-285750">
+              <a:buFont typeface="Arial" panose="020B0604020202020204" pitchFamily="34" charset="0"/>
+              <a:buChar char="•"/>
+            </a:pPr>
+            <a:r>
+              <a:rPr lang="en-GB" dirty="0"/>
+              <a:t>Download in PDF</a:t>
+            </a:r>
+          </a:p>
+          <a:p>
+            <a:pPr marL="285750" indent="-285750">
+              <a:buFont typeface="Arial" panose="020B0604020202020204" pitchFamily="34" charset="0"/>
+              <a:buChar char="•"/>
+            </a:pPr>
+            <a:endParaRPr lang="nl-BE" dirty="0"/>
+          </a:p>
+        </p:txBody>
+      </p:sp>
+    </p:spTree>
+    <p:extLst>
+      <p:ext uri="{BB962C8B-B14F-4D97-AF65-F5344CB8AC3E}">
+        <p14:creationId xmlns:p14="http://schemas.microsoft.com/office/powerpoint/2010/main" val="556901892"/>
+      </p:ext>
+    </p:extLst>
+  </p:cSld>
+  <p:clrMapOvr>
+    <a:masterClrMapping/>
+  </p:clrMapOvr>
+</p:sld>
+</file>
+
+<file path=ppt/slides/slide8.xml><?xml version="1.0" encoding="utf-8"?>
 <p:sld xmlns:a="http://schemas.openxmlformats.org/drawingml/2006/main" xmlns:r="http://schemas.openxmlformats.org/officeDocument/2006/relationships" xmlns:p="http://schemas.openxmlformats.org/presentationml/2006/main">
   <p:cSld>
     <p:spTree>
@@ -32481,7 +32108,12 @@
             <p:ph type="body" idx="1"/>
           </p:nvPr>
         </p:nvSpPr>
-        <p:spPr/>
+        <p:spPr>
+          <a:xfrm>
+            <a:off x="811311" y="2288473"/>
+            <a:ext cx="4365625" cy="365125"/>
+          </a:xfrm>
+        </p:spPr>
         <p:txBody>
           <a:bodyPr rtlCol="0">
             <a:normAutofit fontScale="92500" lnSpcReduction="20000"/>
@@ -32512,10 +32144,15 @@
             <p:ph type="body" idx="20"/>
           </p:nvPr>
         </p:nvSpPr>
-        <p:spPr/>
+        <p:spPr>
+          <a:xfrm>
+            <a:off x="811311" y="2623125"/>
+            <a:ext cx="4365625" cy="2333625"/>
+          </a:xfrm>
+        </p:spPr>
         <p:txBody>
           <a:bodyPr rtlCol="0">
-            <a:normAutofit lnSpcReduction="10000"/>
+            <a:normAutofit fontScale="92500" lnSpcReduction="20000"/>
           </a:bodyPr>
           <a:lstStyle/>
           <a:p>
@@ -32583,6 +32220,17 @@
               <a:rPr lang="nl-NL" dirty="0" err="1"/>
               <a:t>Shop_Items</a:t>
             </a:r>
+            <a:endParaRPr lang="nl-NL" dirty="0"/>
+          </a:p>
+          <a:p>
+            <a:r>
+              <a:rPr lang="nl-NL" dirty="0" err="1"/>
+              <a:t>Project_Images</a:t>
+            </a:r>
+            <a:endParaRPr lang="nl-NL" dirty="0"/>
+          </a:p>
+          <a:p>
+            <a:pPr rtl="0"/>
             <a:endParaRPr lang="nl-NL" dirty="0"/>
           </a:p>
         </p:txBody>
@@ -32605,7 +32253,7 @@
         </p:nvSpPr>
         <p:spPr>
           <a:xfrm>
-            <a:off x="5973985" y="2959593"/>
+            <a:off x="5973985" y="2288473"/>
             <a:ext cx="5627989" cy="365125"/>
           </a:xfrm>
         </p:spPr>
@@ -32639,7 +32287,12 @@
             <p:ph type="body" sz="quarter" idx="21"/>
           </p:nvPr>
         </p:nvSpPr>
-        <p:spPr/>
+        <p:spPr>
+          <a:xfrm>
+            <a:off x="5973985" y="2623125"/>
+            <a:ext cx="4365625" cy="2333625"/>
+          </a:xfrm>
+        </p:spPr>
         <p:txBody>
           <a:bodyPr rtlCol="0">
             <a:normAutofit/>
@@ -32650,14 +32303,6 @@
             <a:r>
               <a:rPr lang="nl-NL" dirty="0" err="1"/>
               <a:t>Category_Project</a:t>
-            </a:r>
-            <a:endParaRPr lang="nl-NL" dirty="0"/>
-          </a:p>
-          <a:p>
-            <a:pPr rtl="0"/>
-            <a:r>
-              <a:rPr lang="nl-NL" dirty="0" err="1"/>
-              <a:t>Project_Images</a:t>
             </a:r>
             <a:endParaRPr lang="nl-NL" dirty="0"/>
           </a:p>
@@ -32679,7 +32324,12 @@
             <p:ph type="ftr" sz="quarter" idx="11"/>
           </p:nvPr>
         </p:nvSpPr>
-        <p:spPr/>
+        <p:spPr>
+          <a:xfrm>
+            <a:off x="812290" y="5797769"/>
+            <a:ext cx="4114800" cy="365125"/>
+          </a:xfrm>
+        </p:spPr>
         <p:txBody>
           <a:bodyPr rtlCol="0"/>
           <a:lstStyle/>
@@ -32717,7 +32367,7 @@
             <a:fld id="{D495E168-DA5E-4888-8D8A-92B118324C14}" type="slidenum">
               <a:rPr lang="nl-NL" smtClean="0"/>
               <a:pPr rtl="0"/>
-              <a:t>4</a:t>
+              <a:t>8</a:t>
             </a:fld>
             <a:endParaRPr lang="nl-NL" dirty="0"/>
           </a:p>
@@ -32736,7 +32386,7 @@
 </p:sld>
 </file>
 
-<file path=ppt/slides/slide5.xml><?xml version="1.0" encoding="utf-8"?>
+<file path=ppt/slides/slide9.xml><?xml version="1.0" encoding="utf-8"?>
 <p:sld xmlns:a="http://schemas.openxmlformats.org/drawingml/2006/main" xmlns:r="http://schemas.openxmlformats.org/officeDocument/2006/relationships" xmlns:p="http://schemas.openxmlformats.org/presentationml/2006/main">
   <p:cSld>
     <p:spTree>
@@ -32834,68 +32484,12 @@
             <a:pPr rtl="0"/>
             <a:r>
               <a:rPr lang="nl-NL" dirty="0" err="1"/>
-              <a:t>Lorem</a:t>
+              <a:t>Main</a:t>
             </a:r>
             <a:r>
               <a:rPr lang="nl-NL" dirty="0"/>
-              <a:t> </a:t>
+              <a:t> Routes</a:t>
             </a:r>
-            <a:r>
-              <a:rPr lang="nl-NL" dirty="0" err="1"/>
-              <a:t>ipsum</a:t>
-            </a:r>
-            <a:r>
-              <a:rPr lang="nl-NL" dirty="0"/>
-              <a:t> </a:t>
-            </a:r>
-            <a:r>
-              <a:rPr lang="nl-NL" dirty="0" err="1"/>
-              <a:t>dolor</a:t>
-            </a:r>
-            <a:r>
-              <a:rPr lang="nl-NL" dirty="0"/>
-              <a:t> </a:t>
-            </a:r>
-            <a:r>
-              <a:rPr lang="nl-NL" dirty="0" err="1"/>
-              <a:t>sit</a:t>
-            </a:r>
-            <a:r>
-              <a:rPr lang="nl-NL" dirty="0"/>
-              <a:t> </a:t>
-            </a:r>
-            <a:r>
-              <a:rPr lang="nl-NL" dirty="0" err="1"/>
-              <a:t>amet</a:t>
-            </a:r>
-            <a:r>
-              <a:rPr lang="nl-NL" dirty="0"/>
-              <a:t>,</a:t>
-            </a:r>
-            <a:br>
-              <a:rPr lang="nl-NL" dirty="0"/>
-            </a:br>
-            <a:r>
-              <a:rPr lang="nl-NL" dirty="0" err="1"/>
-              <a:t>constituter</a:t>
-            </a:r>
-            <a:r>
-              <a:rPr lang="nl-NL" dirty="0"/>
-              <a:t> </a:t>
-            </a:r>
-            <a:r>
-              <a:rPr lang="nl-NL" dirty="0" err="1"/>
-              <a:t>adipescent</a:t>
-            </a:r>
-            <a:r>
-              <a:rPr lang="nl-NL" dirty="0"/>
-              <a:t> </a:t>
-            </a:r>
-            <a:r>
-              <a:rPr lang="nl-NL" dirty="0" err="1"/>
-              <a:t>elit</a:t>
-            </a:r>
-            <a:endParaRPr lang="nl-NL" dirty="0"/>
           </a:p>
         </p:txBody>
       </p:sp>
@@ -32923,7 +32517,36 @@
             <a:pPr rtl="0"/>
             <a:r>
               <a:rPr lang="nl-NL" dirty="0" err="1"/>
-              <a:t>Lorem</a:t>
+              <a:t>Projects</a:t>
+            </a:r>
+            <a:endParaRPr lang="nl-NL" dirty="0"/>
+          </a:p>
+          <a:p>
+            <a:pPr rtl="0"/>
+            <a:r>
+              <a:rPr lang="nl-NL" dirty="0"/>
+              <a:t>News</a:t>
+            </a:r>
+          </a:p>
+          <a:p>
+            <a:pPr rtl="0"/>
+            <a:r>
+              <a:rPr lang="nl-NL" dirty="0"/>
+              <a:t>Pages</a:t>
+            </a:r>
+          </a:p>
+          <a:p>
+            <a:pPr rtl="0"/>
+            <a:r>
+              <a:rPr lang="nl-NL" dirty="0"/>
+              <a:t>Shop</a:t>
+            </a:r>
+          </a:p>
+          <a:p>
+            <a:pPr rtl="0"/>
+            <a:r>
+              <a:rPr lang="nl-NL" dirty="0" err="1"/>
+              <a:t>Category</a:t>
             </a:r>
             <a:r>
               <a:rPr lang="nl-NL" dirty="0"/>
@@ -32931,384 +32554,17 @@
             </a:r>
             <a:r>
               <a:rPr lang="nl-NL" dirty="0" err="1"/>
-              <a:t>ipsum</a:t>
+              <a:t>Sorted</a:t>
             </a:r>
-            <a:r>
-              <a:rPr lang="nl-NL" dirty="0"/>
-              <a:t> </a:t>
-            </a:r>
-            <a:r>
-              <a:rPr lang="nl-NL" dirty="0" err="1"/>
-              <a:t>dolor</a:t>
-            </a:r>
-            <a:r>
-              <a:rPr lang="nl-NL" dirty="0"/>
-              <a:t> </a:t>
-            </a:r>
-            <a:r>
-              <a:rPr lang="nl-NL" dirty="0" err="1"/>
-              <a:t>sit</a:t>
-            </a:r>
-            <a:r>
-              <a:rPr lang="nl-NL" dirty="0"/>
-              <a:t> </a:t>
-            </a:r>
-            <a:r>
-              <a:rPr lang="nl-NL" dirty="0" err="1"/>
-              <a:t>amet</a:t>
-            </a:r>
-            <a:r>
-              <a:rPr lang="nl-NL" dirty="0"/>
-              <a:t>, </a:t>
-            </a:r>
-            <a:r>
-              <a:rPr lang="nl-NL" dirty="0" err="1"/>
-              <a:t>constituter</a:t>
-            </a:r>
-            <a:r>
-              <a:rPr lang="nl-NL" dirty="0"/>
-              <a:t> </a:t>
-            </a:r>
-            <a:r>
-              <a:rPr lang="nl-NL" dirty="0" err="1"/>
-              <a:t>adipescent</a:t>
-            </a:r>
-            <a:r>
-              <a:rPr lang="nl-NL" dirty="0"/>
-              <a:t> </a:t>
-            </a:r>
-            <a:r>
-              <a:rPr lang="nl-NL" dirty="0" err="1"/>
-              <a:t>elit</a:t>
-            </a:r>
-            <a:r>
-              <a:rPr lang="nl-NL" dirty="0"/>
-              <a:t>. </a:t>
-            </a:r>
-            <a:r>
-              <a:rPr lang="nl-NL" dirty="0" err="1"/>
-              <a:t>Maecenas</a:t>
-            </a:r>
-            <a:r>
-              <a:rPr lang="nl-NL" dirty="0"/>
-              <a:t> </a:t>
-            </a:r>
-            <a:r>
-              <a:rPr lang="nl-NL" dirty="0" err="1"/>
-              <a:t>porttitor</a:t>
-            </a:r>
-            <a:r>
-              <a:rPr lang="nl-NL" dirty="0"/>
-              <a:t> </a:t>
-            </a:r>
-            <a:r>
-              <a:rPr lang="nl-NL" dirty="0" err="1"/>
-              <a:t>congue</a:t>
-            </a:r>
-            <a:r>
-              <a:rPr lang="nl-NL" dirty="0"/>
-              <a:t> massa.</a:t>
-            </a:r>
+            <a:endParaRPr lang="nl-NL" dirty="0"/>
           </a:p>
           <a:p>
             <a:pPr rtl="0"/>
             <a:r>
               <a:rPr lang="nl-NL" dirty="0" err="1"/>
-              <a:t>Fusce</a:t>
+              <a:t>Auth</a:t>
             </a:r>
-            <a:r>
-              <a:rPr lang="nl-NL" dirty="0"/>
-              <a:t> </a:t>
-            </a:r>
-            <a:r>
-              <a:rPr lang="nl-NL" dirty="0" err="1"/>
-              <a:t>posuere</a:t>
-            </a:r>
-            <a:r>
-              <a:rPr lang="nl-NL" dirty="0"/>
-              <a:t>, magna </a:t>
-            </a:r>
-            <a:r>
-              <a:rPr lang="nl-NL" dirty="0" err="1"/>
-              <a:t>sed</a:t>
-            </a:r>
-            <a:r>
-              <a:rPr lang="nl-NL" dirty="0"/>
-              <a:t> </a:t>
-            </a:r>
-            <a:r>
-              <a:rPr lang="nl-NL" dirty="0" err="1"/>
-              <a:t>pulvinar</a:t>
-            </a:r>
-            <a:r>
-              <a:rPr lang="nl-NL" dirty="0"/>
-              <a:t> </a:t>
-            </a:r>
-            <a:r>
-              <a:rPr lang="nl-NL" dirty="0" err="1"/>
-              <a:t>ultricies</a:t>
-            </a:r>
-            <a:r>
-              <a:rPr lang="nl-NL" dirty="0"/>
-              <a:t>, </a:t>
-            </a:r>
-            <a:r>
-              <a:rPr lang="nl-NL" dirty="0" err="1"/>
-              <a:t>purus</a:t>
-            </a:r>
-            <a:r>
-              <a:rPr lang="nl-NL" dirty="0"/>
-              <a:t> </a:t>
-            </a:r>
-            <a:r>
-              <a:rPr lang="nl-NL" dirty="0" err="1"/>
-              <a:t>lectus</a:t>
-            </a:r>
-            <a:r>
-              <a:rPr lang="nl-NL" dirty="0"/>
-              <a:t> </a:t>
-            </a:r>
-            <a:r>
-              <a:rPr lang="nl-NL" dirty="0" err="1"/>
-              <a:t>malesuada</a:t>
-            </a:r>
-            <a:r>
-              <a:rPr lang="nl-NL" dirty="0"/>
-              <a:t> libero, </a:t>
-            </a:r>
-            <a:r>
-              <a:rPr lang="nl-NL" dirty="0" err="1"/>
-              <a:t>sit</a:t>
-            </a:r>
-            <a:r>
-              <a:rPr lang="nl-NL" dirty="0"/>
-              <a:t> </a:t>
-            </a:r>
-            <a:r>
-              <a:rPr lang="nl-NL" dirty="0" err="1"/>
-              <a:t>amet</a:t>
-            </a:r>
-            <a:r>
-              <a:rPr lang="nl-NL" dirty="0"/>
-              <a:t> commodo magna eros </a:t>
-            </a:r>
-            <a:r>
-              <a:rPr lang="nl-NL" dirty="0" err="1"/>
-              <a:t>quis</a:t>
-            </a:r>
-            <a:r>
-              <a:rPr lang="nl-NL" dirty="0"/>
-              <a:t> </a:t>
-            </a:r>
-            <a:r>
-              <a:rPr lang="nl-NL" dirty="0" err="1"/>
-              <a:t>urna</a:t>
-            </a:r>
-            <a:r>
-              <a:rPr lang="nl-NL" dirty="0"/>
-              <a:t>.</a:t>
-            </a:r>
-          </a:p>
-          <a:p>
-            <a:pPr rtl="0"/>
-            <a:r>
-              <a:rPr lang="nl-NL" dirty="0" err="1"/>
-              <a:t>Nunc</a:t>
-            </a:r>
-            <a:r>
-              <a:rPr lang="nl-NL" dirty="0"/>
-              <a:t> </a:t>
-            </a:r>
-            <a:r>
-              <a:rPr lang="nl-NL" dirty="0" err="1"/>
-              <a:t>viverra</a:t>
-            </a:r>
-            <a:r>
-              <a:rPr lang="nl-NL" dirty="0"/>
-              <a:t> </a:t>
-            </a:r>
-            <a:r>
-              <a:rPr lang="nl-NL" dirty="0" err="1"/>
-              <a:t>imperdiet</a:t>
-            </a:r>
-            <a:r>
-              <a:rPr lang="nl-NL" dirty="0"/>
-              <a:t> </a:t>
-            </a:r>
-            <a:r>
-              <a:rPr lang="nl-NL" dirty="0" err="1"/>
-              <a:t>enim</a:t>
-            </a:r>
-            <a:r>
-              <a:rPr lang="nl-NL" dirty="0"/>
-              <a:t>. </a:t>
-            </a:r>
-            <a:r>
-              <a:rPr lang="nl-NL" dirty="0" err="1"/>
-              <a:t>Fusce</a:t>
-            </a:r>
-            <a:r>
-              <a:rPr lang="nl-NL" dirty="0"/>
-              <a:t> </a:t>
-            </a:r>
-            <a:r>
-              <a:rPr lang="nl-NL" dirty="0" err="1"/>
-              <a:t>est.</a:t>
-            </a:r>
-            <a:r>
-              <a:rPr lang="nl-NL" dirty="0"/>
-              <a:t> </a:t>
-            </a:r>
-            <a:r>
-              <a:rPr lang="nl-NL" dirty="0" err="1"/>
-              <a:t>Vivamus</a:t>
-            </a:r>
-            <a:br>
-              <a:rPr lang="nl-NL" dirty="0"/>
-            </a:br>
-            <a:r>
-              <a:rPr lang="nl-NL" dirty="0"/>
-              <a:t>a </a:t>
-            </a:r>
-            <a:r>
-              <a:rPr lang="nl-NL" dirty="0" err="1"/>
-              <a:t>tellus</a:t>
-            </a:r>
-            <a:r>
-              <a:rPr lang="nl-NL" dirty="0"/>
-              <a:t>.</a:t>
-            </a:r>
-          </a:p>
-          <a:p>
-            <a:pPr rtl="0"/>
-            <a:r>
-              <a:rPr lang="nl-NL" dirty="0" err="1"/>
-              <a:t>Pellentesque</a:t>
-            </a:r>
-            <a:r>
-              <a:rPr lang="nl-NL" dirty="0"/>
-              <a:t> </a:t>
-            </a:r>
-            <a:r>
-              <a:rPr lang="nl-NL" dirty="0" err="1"/>
-              <a:t>habitant</a:t>
-            </a:r>
-            <a:r>
-              <a:rPr lang="nl-NL" dirty="0"/>
-              <a:t> </a:t>
-            </a:r>
-            <a:r>
-              <a:rPr lang="nl-NL" dirty="0" err="1"/>
-              <a:t>morbi</a:t>
-            </a:r>
-            <a:r>
-              <a:rPr lang="nl-NL" dirty="0"/>
-              <a:t> </a:t>
-            </a:r>
-            <a:r>
-              <a:rPr lang="nl-NL" dirty="0" err="1"/>
-              <a:t>tristique</a:t>
-            </a:r>
-            <a:r>
-              <a:rPr lang="nl-NL" dirty="0"/>
-              <a:t> </a:t>
-            </a:r>
-            <a:r>
-              <a:rPr lang="nl-NL" dirty="0" err="1"/>
-              <a:t>senectus</a:t>
-            </a:r>
-            <a:r>
-              <a:rPr lang="nl-NL" dirty="0"/>
-              <a:t> et </a:t>
-            </a:r>
-            <a:r>
-              <a:rPr lang="nl-NL" dirty="0" err="1"/>
-              <a:t>netus</a:t>
-            </a:r>
-            <a:r>
-              <a:rPr lang="nl-NL" dirty="0"/>
-              <a:t> et </a:t>
-            </a:r>
-            <a:r>
-              <a:rPr lang="nl-NL" dirty="0" err="1"/>
-              <a:t>malesuada</a:t>
-            </a:r>
-            <a:r>
-              <a:rPr lang="nl-NL" dirty="0"/>
-              <a:t> </a:t>
-            </a:r>
-            <a:r>
-              <a:rPr lang="nl-NL" dirty="0" err="1"/>
-              <a:t>fames</a:t>
-            </a:r>
-            <a:r>
-              <a:rPr lang="nl-NL" dirty="0"/>
-              <a:t> </a:t>
-            </a:r>
-            <a:r>
-              <a:rPr lang="nl-NL" dirty="0" err="1"/>
-              <a:t>ac</a:t>
-            </a:r>
-            <a:r>
-              <a:rPr lang="nl-NL" dirty="0"/>
-              <a:t> </a:t>
-            </a:r>
-            <a:r>
-              <a:rPr lang="nl-NL" dirty="0" err="1"/>
-              <a:t>turpis</a:t>
-            </a:r>
-            <a:r>
-              <a:rPr lang="nl-NL" dirty="0"/>
-              <a:t> </a:t>
-            </a:r>
-            <a:r>
-              <a:rPr lang="nl-NL" dirty="0" err="1"/>
-              <a:t>egestas</a:t>
-            </a:r>
-            <a:r>
-              <a:rPr lang="nl-NL" dirty="0"/>
-              <a:t>. </a:t>
-            </a:r>
-            <a:r>
-              <a:rPr lang="nl-NL" dirty="0" err="1"/>
-              <a:t>Proin</a:t>
-            </a:r>
-            <a:r>
-              <a:rPr lang="nl-NL" dirty="0"/>
-              <a:t> </a:t>
-            </a:r>
-            <a:r>
-              <a:rPr lang="nl-NL" dirty="0" err="1"/>
-              <a:t>pharetra</a:t>
-            </a:r>
-            <a:r>
-              <a:rPr lang="nl-NL" dirty="0"/>
-              <a:t> </a:t>
-            </a:r>
-            <a:r>
-              <a:rPr lang="nl-NL" dirty="0" err="1"/>
-              <a:t>nonummy</a:t>
-            </a:r>
-            <a:r>
-              <a:rPr lang="nl-NL" dirty="0"/>
-              <a:t> pede. </a:t>
-            </a:r>
-            <a:r>
-              <a:rPr lang="nl-NL" dirty="0" err="1"/>
-              <a:t>Mauris</a:t>
-            </a:r>
-            <a:r>
-              <a:rPr lang="nl-NL" dirty="0"/>
-              <a:t> et </a:t>
-            </a:r>
-            <a:r>
-              <a:rPr lang="nl-NL" dirty="0" err="1"/>
-              <a:t>orci</a:t>
-            </a:r>
-            <a:r>
-              <a:rPr lang="nl-NL" dirty="0"/>
-              <a:t>.</a:t>
-            </a:r>
+            <a:endParaRPr lang="nl-NL" dirty="0"/>
           </a:p>
         </p:txBody>
       </p:sp>
@@ -33366,7 +32622,7 @@
             <a:fld id="{D495E168-DA5E-4888-8D8A-92B118324C14}" type="slidenum">
               <a:rPr lang="nl-NL" smtClean="0"/>
               <a:pPr rtl="0"/>
-              <a:t>5</a:t>
+              <a:t>9</a:t>
             </a:fld>
             <a:endParaRPr lang="nl-NL" dirty="0"/>
           </a:p>
@@ -33376,4535 +32632,6 @@
     <p:extLst>
       <p:ext uri="{BB962C8B-B14F-4D97-AF65-F5344CB8AC3E}">
         <p14:creationId xmlns:p14="http://schemas.microsoft.com/office/powerpoint/2010/main" val="3066898593"/>
-      </p:ext>
-    </p:extLst>
-  </p:cSld>
-  <p:clrMapOvr>
-    <a:masterClrMapping/>
-  </p:clrMapOvr>
-</p:sld>
-</file>
-
-<file path=ppt/slides/slide6.xml><?xml version="1.0" encoding="utf-8"?>
-<p:sld xmlns:a="http://schemas.openxmlformats.org/drawingml/2006/main" xmlns:r="http://schemas.openxmlformats.org/officeDocument/2006/relationships" xmlns:p="http://schemas.openxmlformats.org/presentationml/2006/main">
-  <p:cSld>
-    <p:spTree>
-      <p:nvGrpSpPr>
-        <p:cNvPr id="1" name=""/>
-        <p:cNvGrpSpPr/>
-        <p:nvPr/>
-      </p:nvGrpSpPr>
-      <p:grpSpPr>
-        <a:xfrm>
-          <a:off x="0" y="0"/>
-          <a:ext cx="0" cy="0"/>
-          <a:chOff x="0" y="0"/>
-          <a:chExt cx="0" cy="0"/>
-        </a:xfrm>
-      </p:grpSpPr>
-      <p:sp>
-        <p:nvSpPr>
-          <p:cNvPr id="2" name="Titel 1">
-            <a:extLst>
-              <a:ext uri="{FF2B5EF4-FFF2-40B4-BE49-F238E27FC236}">
-                <a16:creationId xmlns:a16="http://schemas.microsoft.com/office/drawing/2014/main" id="{64F79B87-4AA7-436A-A28E-213168C1C67B}"/>
-              </a:ext>
-            </a:extLst>
-          </p:cNvPr>
-          <p:cNvSpPr>
-            <a:spLocks noGrp="1"/>
-          </p:cNvSpPr>
-          <p:nvPr>
-            <p:ph type="title"/>
-          </p:nvPr>
-        </p:nvSpPr>
-        <p:spPr/>
-        <p:txBody>
-          <a:bodyPr rtlCol="0"/>
-          <a:lstStyle/>
-          <a:p>
-            <a:pPr rtl="0"/>
-            <a:r>
-              <a:rPr lang="nl-NL" dirty="0"/>
-              <a:t>TEKSTINDELING 02</a:t>
-            </a:r>
-          </a:p>
-        </p:txBody>
-      </p:sp>
-      <p:sp>
-        <p:nvSpPr>
-          <p:cNvPr id="24" name="Tijdelijke aanduiding voor tekst 23">
-            <a:extLst>
-              <a:ext uri="{FF2B5EF4-FFF2-40B4-BE49-F238E27FC236}">
-                <a16:creationId xmlns:a16="http://schemas.microsoft.com/office/drawing/2014/main" id="{DA95CB00-346A-4BCB-AB0E-28FBDAD2E1ED}"/>
-              </a:ext>
-            </a:extLst>
-          </p:cNvPr>
-          <p:cNvSpPr>
-            <a:spLocks noGrp="1"/>
-          </p:cNvSpPr>
-          <p:nvPr>
-            <p:ph type="body" sz="quarter" idx="16"/>
-          </p:nvPr>
-        </p:nvSpPr>
-        <p:spPr/>
-        <p:txBody>
-          <a:bodyPr rtlCol="0"/>
-          <a:lstStyle/>
-          <a:p>
-            <a:pPr rtl="0"/>
-            <a:r>
-              <a:rPr lang="nl-NL" dirty="0" err="1"/>
-              <a:t>Lorem</a:t>
-            </a:r>
-            <a:r>
-              <a:rPr lang="nl-NL" dirty="0"/>
-              <a:t> </a:t>
-            </a:r>
-            <a:r>
-              <a:rPr lang="nl-NL" dirty="0" err="1"/>
-              <a:t>ipsum</a:t>
-            </a:r>
-            <a:r>
-              <a:rPr lang="nl-NL" dirty="0"/>
-              <a:t> </a:t>
-            </a:r>
-            <a:r>
-              <a:rPr lang="nl-NL" dirty="0" err="1"/>
-              <a:t>dolor</a:t>
-            </a:r>
-            <a:r>
-              <a:rPr lang="nl-NL" dirty="0"/>
-              <a:t> </a:t>
-            </a:r>
-            <a:r>
-              <a:rPr lang="nl-NL" dirty="0" err="1"/>
-              <a:t>sit</a:t>
-            </a:r>
-            <a:r>
-              <a:rPr lang="nl-NL" dirty="0"/>
-              <a:t> </a:t>
-            </a:r>
-            <a:r>
-              <a:rPr lang="nl-NL" dirty="0" err="1"/>
-              <a:t>amet</a:t>
-            </a:r>
-            <a:r>
-              <a:rPr lang="nl-NL" dirty="0"/>
-              <a:t>, </a:t>
-            </a:r>
-            <a:r>
-              <a:rPr lang="nl-NL" dirty="0" err="1"/>
-              <a:t>constituter</a:t>
-            </a:r>
-            <a:r>
-              <a:rPr lang="nl-NL" dirty="0"/>
-              <a:t> </a:t>
-            </a:r>
-            <a:r>
-              <a:rPr lang="nl-NL" dirty="0" err="1"/>
-              <a:t>adipescent</a:t>
-            </a:r>
-            <a:r>
-              <a:rPr lang="nl-NL" dirty="0"/>
-              <a:t> </a:t>
-            </a:r>
-            <a:r>
-              <a:rPr lang="nl-NL" dirty="0" err="1"/>
-              <a:t>elit</a:t>
-            </a:r>
-            <a:endParaRPr lang="nl-NL" dirty="0"/>
-          </a:p>
-        </p:txBody>
-      </p:sp>
-      <p:sp>
-        <p:nvSpPr>
-          <p:cNvPr id="25" name="Tijdelijke aanduiding voor tekst 24">
-            <a:extLst>
-              <a:ext uri="{FF2B5EF4-FFF2-40B4-BE49-F238E27FC236}">
-                <a16:creationId xmlns:a16="http://schemas.microsoft.com/office/drawing/2014/main" id="{37B0312A-C970-4CA1-A36F-1BB0C930FBEF}"/>
-              </a:ext>
-            </a:extLst>
-          </p:cNvPr>
-          <p:cNvSpPr>
-            <a:spLocks noGrp="1"/>
-          </p:cNvSpPr>
-          <p:nvPr>
-            <p:ph type="body" sz="quarter" idx="17"/>
-          </p:nvPr>
-        </p:nvSpPr>
-        <p:spPr/>
-        <p:txBody>
-          <a:bodyPr rtlCol="0"/>
-          <a:lstStyle/>
-          <a:p>
-            <a:pPr rtl="0"/>
-            <a:r>
-              <a:rPr lang="nl-NL" dirty="0" err="1"/>
-              <a:t>Lorem</a:t>
-            </a:r>
-            <a:r>
-              <a:rPr lang="nl-NL" dirty="0"/>
-              <a:t> </a:t>
-            </a:r>
-            <a:r>
-              <a:rPr lang="nl-NL" dirty="0" err="1"/>
-              <a:t>ipsum</a:t>
-            </a:r>
-            <a:r>
-              <a:rPr lang="nl-NL" dirty="0"/>
-              <a:t> </a:t>
-            </a:r>
-            <a:r>
-              <a:rPr lang="nl-NL" dirty="0" err="1"/>
-              <a:t>dolor</a:t>
-            </a:r>
-            <a:r>
-              <a:rPr lang="nl-NL" dirty="0"/>
-              <a:t> </a:t>
-            </a:r>
-            <a:r>
-              <a:rPr lang="nl-NL" dirty="0" err="1"/>
-              <a:t>sit</a:t>
-            </a:r>
-            <a:r>
-              <a:rPr lang="nl-NL" dirty="0"/>
-              <a:t> </a:t>
-            </a:r>
-            <a:r>
-              <a:rPr lang="nl-NL" dirty="0" err="1"/>
-              <a:t>amet</a:t>
-            </a:r>
-            <a:r>
-              <a:rPr lang="nl-NL" dirty="0"/>
-              <a:t>, </a:t>
-            </a:r>
-            <a:r>
-              <a:rPr lang="nl-NL" dirty="0" err="1"/>
-              <a:t>constituter</a:t>
-            </a:r>
-            <a:r>
-              <a:rPr lang="nl-NL" dirty="0"/>
-              <a:t> </a:t>
-            </a:r>
-            <a:r>
-              <a:rPr lang="nl-NL" dirty="0" err="1"/>
-              <a:t>adipescent</a:t>
-            </a:r>
-            <a:r>
-              <a:rPr lang="nl-NL" dirty="0"/>
-              <a:t> </a:t>
-            </a:r>
-            <a:r>
-              <a:rPr lang="nl-NL" dirty="0" err="1"/>
-              <a:t>elit</a:t>
-            </a:r>
-            <a:r>
-              <a:rPr lang="nl-NL" dirty="0"/>
-              <a:t>. </a:t>
-            </a:r>
-            <a:r>
-              <a:rPr lang="nl-NL" dirty="0" err="1"/>
-              <a:t>Maecenas</a:t>
-            </a:r>
-            <a:r>
-              <a:rPr lang="nl-NL" dirty="0"/>
-              <a:t> </a:t>
-            </a:r>
-            <a:r>
-              <a:rPr lang="nl-NL" dirty="0" err="1"/>
-              <a:t>porttitor</a:t>
-            </a:r>
-            <a:r>
-              <a:rPr lang="nl-NL" dirty="0"/>
-              <a:t> </a:t>
-            </a:r>
-            <a:r>
-              <a:rPr lang="nl-NL" dirty="0" err="1"/>
-              <a:t>congue</a:t>
-            </a:r>
-            <a:r>
-              <a:rPr lang="nl-NL" dirty="0"/>
-              <a:t> massa. </a:t>
-            </a:r>
-            <a:r>
-              <a:rPr lang="nl-NL" dirty="0" err="1"/>
-              <a:t>Fusce</a:t>
-            </a:r>
-            <a:r>
-              <a:rPr lang="nl-NL" dirty="0"/>
-              <a:t> </a:t>
-            </a:r>
-            <a:r>
-              <a:rPr lang="nl-NL" dirty="0" err="1"/>
-              <a:t>posuere</a:t>
-            </a:r>
-            <a:r>
-              <a:rPr lang="nl-NL" dirty="0"/>
-              <a:t>, magna </a:t>
-            </a:r>
-            <a:r>
-              <a:rPr lang="nl-NL" dirty="0" err="1"/>
-              <a:t>sed</a:t>
-            </a:r>
-            <a:r>
-              <a:rPr lang="nl-NL" dirty="0"/>
-              <a:t> </a:t>
-            </a:r>
-            <a:r>
-              <a:rPr lang="nl-NL" dirty="0" err="1"/>
-              <a:t>pulvinar</a:t>
-            </a:r>
-            <a:r>
-              <a:rPr lang="nl-NL" dirty="0"/>
-              <a:t> </a:t>
-            </a:r>
-            <a:r>
-              <a:rPr lang="nl-NL" dirty="0" err="1"/>
-              <a:t>ultricies</a:t>
-            </a:r>
-            <a:endParaRPr lang="nl-NL" dirty="0"/>
-          </a:p>
-        </p:txBody>
-      </p:sp>
-      <p:pic>
-        <p:nvPicPr>
-          <p:cNvPr id="14" name="Tijdelijke aanduiding voor afbeelding 13">
-            <a:extLst>
-              <a:ext uri="{FF2B5EF4-FFF2-40B4-BE49-F238E27FC236}">
-                <a16:creationId xmlns:a16="http://schemas.microsoft.com/office/drawing/2014/main" id="{6D2A2984-909C-46E6-BA11-B06EBD98F0D9}"/>
-              </a:ext>
-            </a:extLst>
-          </p:cNvPr>
-          <p:cNvPicPr>
-            <a:picLocks noGrp="1" noChangeAspect="1"/>
-          </p:cNvPicPr>
-          <p:nvPr>
-            <p:ph type="pic" sz="quarter" idx="18"/>
-          </p:nvPr>
-        </p:nvPicPr>
-        <p:blipFill>
-          <a:blip r:embed="rId3"/>
-          <a:stretch>
-            <a:fillRect/>
-          </a:stretch>
-        </p:blipFill>
-        <p:spPr>
-          <a:xfrm>
-            <a:off x="7034360" y="1508842"/>
-            <a:ext cx="5157640" cy="3438427"/>
-          </a:xfrm>
-        </p:spPr>
-      </p:pic>
-      <p:sp>
-        <p:nvSpPr>
-          <p:cNvPr id="5" name="Tijdelijke aanduiding voor tekst 4">
-            <a:extLst>
-              <a:ext uri="{FF2B5EF4-FFF2-40B4-BE49-F238E27FC236}">
-                <a16:creationId xmlns:a16="http://schemas.microsoft.com/office/drawing/2014/main" id="{5DD2790B-AC76-457A-BCB5-3E68F230ED5B}"/>
-              </a:ext>
-            </a:extLst>
-          </p:cNvPr>
-          <p:cNvSpPr>
-            <a:spLocks noGrp="1"/>
-          </p:cNvSpPr>
-          <p:nvPr>
-            <p:ph type="body" sz="quarter" idx="15"/>
-          </p:nvPr>
-        </p:nvSpPr>
-        <p:spPr/>
-        <p:txBody>
-          <a:bodyPr rtlCol="0"/>
-          <a:lstStyle/>
-          <a:p>
-            <a:pPr rtl="0"/>
-            <a:r>
-              <a:rPr lang="nl-NL" dirty="0" err="1"/>
-              <a:t>Lorem</a:t>
-            </a:r>
-            <a:r>
-              <a:rPr lang="nl-NL" dirty="0"/>
-              <a:t> </a:t>
-            </a:r>
-            <a:r>
-              <a:rPr lang="nl-NL" dirty="0" err="1"/>
-              <a:t>ipsum</a:t>
-            </a:r>
-            <a:r>
-              <a:rPr lang="nl-NL" dirty="0"/>
-              <a:t> </a:t>
-            </a:r>
-            <a:r>
-              <a:rPr lang="nl-NL" dirty="0" err="1"/>
-              <a:t>dolor</a:t>
-            </a:r>
-            <a:r>
-              <a:rPr lang="nl-NL" dirty="0"/>
-              <a:t> </a:t>
-            </a:r>
-            <a:r>
-              <a:rPr lang="nl-NL" dirty="0" err="1"/>
-              <a:t>sit</a:t>
-            </a:r>
-            <a:r>
-              <a:rPr lang="nl-NL" dirty="0"/>
-              <a:t> </a:t>
-            </a:r>
-            <a:r>
-              <a:rPr lang="nl-NL" dirty="0" err="1"/>
-              <a:t>amet</a:t>
-            </a:r>
-            <a:r>
-              <a:rPr lang="nl-NL" dirty="0"/>
-              <a:t>, </a:t>
-            </a:r>
-            <a:r>
-              <a:rPr lang="nl-NL" dirty="0" err="1"/>
-              <a:t>constituter</a:t>
-            </a:r>
-            <a:r>
-              <a:rPr lang="nl-NL" dirty="0"/>
-              <a:t> </a:t>
-            </a:r>
-            <a:r>
-              <a:rPr lang="nl-NL" dirty="0" err="1"/>
-              <a:t>adipescent</a:t>
-            </a:r>
-            <a:r>
-              <a:rPr lang="nl-NL" dirty="0"/>
-              <a:t> </a:t>
-            </a:r>
-            <a:r>
-              <a:rPr lang="nl-NL" dirty="0" err="1"/>
-              <a:t>elit</a:t>
-            </a:r>
-            <a:r>
-              <a:rPr lang="nl-NL" dirty="0"/>
-              <a:t>. </a:t>
-            </a:r>
-            <a:r>
-              <a:rPr lang="nl-NL" dirty="0" err="1"/>
-              <a:t>Maecenas</a:t>
-            </a:r>
-            <a:r>
-              <a:rPr lang="nl-NL" dirty="0"/>
-              <a:t> </a:t>
-            </a:r>
-            <a:r>
-              <a:rPr lang="nl-NL" dirty="0" err="1"/>
-              <a:t>porttitor</a:t>
-            </a:r>
-            <a:r>
-              <a:rPr lang="nl-NL" dirty="0"/>
-              <a:t> </a:t>
-            </a:r>
-            <a:r>
-              <a:rPr lang="nl-NL" dirty="0" err="1"/>
-              <a:t>congue</a:t>
-            </a:r>
-            <a:r>
-              <a:rPr lang="nl-NL" dirty="0"/>
-              <a:t> massa. </a:t>
-            </a:r>
-            <a:r>
-              <a:rPr lang="nl-NL" dirty="0" err="1"/>
-              <a:t>Nunc</a:t>
-            </a:r>
-            <a:r>
-              <a:rPr lang="nl-NL" dirty="0"/>
-              <a:t> </a:t>
-            </a:r>
-            <a:r>
-              <a:rPr lang="nl-NL" dirty="0" err="1"/>
-              <a:t>viverra</a:t>
-            </a:r>
-            <a:r>
-              <a:rPr lang="nl-NL" dirty="0"/>
-              <a:t> </a:t>
-            </a:r>
-            <a:r>
-              <a:rPr lang="nl-NL" dirty="0" err="1"/>
-              <a:t>imperdiet</a:t>
-            </a:r>
-            <a:r>
-              <a:rPr lang="nl-NL" dirty="0"/>
-              <a:t> </a:t>
-            </a:r>
-            <a:r>
-              <a:rPr lang="nl-NL" dirty="0" err="1"/>
-              <a:t>enim</a:t>
-            </a:r>
-            <a:r>
-              <a:rPr lang="nl-NL" dirty="0"/>
-              <a:t>. </a:t>
-            </a:r>
-            <a:r>
-              <a:rPr lang="nl-NL" dirty="0" err="1"/>
-              <a:t>Fusce</a:t>
-            </a:r>
-            <a:r>
-              <a:rPr lang="nl-NL" dirty="0"/>
-              <a:t> </a:t>
-            </a:r>
-            <a:r>
-              <a:rPr lang="nl-NL" dirty="0" err="1"/>
-              <a:t>est.</a:t>
-            </a:r>
-            <a:r>
-              <a:rPr lang="nl-NL" dirty="0"/>
-              <a:t> </a:t>
-            </a:r>
-            <a:r>
-              <a:rPr lang="nl-NL" dirty="0" err="1"/>
-              <a:t>Vivamus</a:t>
-            </a:r>
-            <a:r>
-              <a:rPr lang="nl-NL" dirty="0"/>
-              <a:t> a </a:t>
-            </a:r>
-            <a:r>
-              <a:rPr lang="nl-NL" dirty="0" err="1"/>
-              <a:t>tellus</a:t>
-            </a:r>
-            <a:r>
-              <a:rPr lang="nl-NL" dirty="0"/>
-              <a:t>.</a:t>
-            </a:r>
-          </a:p>
-          <a:p>
-            <a:pPr rtl="0"/>
-            <a:r>
-              <a:rPr lang="nl-NL" dirty="0" err="1"/>
-              <a:t>Pellentesque</a:t>
-            </a:r>
-            <a:r>
-              <a:rPr lang="nl-NL" dirty="0"/>
-              <a:t> </a:t>
-            </a:r>
-            <a:r>
-              <a:rPr lang="nl-NL" dirty="0" err="1"/>
-              <a:t>habitant</a:t>
-            </a:r>
-            <a:r>
-              <a:rPr lang="nl-NL" dirty="0"/>
-              <a:t> </a:t>
-            </a:r>
-            <a:r>
-              <a:rPr lang="nl-NL" dirty="0" err="1"/>
-              <a:t>morbi</a:t>
-            </a:r>
-            <a:r>
-              <a:rPr lang="nl-NL" dirty="0"/>
-              <a:t> </a:t>
-            </a:r>
-            <a:r>
-              <a:rPr lang="nl-NL" dirty="0" err="1"/>
-              <a:t>tristique</a:t>
-            </a:r>
-            <a:r>
-              <a:rPr lang="nl-NL" dirty="0"/>
-              <a:t> </a:t>
-            </a:r>
-            <a:r>
-              <a:rPr lang="nl-NL" dirty="0" err="1"/>
-              <a:t>senectus</a:t>
-            </a:r>
-            <a:r>
-              <a:rPr lang="nl-NL" dirty="0"/>
-              <a:t> et </a:t>
-            </a:r>
-            <a:r>
-              <a:rPr lang="nl-NL" dirty="0" err="1"/>
-              <a:t>netus</a:t>
-            </a:r>
-            <a:r>
-              <a:rPr lang="nl-NL" dirty="0"/>
-              <a:t> et </a:t>
-            </a:r>
-            <a:r>
-              <a:rPr lang="nl-NL" dirty="0" err="1"/>
-              <a:t>malesuada</a:t>
-            </a:r>
-            <a:r>
-              <a:rPr lang="nl-NL" dirty="0"/>
-              <a:t> </a:t>
-            </a:r>
-            <a:r>
-              <a:rPr lang="nl-NL" dirty="0" err="1"/>
-              <a:t>fames</a:t>
-            </a:r>
-            <a:r>
-              <a:rPr lang="nl-NL" dirty="0"/>
-              <a:t> </a:t>
-            </a:r>
-            <a:r>
-              <a:rPr lang="nl-NL" dirty="0" err="1"/>
-              <a:t>ac</a:t>
-            </a:r>
-            <a:r>
-              <a:rPr lang="nl-NL" dirty="0"/>
-              <a:t> </a:t>
-            </a:r>
-            <a:r>
-              <a:rPr lang="nl-NL" dirty="0" err="1"/>
-              <a:t>turpis</a:t>
-            </a:r>
-            <a:r>
-              <a:rPr lang="nl-NL" dirty="0"/>
-              <a:t> </a:t>
-            </a:r>
-            <a:r>
-              <a:rPr lang="nl-NL" dirty="0" err="1"/>
-              <a:t>egestas</a:t>
-            </a:r>
-            <a:r>
-              <a:rPr lang="nl-NL" dirty="0"/>
-              <a:t>. </a:t>
-            </a:r>
-            <a:r>
-              <a:rPr lang="nl-NL" dirty="0" err="1"/>
-              <a:t>Proin</a:t>
-            </a:r>
-            <a:r>
-              <a:rPr lang="nl-NL" dirty="0"/>
-              <a:t> </a:t>
-            </a:r>
-            <a:r>
-              <a:rPr lang="nl-NL" dirty="0" err="1"/>
-              <a:t>pharetra</a:t>
-            </a:r>
-            <a:r>
-              <a:rPr lang="nl-NL" dirty="0"/>
-              <a:t> </a:t>
-            </a:r>
-            <a:r>
-              <a:rPr lang="nl-NL" dirty="0" err="1"/>
-              <a:t>nonummy</a:t>
-            </a:r>
-            <a:r>
-              <a:rPr lang="nl-NL" dirty="0"/>
-              <a:t> pede. </a:t>
-            </a:r>
-            <a:r>
-              <a:rPr lang="nl-NL" dirty="0" err="1"/>
-              <a:t>Mauris</a:t>
-            </a:r>
-            <a:r>
-              <a:rPr lang="nl-NL" dirty="0"/>
-              <a:t> et </a:t>
-            </a:r>
-            <a:r>
-              <a:rPr lang="nl-NL" dirty="0" err="1"/>
-              <a:t>orci</a:t>
-            </a:r>
-            <a:r>
-              <a:rPr lang="nl-NL" dirty="0"/>
-              <a:t>.</a:t>
-            </a:r>
-          </a:p>
-          <a:p>
-            <a:pPr rtl="0"/>
-            <a:endParaRPr lang="nl-NL" dirty="0"/>
-          </a:p>
-        </p:txBody>
-      </p:sp>
-      <p:sp>
-        <p:nvSpPr>
-          <p:cNvPr id="3" name="Tijdelijke aanduiding voor voettekst 2">
-            <a:extLst>
-              <a:ext uri="{FF2B5EF4-FFF2-40B4-BE49-F238E27FC236}">
-                <a16:creationId xmlns:a16="http://schemas.microsoft.com/office/drawing/2014/main" id="{56F8E1FB-FE5C-46BC-83C4-88721E70C4E1}"/>
-              </a:ext>
-            </a:extLst>
-          </p:cNvPr>
-          <p:cNvSpPr>
-            <a:spLocks noGrp="1"/>
-          </p:cNvSpPr>
-          <p:nvPr>
-            <p:ph type="ftr" sz="quarter" idx="11"/>
-          </p:nvPr>
-        </p:nvSpPr>
-        <p:spPr/>
-        <p:txBody>
-          <a:bodyPr rtlCol="0"/>
-          <a:lstStyle/>
-          <a:p>
-            <a:pPr rtl="0"/>
-            <a:r>
-              <a:rPr lang="nl-NL" dirty="0"/>
-              <a:t>EEN VOETTEKST TOEVOEGEN</a:t>
-            </a:r>
-          </a:p>
-        </p:txBody>
-      </p:sp>
-      <p:sp>
-        <p:nvSpPr>
-          <p:cNvPr id="4" name="Tijdelijke aanduiding voor dianummer 3">
-            <a:extLst>
-              <a:ext uri="{FF2B5EF4-FFF2-40B4-BE49-F238E27FC236}">
-                <a16:creationId xmlns:a16="http://schemas.microsoft.com/office/drawing/2014/main" id="{9DFFC05B-6738-42DC-8BE6-C9279D17A4F6}"/>
-              </a:ext>
-            </a:extLst>
-          </p:cNvPr>
-          <p:cNvSpPr>
-            <a:spLocks noGrp="1"/>
-          </p:cNvSpPr>
-          <p:nvPr>
-            <p:ph type="sldNum" sz="quarter" idx="12"/>
-          </p:nvPr>
-        </p:nvSpPr>
-        <p:spPr/>
-        <p:txBody>
-          <a:bodyPr rtlCol="0"/>
-          <a:lstStyle/>
-          <a:p>
-            <a:pPr rtl="0"/>
-            <a:fld id="{D495E168-DA5E-4888-8D8A-92B118324C14}" type="slidenum">
-              <a:rPr lang="nl-NL" smtClean="0"/>
-              <a:pPr rtl="0"/>
-              <a:t>6</a:t>
-            </a:fld>
-            <a:endParaRPr lang="nl-NL" dirty="0"/>
-          </a:p>
-        </p:txBody>
-      </p:sp>
-    </p:spTree>
-    <p:extLst>
-      <p:ext uri="{BB962C8B-B14F-4D97-AF65-F5344CB8AC3E}">
-        <p14:creationId xmlns:p14="http://schemas.microsoft.com/office/powerpoint/2010/main" val="2023535584"/>
-      </p:ext>
-    </p:extLst>
-  </p:cSld>
-  <p:clrMapOvr>
-    <a:masterClrMapping/>
-  </p:clrMapOvr>
-</p:sld>
-</file>
-
-<file path=ppt/slides/slide7.xml><?xml version="1.0" encoding="utf-8"?>
-<p:sld xmlns:a="http://schemas.openxmlformats.org/drawingml/2006/main" xmlns:r="http://schemas.openxmlformats.org/officeDocument/2006/relationships" xmlns:p="http://schemas.openxmlformats.org/presentationml/2006/main">
-  <p:cSld>
-    <p:spTree>
-      <p:nvGrpSpPr>
-        <p:cNvPr id="1" name=""/>
-        <p:cNvGrpSpPr/>
-        <p:nvPr/>
-      </p:nvGrpSpPr>
-      <p:grpSpPr>
-        <a:xfrm>
-          <a:off x="0" y="0"/>
-          <a:ext cx="0" cy="0"/>
-          <a:chOff x="0" y="0"/>
-          <a:chExt cx="0" cy="0"/>
-        </a:xfrm>
-      </p:grpSpPr>
-      <p:graphicFrame>
-        <p:nvGraphicFramePr>
-          <p:cNvPr id="21" name="Tijdelijke aanduiding voor grafiek 20" descr="Cirkeldiagram">
-            <a:extLst>
-              <a:ext uri="{FF2B5EF4-FFF2-40B4-BE49-F238E27FC236}">
-                <a16:creationId xmlns:a16="http://schemas.microsoft.com/office/drawing/2014/main" id="{093B88E5-E854-483F-A761-6A39AF1AE58A}"/>
-              </a:ext>
-            </a:extLst>
-          </p:cNvPr>
-          <p:cNvGraphicFramePr>
-            <a:graphicFrameLocks noGrp="1"/>
-          </p:cNvGraphicFramePr>
-          <p:nvPr>
-            <p:ph type="chart" sz="quarter" idx="32"/>
-            <p:extLst>
-              <p:ext uri="{D42A27DB-BD31-4B8C-83A1-F6EECF244321}">
-                <p14:modId xmlns:p14="http://schemas.microsoft.com/office/powerpoint/2010/main" val="946992991"/>
-              </p:ext>
-            </p:extLst>
-          </p:nvPr>
-        </p:nvGraphicFramePr>
-        <p:xfrm>
-          <a:off x="798795" y="1087668"/>
-          <a:ext cx="4509470" cy="4594679"/>
-        </p:xfrm>
-        <a:graphic>
-          <a:graphicData uri="http://schemas.openxmlformats.org/drawingml/2006/chart">
-            <c:chart xmlns:c="http://schemas.openxmlformats.org/drawingml/2006/chart" xmlns:r="http://schemas.openxmlformats.org/officeDocument/2006/relationships" r:id="rId3"/>
-          </a:graphicData>
-        </a:graphic>
-      </p:graphicFrame>
-      <p:sp>
-        <p:nvSpPr>
-          <p:cNvPr id="2" name="Titel 1">
-            <a:extLst>
-              <a:ext uri="{FF2B5EF4-FFF2-40B4-BE49-F238E27FC236}">
-                <a16:creationId xmlns:a16="http://schemas.microsoft.com/office/drawing/2014/main" id="{4991AEBC-6D9D-4D30-BB4C-43FE1370375F}"/>
-              </a:ext>
-            </a:extLst>
-          </p:cNvPr>
-          <p:cNvSpPr>
-            <a:spLocks noGrp="1"/>
-          </p:cNvSpPr>
-          <p:nvPr>
-            <p:ph type="title"/>
-          </p:nvPr>
-        </p:nvSpPr>
-        <p:spPr/>
-        <p:txBody>
-          <a:bodyPr rtlCol="0"/>
-          <a:lstStyle/>
-          <a:p>
-            <a:pPr rtl="0"/>
-            <a:r>
-              <a:rPr lang="nl-NL" dirty="0"/>
-              <a:t>GRAFIEKDIA</a:t>
-            </a:r>
-          </a:p>
-        </p:txBody>
-      </p:sp>
-      <p:sp>
-        <p:nvSpPr>
-          <p:cNvPr id="5" name="Tijdelijke aanduiding voor tekst 4">
-            <a:extLst>
-              <a:ext uri="{FF2B5EF4-FFF2-40B4-BE49-F238E27FC236}">
-                <a16:creationId xmlns:a16="http://schemas.microsoft.com/office/drawing/2014/main" id="{C7BFDBF9-B20C-4919-9CE3-90C6CDC85BDD}"/>
-              </a:ext>
-            </a:extLst>
-          </p:cNvPr>
-          <p:cNvSpPr>
-            <a:spLocks noGrp="1"/>
-          </p:cNvSpPr>
-          <p:nvPr>
-            <p:ph type="body" sz="quarter" idx="16"/>
-          </p:nvPr>
-        </p:nvSpPr>
-        <p:spPr>
-          <a:xfrm>
-            <a:off x="5649889" y="2592569"/>
-            <a:ext cx="5630885" cy="836431"/>
-          </a:xfrm>
-        </p:spPr>
-        <p:txBody>
-          <a:bodyPr rtlCol="0"/>
-          <a:lstStyle/>
-          <a:p>
-            <a:pPr rtl="0"/>
-            <a:r>
-              <a:rPr lang="nl-NL" dirty="0" err="1"/>
-              <a:t>Lorem</a:t>
-            </a:r>
-            <a:r>
-              <a:rPr lang="nl-NL" dirty="0"/>
-              <a:t> </a:t>
-            </a:r>
-            <a:r>
-              <a:rPr lang="nl-NL" dirty="0" err="1"/>
-              <a:t>ipsum</a:t>
-            </a:r>
-            <a:r>
-              <a:rPr lang="nl-NL" dirty="0"/>
-              <a:t> </a:t>
-            </a:r>
-            <a:r>
-              <a:rPr lang="nl-NL" dirty="0" err="1"/>
-              <a:t>dolor</a:t>
-            </a:r>
-            <a:r>
-              <a:rPr lang="nl-NL" dirty="0"/>
-              <a:t> </a:t>
-            </a:r>
-            <a:r>
-              <a:rPr lang="nl-NL" dirty="0" err="1"/>
-              <a:t>sit</a:t>
-            </a:r>
-            <a:r>
-              <a:rPr lang="nl-NL" dirty="0"/>
-              <a:t> </a:t>
-            </a:r>
-            <a:r>
-              <a:rPr lang="nl-NL" dirty="0" err="1"/>
-              <a:t>amet</a:t>
-            </a:r>
-            <a:r>
-              <a:rPr lang="nl-NL" dirty="0"/>
-              <a:t>, </a:t>
-            </a:r>
-            <a:r>
-              <a:rPr lang="nl-NL" dirty="0" err="1"/>
-              <a:t>consectetuer</a:t>
-            </a:r>
-            <a:r>
-              <a:rPr lang="nl-NL" dirty="0"/>
-              <a:t> </a:t>
-            </a:r>
-            <a:r>
-              <a:rPr lang="nl-NL" dirty="0" err="1"/>
-              <a:t>adipiscing</a:t>
-            </a:r>
-            <a:r>
-              <a:rPr lang="nl-NL" dirty="0"/>
-              <a:t> </a:t>
-            </a:r>
-            <a:r>
-              <a:rPr lang="nl-NL" dirty="0" err="1"/>
-              <a:t>elit</a:t>
-            </a:r>
-            <a:r>
-              <a:rPr lang="nl-NL" dirty="0"/>
-              <a:t>. </a:t>
-            </a:r>
-            <a:r>
-              <a:rPr lang="nl-NL" dirty="0" err="1"/>
-              <a:t>Maecenas</a:t>
-            </a:r>
-            <a:r>
-              <a:rPr lang="nl-NL" dirty="0"/>
-              <a:t> </a:t>
-            </a:r>
-            <a:r>
-              <a:rPr lang="nl-NL" dirty="0" err="1"/>
-              <a:t>porttitor</a:t>
-            </a:r>
-            <a:r>
-              <a:rPr lang="nl-NL" dirty="0"/>
-              <a:t> </a:t>
-            </a:r>
-            <a:r>
-              <a:rPr lang="nl-NL" dirty="0" err="1"/>
-              <a:t>congue</a:t>
-            </a:r>
-            <a:r>
-              <a:rPr lang="nl-NL" dirty="0"/>
-              <a:t> massa. </a:t>
-            </a:r>
-            <a:r>
-              <a:rPr lang="nl-NL" dirty="0" err="1"/>
-              <a:t>Fusce</a:t>
-            </a:r>
-            <a:r>
-              <a:rPr lang="nl-NL" dirty="0"/>
-              <a:t> </a:t>
-            </a:r>
-            <a:r>
-              <a:rPr lang="nl-NL" dirty="0" err="1"/>
-              <a:t>posuere</a:t>
-            </a:r>
-            <a:r>
-              <a:rPr lang="nl-NL" dirty="0"/>
-              <a:t>, magna </a:t>
-            </a:r>
-            <a:r>
-              <a:rPr lang="nl-NL" dirty="0" err="1"/>
-              <a:t>sed</a:t>
-            </a:r>
-            <a:r>
-              <a:rPr lang="nl-NL" dirty="0"/>
-              <a:t> </a:t>
-            </a:r>
-            <a:r>
-              <a:rPr lang="nl-NL" dirty="0" err="1"/>
-              <a:t>pulvinar</a:t>
-            </a:r>
-            <a:r>
-              <a:rPr lang="nl-NL" dirty="0"/>
-              <a:t> </a:t>
-            </a:r>
-            <a:r>
-              <a:rPr lang="nl-NL" dirty="0" err="1"/>
-              <a:t>ultricies</a:t>
-            </a:r>
-            <a:endParaRPr lang="nl-NL" dirty="0"/>
-          </a:p>
-        </p:txBody>
-      </p:sp>
-      <p:sp>
-        <p:nvSpPr>
-          <p:cNvPr id="23" name="Ovaal 22" descr="Cirkelvorm">
-            <a:extLst>
-              <a:ext uri="{FF2B5EF4-FFF2-40B4-BE49-F238E27FC236}">
-                <a16:creationId xmlns:a16="http://schemas.microsoft.com/office/drawing/2014/main" id="{C3485789-E496-4110-A15B-8E4775849942}"/>
-              </a:ext>
-            </a:extLst>
-          </p:cNvPr>
-          <p:cNvSpPr/>
-          <p:nvPr/>
-        </p:nvSpPr>
-        <p:spPr>
-          <a:xfrm>
-            <a:off x="5732367" y="3774029"/>
-            <a:ext cx="384048" cy="384048"/>
-          </a:xfrm>
-          <a:prstGeom prst="ellipse">
-            <a:avLst/>
-          </a:prstGeom>
-          <a:solidFill>
-            <a:schemeClr val="accent1"/>
-          </a:solidFill>
-          <a:ln w="12700" cap="flat">
-            <a:noFill/>
-            <a:prstDash val="solid"/>
-            <a:miter/>
-          </a:ln>
-        </p:spPr>
-        <p:txBody>
-          <a:bodyPr rot="0" spcFirstLastPara="0" vertOverflow="overflow" horzOverflow="overflow" vert="horz" wrap="square" lIns="91440" tIns="45720" rIns="91440" bIns="45720" numCol="1" spcCol="0" rtlCol="0" fromWordArt="0" anchor="ctr" anchorCtr="0" forceAA="0" compatLnSpc="1">
-            <a:prstTxWarp prst="textNoShape">
-              <a:avLst/>
-            </a:prstTxWarp>
-            <a:noAutofit/>
-          </a:bodyPr>
-          <a:lstStyle/>
-          <a:p>
-            <a:pPr algn="l" rtl="0"/>
-            <a:endParaRPr lang="nl-NL" dirty="0"/>
-          </a:p>
-        </p:txBody>
-      </p:sp>
-      <p:sp>
-        <p:nvSpPr>
-          <p:cNvPr id="6" name="Tijdelijke aanduiding voor tekst 5">
-            <a:extLst>
-              <a:ext uri="{FF2B5EF4-FFF2-40B4-BE49-F238E27FC236}">
-                <a16:creationId xmlns:a16="http://schemas.microsoft.com/office/drawing/2014/main" id="{FFE50F9B-A11D-40B9-B83F-DDF3E10343C1}"/>
-              </a:ext>
-            </a:extLst>
-          </p:cNvPr>
-          <p:cNvSpPr>
-            <a:spLocks noGrp="1"/>
-          </p:cNvSpPr>
-          <p:nvPr>
-            <p:ph type="body" idx="18"/>
-          </p:nvPr>
-        </p:nvSpPr>
-        <p:spPr/>
-        <p:txBody>
-          <a:bodyPr rtlCol="0"/>
-          <a:lstStyle/>
-          <a:p>
-            <a:pPr rtl="0"/>
-            <a:r>
-              <a:rPr lang="nl-NL" dirty="0"/>
-              <a:t>30%</a:t>
-            </a:r>
-          </a:p>
-        </p:txBody>
-      </p:sp>
-      <p:sp>
-        <p:nvSpPr>
-          <p:cNvPr id="7" name="Tijdelijke aanduiding voor tekst 6">
-            <a:extLst>
-              <a:ext uri="{FF2B5EF4-FFF2-40B4-BE49-F238E27FC236}">
-                <a16:creationId xmlns:a16="http://schemas.microsoft.com/office/drawing/2014/main" id="{44C8D5B9-69C7-4696-B552-5307926F58E5}"/>
-              </a:ext>
-            </a:extLst>
-          </p:cNvPr>
-          <p:cNvSpPr>
-            <a:spLocks noGrp="1"/>
-          </p:cNvSpPr>
-          <p:nvPr>
-            <p:ph type="body" sz="quarter" idx="21"/>
-          </p:nvPr>
-        </p:nvSpPr>
-        <p:spPr/>
-        <p:txBody>
-          <a:bodyPr rtlCol="0">
-            <a:normAutofit fontScale="85000" lnSpcReduction="10000"/>
-          </a:bodyPr>
-          <a:lstStyle/>
-          <a:p>
-            <a:pPr rtl="0"/>
-            <a:r>
-              <a:rPr lang="nl-NL" dirty="0"/>
-              <a:t>Titel van categorie</a:t>
-            </a:r>
-          </a:p>
-        </p:txBody>
-      </p:sp>
-      <p:sp>
-        <p:nvSpPr>
-          <p:cNvPr id="24" name="Ovaal 23" descr="Cirkelvorm">
-            <a:extLst>
-              <a:ext uri="{FF2B5EF4-FFF2-40B4-BE49-F238E27FC236}">
-                <a16:creationId xmlns:a16="http://schemas.microsoft.com/office/drawing/2014/main" id="{FC7368B7-D4B3-45CE-95D8-0AA892A56116}"/>
-              </a:ext>
-            </a:extLst>
-          </p:cNvPr>
-          <p:cNvSpPr/>
-          <p:nvPr/>
-        </p:nvSpPr>
-        <p:spPr>
-          <a:xfrm>
-            <a:off x="7671881" y="3774029"/>
-            <a:ext cx="384048" cy="384048"/>
-          </a:xfrm>
-          <a:prstGeom prst="ellipse">
-            <a:avLst/>
-          </a:prstGeom>
-          <a:solidFill>
-            <a:schemeClr val="accent1">
-              <a:alpha val="50000"/>
-            </a:schemeClr>
-          </a:solidFill>
-          <a:ln w="12700" cap="flat">
-            <a:noFill/>
-            <a:prstDash val="solid"/>
-            <a:miter/>
-          </a:ln>
-        </p:spPr>
-        <p:txBody>
-          <a:bodyPr rot="0" spcFirstLastPara="0" vertOverflow="overflow" horzOverflow="overflow" vert="horz" wrap="square" lIns="91440" tIns="45720" rIns="91440" bIns="45720" numCol="1" spcCol="0" rtlCol="0" fromWordArt="0" anchor="ctr" anchorCtr="0" forceAA="0" compatLnSpc="1">
-            <a:prstTxWarp prst="textNoShape">
-              <a:avLst/>
-            </a:prstTxWarp>
-            <a:noAutofit/>
-          </a:bodyPr>
-          <a:lstStyle/>
-          <a:p>
-            <a:pPr algn="l" rtl="0"/>
-            <a:endParaRPr lang="nl-NL" dirty="0"/>
-          </a:p>
-        </p:txBody>
-      </p:sp>
-      <p:sp>
-        <p:nvSpPr>
-          <p:cNvPr id="10" name="Tijdelijke aanduiding voor tekst 9">
-            <a:extLst>
-              <a:ext uri="{FF2B5EF4-FFF2-40B4-BE49-F238E27FC236}">
-                <a16:creationId xmlns:a16="http://schemas.microsoft.com/office/drawing/2014/main" id="{B9D2CE79-7062-4C12-A2AE-683EAD4CCE0C}"/>
-              </a:ext>
-            </a:extLst>
-          </p:cNvPr>
-          <p:cNvSpPr>
-            <a:spLocks noGrp="1"/>
-          </p:cNvSpPr>
-          <p:nvPr>
-            <p:ph type="body" idx="24"/>
-          </p:nvPr>
-        </p:nvSpPr>
-        <p:spPr/>
-        <p:txBody>
-          <a:bodyPr rtlCol="0"/>
-          <a:lstStyle/>
-          <a:p>
-            <a:pPr rtl="0"/>
-            <a:r>
-              <a:rPr lang="nl-NL" dirty="0"/>
-              <a:t>25%</a:t>
-            </a:r>
-          </a:p>
-        </p:txBody>
-      </p:sp>
-      <p:sp>
-        <p:nvSpPr>
-          <p:cNvPr id="11" name="Tijdelijke aanduiding voor tekst 10">
-            <a:extLst>
-              <a:ext uri="{FF2B5EF4-FFF2-40B4-BE49-F238E27FC236}">
-                <a16:creationId xmlns:a16="http://schemas.microsoft.com/office/drawing/2014/main" id="{25FB3E19-7A7E-47B8-A21F-09F559854C8C}"/>
-              </a:ext>
-            </a:extLst>
-          </p:cNvPr>
-          <p:cNvSpPr>
-            <a:spLocks noGrp="1"/>
-          </p:cNvSpPr>
-          <p:nvPr>
-            <p:ph type="body" sz="quarter" idx="25"/>
-          </p:nvPr>
-        </p:nvSpPr>
-        <p:spPr/>
-        <p:txBody>
-          <a:bodyPr rtlCol="0">
-            <a:normAutofit fontScale="85000" lnSpcReduction="10000"/>
-          </a:bodyPr>
-          <a:lstStyle/>
-          <a:p>
-            <a:pPr rtl="0"/>
-            <a:r>
-              <a:rPr lang="nl-NL" dirty="0"/>
-              <a:t>Titel van categorie</a:t>
-            </a:r>
-          </a:p>
-        </p:txBody>
-      </p:sp>
-      <p:sp>
-        <p:nvSpPr>
-          <p:cNvPr id="25" name="Ovaal 24" descr="Cirkelvorm">
-            <a:extLst>
-              <a:ext uri="{FF2B5EF4-FFF2-40B4-BE49-F238E27FC236}">
-                <a16:creationId xmlns:a16="http://schemas.microsoft.com/office/drawing/2014/main" id="{CB3E6EAD-AA8B-4D6A-B852-670A3BE077FA}"/>
-              </a:ext>
-            </a:extLst>
-          </p:cNvPr>
-          <p:cNvSpPr/>
-          <p:nvPr/>
-        </p:nvSpPr>
-        <p:spPr>
-          <a:xfrm>
-            <a:off x="9611395" y="3774029"/>
-            <a:ext cx="384048" cy="384048"/>
-          </a:xfrm>
-          <a:prstGeom prst="ellipse">
-            <a:avLst/>
-          </a:prstGeom>
-          <a:solidFill>
-            <a:schemeClr val="accent3"/>
-          </a:solidFill>
-          <a:ln w="12700" cap="flat">
-            <a:noFill/>
-            <a:prstDash val="solid"/>
-            <a:miter/>
-          </a:ln>
-        </p:spPr>
-        <p:txBody>
-          <a:bodyPr rot="0" spcFirstLastPara="0" vertOverflow="overflow" horzOverflow="overflow" vert="horz" wrap="square" lIns="91440" tIns="45720" rIns="91440" bIns="45720" numCol="1" spcCol="0" rtlCol="0" fromWordArt="0" anchor="ctr" anchorCtr="0" forceAA="0" compatLnSpc="1">
-            <a:prstTxWarp prst="textNoShape">
-              <a:avLst/>
-            </a:prstTxWarp>
-            <a:noAutofit/>
-          </a:bodyPr>
-          <a:lstStyle/>
-          <a:p>
-            <a:pPr algn="l" rtl="0"/>
-            <a:endParaRPr lang="nl-NL" dirty="0"/>
-          </a:p>
-        </p:txBody>
-      </p:sp>
-      <p:sp>
-        <p:nvSpPr>
-          <p:cNvPr id="14" name="Tijdelijke aanduiding voor tekst 13">
-            <a:extLst>
-              <a:ext uri="{FF2B5EF4-FFF2-40B4-BE49-F238E27FC236}">
-                <a16:creationId xmlns:a16="http://schemas.microsoft.com/office/drawing/2014/main" id="{BDFECF88-E632-4781-8739-84E6E892DC4D}"/>
-              </a:ext>
-            </a:extLst>
-          </p:cNvPr>
-          <p:cNvSpPr>
-            <a:spLocks noGrp="1"/>
-          </p:cNvSpPr>
-          <p:nvPr>
-            <p:ph type="body" idx="28"/>
-          </p:nvPr>
-        </p:nvSpPr>
-        <p:spPr/>
-        <p:txBody>
-          <a:bodyPr rtlCol="0"/>
-          <a:lstStyle/>
-          <a:p>
-            <a:pPr rtl="0"/>
-            <a:r>
-              <a:rPr lang="nl-NL" dirty="0"/>
-              <a:t>20%</a:t>
-            </a:r>
-          </a:p>
-        </p:txBody>
-      </p:sp>
-      <p:sp>
-        <p:nvSpPr>
-          <p:cNvPr id="15" name="Tijdelijke aanduiding voor tekst 14">
-            <a:extLst>
-              <a:ext uri="{FF2B5EF4-FFF2-40B4-BE49-F238E27FC236}">
-                <a16:creationId xmlns:a16="http://schemas.microsoft.com/office/drawing/2014/main" id="{71D0B53C-EBAB-4000-8108-72EE7F62A93A}"/>
-              </a:ext>
-            </a:extLst>
-          </p:cNvPr>
-          <p:cNvSpPr>
-            <a:spLocks noGrp="1"/>
-          </p:cNvSpPr>
-          <p:nvPr>
-            <p:ph type="body" sz="quarter" idx="29"/>
-          </p:nvPr>
-        </p:nvSpPr>
-        <p:spPr/>
-        <p:txBody>
-          <a:bodyPr rtlCol="0">
-            <a:normAutofit fontScale="85000" lnSpcReduction="10000"/>
-          </a:bodyPr>
-          <a:lstStyle/>
-          <a:p>
-            <a:pPr rtl="0"/>
-            <a:r>
-              <a:rPr lang="nl-NL" dirty="0"/>
-              <a:t>Titel van categorie</a:t>
-            </a:r>
-          </a:p>
-        </p:txBody>
-      </p:sp>
-      <p:sp>
-        <p:nvSpPr>
-          <p:cNvPr id="19" name="Ovaal 18" descr="Cirkelvorm">
-            <a:extLst>
-              <a:ext uri="{FF2B5EF4-FFF2-40B4-BE49-F238E27FC236}">
-                <a16:creationId xmlns:a16="http://schemas.microsoft.com/office/drawing/2014/main" id="{74F8D4E4-1B47-416C-9A28-44D029B05DF3}"/>
-              </a:ext>
-            </a:extLst>
-          </p:cNvPr>
-          <p:cNvSpPr/>
-          <p:nvPr/>
-        </p:nvSpPr>
-        <p:spPr>
-          <a:xfrm>
-            <a:off x="5732392" y="4506094"/>
-            <a:ext cx="384048" cy="384048"/>
-          </a:xfrm>
-          <a:prstGeom prst="ellipse">
-            <a:avLst/>
-          </a:prstGeom>
-          <a:solidFill>
-            <a:schemeClr val="accent4"/>
-          </a:solidFill>
-          <a:ln w="12700" cap="flat">
-            <a:noFill/>
-            <a:prstDash val="solid"/>
-            <a:miter/>
-          </a:ln>
-        </p:spPr>
-        <p:txBody>
-          <a:bodyPr rot="0" spcFirstLastPara="0" vertOverflow="overflow" horzOverflow="overflow" vert="horz" wrap="square" lIns="91440" tIns="45720" rIns="91440" bIns="45720" numCol="1" spcCol="0" rtlCol="0" fromWordArt="0" anchor="ctr" anchorCtr="0" forceAA="0" compatLnSpc="1">
-            <a:prstTxWarp prst="textNoShape">
-              <a:avLst/>
-            </a:prstTxWarp>
-            <a:noAutofit/>
-          </a:bodyPr>
-          <a:lstStyle/>
-          <a:p>
-            <a:pPr algn="l" rtl="0"/>
-            <a:endParaRPr lang="nl-NL" dirty="0"/>
-          </a:p>
-        </p:txBody>
-      </p:sp>
-      <p:sp>
-        <p:nvSpPr>
-          <p:cNvPr id="8" name="Tijdelijke aanduiding voor tekst 7">
-            <a:extLst>
-              <a:ext uri="{FF2B5EF4-FFF2-40B4-BE49-F238E27FC236}">
-                <a16:creationId xmlns:a16="http://schemas.microsoft.com/office/drawing/2014/main" id="{B20CA877-BC73-44B2-B723-8023CA00ED00}"/>
-              </a:ext>
-            </a:extLst>
-          </p:cNvPr>
-          <p:cNvSpPr>
-            <a:spLocks noGrp="1"/>
-          </p:cNvSpPr>
-          <p:nvPr>
-            <p:ph type="body" idx="22"/>
-          </p:nvPr>
-        </p:nvSpPr>
-        <p:spPr/>
-        <p:txBody>
-          <a:bodyPr rtlCol="0"/>
-          <a:lstStyle/>
-          <a:p>
-            <a:pPr rtl="0"/>
-            <a:r>
-              <a:rPr lang="nl-NL" dirty="0"/>
-              <a:t>10%</a:t>
-            </a:r>
-          </a:p>
-        </p:txBody>
-      </p:sp>
-      <p:sp>
-        <p:nvSpPr>
-          <p:cNvPr id="9" name="Tijdelijke aanduiding voor tekst 8">
-            <a:extLst>
-              <a:ext uri="{FF2B5EF4-FFF2-40B4-BE49-F238E27FC236}">
-                <a16:creationId xmlns:a16="http://schemas.microsoft.com/office/drawing/2014/main" id="{9C508980-C5CA-4BC3-A366-9BA1490CA438}"/>
-              </a:ext>
-            </a:extLst>
-          </p:cNvPr>
-          <p:cNvSpPr>
-            <a:spLocks noGrp="1"/>
-          </p:cNvSpPr>
-          <p:nvPr>
-            <p:ph type="body" sz="quarter" idx="23"/>
-          </p:nvPr>
-        </p:nvSpPr>
-        <p:spPr/>
-        <p:txBody>
-          <a:bodyPr rtlCol="0">
-            <a:normAutofit fontScale="85000" lnSpcReduction="10000"/>
-          </a:bodyPr>
-          <a:lstStyle/>
-          <a:p>
-            <a:pPr rtl="0"/>
-            <a:r>
-              <a:rPr lang="nl-NL" dirty="0"/>
-              <a:t>Titel van categorie</a:t>
-            </a:r>
-          </a:p>
-        </p:txBody>
-      </p:sp>
-      <p:sp>
-        <p:nvSpPr>
-          <p:cNvPr id="20" name="Ovaal 19" descr="Cirkelvorm">
-            <a:extLst>
-              <a:ext uri="{FF2B5EF4-FFF2-40B4-BE49-F238E27FC236}">
-                <a16:creationId xmlns:a16="http://schemas.microsoft.com/office/drawing/2014/main" id="{46B993A4-B156-41FD-9B95-16911035EAA1}"/>
-              </a:ext>
-            </a:extLst>
-          </p:cNvPr>
-          <p:cNvSpPr/>
-          <p:nvPr/>
-        </p:nvSpPr>
-        <p:spPr>
-          <a:xfrm>
-            <a:off x="7671906" y="4506094"/>
-            <a:ext cx="384048" cy="384048"/>
-          </a:xfrm>
-          <a:prstGeom prst="ellipse">
-            <a:avLst/>
-          </a:prstGeom>
-          <a:solidFill>
-            <a:schemeClr val="accent2"/>
-          </a:solidFill>
-          <a:ln w="12700" cap="flat">
-            <a:noFill/>
-            <a:prstDash val="solid"/>
-            <a:miter/>
-          </a:ln>
-        </p:spPr>
-        <p:txBody>
-          <a:bodyPr rot="0" spcFirstLastPara="0" vertOverflow="overflow" horzOverflow="overflow" vert="horz" wrap="square" lIns="91440" tIns="45720" rIns="91440" bIns="45720" numCol="1" spcCol="0" rtlCol="0" fromWordArt="0" anchor="ctr" anchorCtr="0" forceAA="0" compatLnSpc="1">
-            <a:prstTxWarp prst="textNoShape">
-              <a:avLst/>
-            </a:prstTxWarp>
-            <a:noAutofit/>
-          </a:bodyPr>
-          <a:lstStyle/>
-          <a:p>
-            <a:pPr algn="l" rtl="0"/>
-            <a:endParaRPr lang="nl-NL" dirty="0"/>
-          </a:p>
-        </p:txBody>
-      </p:sp>
-      <p:sp>
-        <p:nvSpPr>
-          <p:cNvPr id="12" name="Tijdelijke aanduiding voor tekst 11">
-            <a:extLst>
-              <a:ext uri="{FF2B5EF4-FFF2-40B4-BE49-F238E27FC236}">
-                <a16:creationId xmlns:a16="http://schemas.microsoft.com/office/drawing/2014/main" id="{FF800B5B-000C-40A0-984E-296FEF26F894}"/>
-              </a:ext>
-            </a:extLst>
-          </p:cNvPr>
-          <p:cNvSpPr>
-            <a:spLocks noGrp="1"/>
-          </p:cNvSpPr>
-          <p:nvPr>
-            <p:ph type="body" idx="26"/>
-          </p:nvPr>
-        </p:nvSpPr>
-        <p:spPr/>
-        <p:txBody>
-          <a:bodyPr rtlCol="0"/>
-          <a:lstStyle/>
-          <a:p>
-            <a:pPr rtl="0"/>
-            <a:r>
-              <a:rPr lang="nl-NL" dirty="0"/>
-              <a:t>10%</a:t>
-            </a:r>
-          </a:p>
-        </p:txBody>
-      </p:sp>
-      <p:sp>
-        <p:nvSpPr>
-          <p:cNvPr id="13" name="Tijdelijke aanduiding voor tekst 12">
-            <a:extLst>
-              <a:ext uri="{FF2B5EF4-FFF2-40B4-BE49-F238E27FC236}">
-                <a16:creationId xmlns:a16="http://schemas.microsoft.com/office/drawing/2014/main" id="{BC76F4DF-E770-433B-A99B-E75E3AD5B84F}"/>
-              </a:ext>
-            </a:extLst>
-          </p:cNvPr>
-          <p:cNvSpPr>
-            <a:spLocks noGrp="1"/>
-          </p:cNvSpPr>
-          <p:nvPr>
-            <p:ph type="body" sz="quarter" idx="27"/>
-          </p:nvPr>
-        </p:nvSpPr>
-        <p:spPr/>
-        <p:txBody>
-          <a:bodyPr rtlCol="0">
-            <a:normAutofit fontScale="85000" lnSpcReduction="10000"/>
-          </a:bodyPr>
-          <a:lstStyle/>
-          <a:p>
-            <a:pPr rtl="0"/>
-            <a:r>
-              <a:rPr lang="nl-NL" dirty="0"/>
-              <a:t>Titel van categorie</a:t>
-            </a:r>
-          </a:p>
-        </p:txBody>
-      </p:sp>
-      <p:sp>
-        <p:nvSpPr>
-          <p:cNvPr id="22" name="Ovaal 21" descr="Cirkelvorm">
-            <a:extLst>
-              <a:ext uri="{FF2B5EF4-FFF2-40B4-BE49-F238E27FC236}">
-                <a16:creationId xmlns:a16="http://schemas.microsoft.com/office/drawing/2014/main" id="{F25A7B72-F802-4A5B-9C15-E6092A747BDA}"/>
-              </a:ext>
-            </a:extLst>
-          </p:cNvPr>
-          <p:cNvSpPr/>
-          <p:nvPr/>
-        </p:nvSpPr>
-        <p:spPr>
-          <a:xfrm>
-            <a:off x="9611420" y="4506094"/>
-            <a:ext cx="384048" cy="384048"/>
-          </a:xfrm>
-          <a:prstGeom prst="ellipse">
-            <a:avLst/>
-          </a:prstGeom>
-          <a:solidFill>
-            <a:schemeClr val="accent2">
-              <a:alpha val="50000"/>
-            </a:schemeClr>
-          </a:solidFill>
-          <a:ln w="12700" cap="flat">
-            <a:noFill/>
-            <a:prstDash val="solid"/>
-            <a:miter/>
-          </a:ln>
-        </p:spPr>
-        <p:txBody>
-          <a:bodyPr rot="0" spcFirstLastPara="0" vertOverflow="overflow" horzOverflow="overflow" vert="horz" wrap="square" lIns="91440" tIns="45720" rIns="91440" bIns="45720" numCol="1" spcCol="0" rtlCol="0" fromWordArt="0" anchor="ctr" anchorCtr="0" forceAA="0" compatLnSpc="1">
-            <a:prstTxWarp prst="textNoShape">
-              <a:avLst/>
-            </a:prstTxWarp>
-            <a:noAutofit/>
-          </a:bodyPr>
-          <a:lstStyle/>
-          <a:p>
-            <a:pPr algn="l" rtl="0"/>
-            <a:endParaRPr lang="nl-NL" dirty="0"/>
-          </a:p>
-        </p:txBody>
-      </p:sp>
-      <p:sp>
-        <p:nvSpPr>
-          <p:cNvPr id="16" name="Tijdelijke aanduiding voor tekst 15">
-            <a:extLst>
-              <a:ext uri="{FF2B5EF4-FFF2-40B4-BE49-F238E27FC236}">
-                <a16:creationId xmlns:a16="http://schemas.microsoft.com/office/drawing/2014/main" id="{F685F4B4-4174-4802-8880-EBF24FC23D34}"/>
-              </a:ext>
-            </a:extLst>
-          </p:cNvPr>
-          <p:cNvSpPr>
-            <a:spLocks noGrp="1"/>
-          </p:cNvSpPr>
-          <p:nvPr>
-            <p:ph type="body" idx="30"/>
-          </p:nvPr>
-        </p:nvSpPr>
-        <p:spPr/>
-        <p:txBody>
-          <a:bodyPr rtlCol="0"/>
-          <a:lstStyle/>
-          <a:p>
-            <a:pPr rtl="0"/>
-            <a:r>
-              <a:rPr lang="nl-NL" dirty="0"/>
-              <a:t>5%</a:t>
-            </a:r>
-          </a:p>
-        </p:txBody>
-      </p:sp>
-      <p:sp>
-        <p:nvSpPr>
-          <p:cNvPr id="17" name="Tijdelijke aanduiding voor tekst 16">
-            <a:extLst>
-              <a:ext uri="{FF2B5EF4-FFF2-40B4-BE49-F238E27FC236}">
-                <a16:creationId xmlns:a16="http://schemas.microsoft.com/office/drawing/2014/main" id="{64A8CDE2-952B-4BD3-A740-DF54D4C7E841}"/>
-              </a:ext>
-            </a:extLst>
-          </p:cNvPr>
-          <p:cNvSpPr>
-            <a:spLocks noGrp="1"/>
-          </p:cNvSpPr>
-          <p:nvPr>
-            <p:ph type="body" sz="quarter" idx="31"/>
-          </p:nvPr>
-        </p:nvSpPr>
-        <p:spPr/>
-        <p:txBody>
-          <a:bodyPr rtlCol="0">
-            <a:normAutofit fontScale="85000" lnSpcReduction="10000"/>
-          </a:bodyPr>
-          <a:lstStyle/>
-          <a:p>
-            <a:pPr rtl="0"/>
-            <a:r>
-              <a:rPr lang="nl-NL" dirty="0"/>
-              <a:t>Titel van categorie</a:t>
-            </a:r>
-          </a:p>
-        </p:txBody>
-      </p:sp>
-      <p:sp>
-        <p:nvSpPr>
-          <p:cNvPr id="3" name="Tijdelijke aanduiding voor voettekst 2">
-            <a:extLst>
-              <a:ext uri="{FF2B5EF4-FFF2-40B4-BE49-F238E27FC236}">
-                <a16:creationId xmlns:a16="http://schemas.microsoft.com/office/drawing/2014/main" id="{93D7EDA2-3620-47DB-BD1A-9C3633AEB867}"/>
-              </a:ext>
-            </a:extLst>
-          </p:cNvPr>
-          <p:cNvSpPr>
-            <a:spLocks noGrp="1"/>
-          </p:cNvSpPr>
-          <p:nvPr>
-            <p:ph type="ftr" sz="quarter" idx="11"/>
-          </p:nvPr>
-        </p:nvSpPr>
-        <p:spPr/>
-        <p:txBody>
-          <a:bodyPr rtlCol="0"/>
-          <a:lstStyle/>
-          <a:p>
-            <a:pPr rtl="0"/>
-            <a:r>
-              <a:rPr lang="nl-NL" dirty="0"/>
-              <a:t>EEN VOETTEKST TOEVOEGEN</a:t>
-            </a:r>
-          </a:p>
-        </p:txBody>
-      </p:sp>
-      <p:sp>
-        <p:nvSpPr>
-          <p:cNvPr id="4" name="Tijdelijke aanduiding voor dianummer 3">
-            <a:extLst>
-              <a:ext uri="{FF2B5EF4-FFF2-40B4-BE49-F238E27FC236}">
-                <a16:creationId xmlns:a16="http://schemas.microsoft.com/office/drawing/2014/main" id="{BEDAECDC-7310-4573-BE1D-3F708C83049D}"/>
-              </a:ext>
-            </a:extLst>
-          </p:cNvPr>
-          <p:cNvSpPr>
-            <a:spLocks noGrp="1"/>
-          </p:cNvSpPr>
-          <p:nvPr>
-            <p:ph type="sldNum" sz="quarter" idx="12"/>
-          </p:nvPr>
-        </p:nvSpPr>
-        <p:spPr/>
-        <p:txBody>
-          <a:bodyPr rtlCol="0"/>
-          <a:lstStyle/>
-          <a:p>
-            <a:pPr rtl="0"/>
-            <a:fld id="{D495E168-DA5E-4888-8D8A-92B118324C14}" type="slidenum">
-              <a:rPr lang="nl-NL" smtClean="0"/>
-              <a:t>7</a:t>
-            </a:fld>
-            <a:endParaRPr lang="nl-NL" dirty="0"/>
-          </a:p>
-        </p:txBody>
-      </p:sp>
-    </p:spTree>
-    <p:extLst>
-      <p:ext uri="{BB962C8B-B14F-4D97-AF65-F5344CB8AC3E}">
-        <p14:creationId xmlns:p14="http://schemas.microsoft.com/office/powerpoint/2010/main" val="1266157980"/>
-      </p:ext>
-    </p:extLst>
-  </p:cSld>
-  <p:clrMapOvr>
-    <a:masterClrMapping/>
-  </p:clrMapOvr>
-</p:sld>
-</file>
-
-<file path=ppt/slides/slide8.xml><?xml version="1.0" encoding="utf-8"?>
-<p:sld xmlns:a="http://schemas.openxmlformats.org/drawingml/2006/main" xmlns:r="http://schemas.openxmlformats.org/officeDocument/2006/relationships" xmlns:p="http://schemas.openxmlformats.org/presentationml/2006/main">
-  <p:cSld>
-    <p:spTree>
-      <p:nvGrpSpPr>
-        <p:cNvPr id="1" name=""/>
-        <p:cNvGrpSpPr/>
-        <p:nvPr/>
-      </p:nvGrpSpPr>
-      <p:grpSpPr>
-        <a:xfrm>
-          <a:off x="0" y="0"/>
-          <a:ext cx="0" cy="0"/>
-          <a:chOff x="0" y="0"/>
-          <a:chExt cx="0" cy="0"/>
-        </a:xfrm>
-      </p:grpSpPr>
-      <p:sp>
-        <p:nvSpPr>
-          <p:cNvPr id="2" name="Titel 1">
-            <a:extLst>
-              <a:ext uri="{FF2B5EF4-FFF2-40B4-BE49-F238E27FC236}">
-                <a16:creationId xmlns:a16="http://schemas.microsoft.com/office/drawing/2014/main" id="{C42E5D49-E249-409D-B751-A559433D91A4}"/>
-              </a:ext>
-            </a:extLst>
-          </p:cNvPr>
-          <p:cNvSpPr>
-            <a:spLocks noGrp="1"/>
-          </p:cNvSpPr>
-          <p:nvPr>
-            <p:ph type="title"/>
-          </p:nvPr>
-        </p:nvSpPr>
-        <p:spPr/>
-        <p:txBody>
-          <a:bodyPr rtlCol="0"/>
-          <a:lstStyle/>
-          <a:p>
-            <a:pPr rtl="0"/>
-            <a:r>
-              <a:rPr lang="nl-NL" dirty="0"/>
-              <a:t>TABELDIA</a:t>
-            </a:r>
-          </a:p>
-        </p:txBody>
-      </p:sp>
-      <p:sp>
-        <p:nvSpPr>
-          <p:cNvPr id="5" name="Tijdelijke aanduiding voor tekst 4">
-            <a:extLst>
-              <a:ext uri="{FF2B5EF4-FFF2-40B4-BE49-F238E27FC236}">
-                <a16:creationId xmlns:a16="http://schemas.microsoft.com/office/drawing/2014/main" id="{E8546E56-D449-4019-86AD-4F0D3A1474E8}"/>
-              </a:ext>
-            </a:extLst>
-          </p:cNvPr>
-          <p:cNvSpPr>
-            <a:spLocks noGrp="1"/>
-          </p:cNvSpPr>
-          <p:nvPr>
-            <p:ph type="body" sz="quarter" idx="16"/>
-          </p:nvPr>
-        </p:nvSpPr>
-        <p:spPr>
-          <a:xfrm>
-            <a:off x="828357" y="3252275"/>
-            <a:ext cx="2829243" cy="1846732"/>
-          </a:xfrm>
-        </p:spPr>
-        <p:txBody>
-          <a:bodyPr rtlCol="0"/>
-          <a:lstStyle/>
-          <a:p>
-            <a:pPr rtl="0"/>
-            <a:r>
-              <a:rPr lang="nl-NL" dirty="0" err="1"/>
-              <a:t>Lorem</a:t>
-            </a:r>
-            <a:r>
-              <a:rPr lang="nl-NL" dirty="0"/>
-              <a:t> </a:t>
-            </a:r>
-            <a:r>
-              <a:rPr lang="nl-NL" dirty="0" err="1"/>
-              <a:t>ipsum</a:t>
-            </a:r>
-            <a:r>
-              <a:rPr lang="nl-NL" dirty="0"/>
-              <a:t> </a:t>
-            </a:r>
-            <a:r>
-              <a:rPr lang="nl-NL" dirty="0" err="1"/>
-              <a:t>dolor</a:t>
-            </a:r>
-            <a:r>
-              <a:rPr lang="nl-NL" dirty="0"/>
-              <a:t> </a:t>
-            </a:r>
-            <a:r>
-              <a:rPr lang="nl-NL" dirty="0" err="1"/>
-              <a:t>sit</a:t>
-            </a:r>
-            <a:r>
-              <a:rPr lang="nl-NL" dirty="0"/>
-              <a:t> </a:t>
-            </a:r>
-            <a:r>
-              <a:rPr lang="nl-NL" dirty="0" err="1"/>
-              <a:t>amet</a:t>
-            </a:r>
-            <a:r>
-              <a:rPr lang="nl-NL" dirty="0"/>
-              <a:t>, </a:t>
-            </a:r>
-            <a:r>
-              <a:rPr lang="nl-NL" dirty="0" err="1"/>
-              <a:t>consectetuer</a:t>
-            </a:r>
-            <a:r>
-              <a:rPr lang="nl-NL" dirty="0"/>
-              <a:t> </a:t>
-            </a:r>
-            <a:r>
-              <a:rPr lang="nl-NL" dirty="0" err="1"/>
-              <a:t>adipiscing</a:t>
-            </a:r>
-            <a:r>
-              <a:rPr lang="nl-NL" dirty="0"/>
-              <a:t> </a:t>
-            </a:r>
-            <a:r>
-              <a:rPr lang="nl-NL" dirty="0" err="1"/>
-              <a:t>elit</a:t>
-            </a:r>
-            <a:r>
-              <a:rPr lang="nl-NL" dirty="0"/>
-              <a:t>. </a:t>
-            </a:r>
-            <a:r>
-              <a:rPr lang="nl-NL" dirty="0" err="1"/>
-              <a:t>Maecenas</a:t>
-            </a:r>
-            <a:r>
-              <a:rPr lang="nl-NL" dirty="0"/>
-              <a:t> </a:t>
-            </a:r>
-            <a:r>
-              <a:rPr lang="nl-NL" dirty="0" err="1"/>
-              <a:t>porttitor</a:t>
-            </a:r>
-            <a:r>
-              <a:rPr lang="nl-NL" dirty="0"/>
-              <a:t> </a:t>
-            </a:r>
-            <a:r>
-              <a:rPr lang="nl-NL" dirty="0" err="1"/>
-              <a:t>congue</a:t>
-            </a:r>
-            <a:r>
-              <a:rPr lang="nl-NL" dirty="0"/>
-              <a:t> massa. </a:t>
-            </a:r>
-            <a:r>
-              <a:rPr lang="nl-NL" dirty="0" err="1"/>
-              <a:t>Fusce</a:t>
-            </a:r>
-            <a:r>
-              <a:rPr lang="nl-NL" dirty="0"/>
-              <a:t> </a:t>
-            </a:r>
-            <a:r>
-              <a:rPr lang="nl-NL" dirty="0" err="1"/>
-              <a:t>posuere</a:t>
-            </a:r>
-            <a:r>
-              <a:rPr lang="nl-NL" dirty="0"/>
-              <a:t>, magna </a:t>
-            </a:r>
-            <a:r>
-              <a:rPr lang="nl-NL" dirty="0" err="1"/>
-              <a:t>sed</a:t>
-            </a:r>
-            <a:r>
-              <a:rPr lang="nl-NL" dirty="0"/>
-              <a:t> </a:t>
-            </a:r>
-            <a:r>
-              <a:rPr lang="nl-NL" dirty="0" err="1"/>
-              <a:t>pulvinar</a:t>
-            </a:r>
-            <a:r>
-              <a:rPr lang="nl-NL" dirty="0"/>
-              <a:t> </a:t>
-            </a:r>
-            <a:r>
-              <a:rPr lang="nl-NL" dirty="0" err="1"/>
-              <a:t>ultricies</a:t>
-            </a:r>
-            <a:endParaRPr lang="nl-NL" dirty="0"/>
-          </a:p>
-        </p:txBody>
-      </p:sp>
-      <p:graphicFrame>
-        <p:nvGraphicFramePr>
-          <p:cNvPr id="7" name="Tijdelijke aanduiding voor tabel 6">
-            <a:extLst>
-              <a:ext uri="{FF2B5EF4-FFF2-40B4-BE49-F238E27FC236}">
-                <a16:creationId xmlns:a16="http://schemas.microsoft.com/office/drawing/2014/main" id="{59C411DD-E4B1-441B-AB81-A9445E90878D}"/>
-              </a:ext>
-            </a:extLst>
-          </p:cNvPr>
-          <p:cNvGraphicFramePr>
-            <a:graphicFrameLocks noGrp="1"/>
-          </p:cNvGraphicFramePr>
-          <p:nvPr>
-            <p:ph type="tbl" sz="quarter" idx="17"/>
-            <p:extLst>
-              <p:ext uri="{D42A27DB-BD31-4B8C-83A1-F6EECF244321}">
-                <p14:modId xmlns:p14="http://schemas.microsoft.com/office/powerpoint/2010/main" val="1813039322"/>
-              </p:ext>
-            </p:extLst>
-          </p:nvPr>
-        </p:nvGraphicFramePr>
-        <p:xfrm>
-          <a:off x="4378450" y="1493838"/>
-          <a:ext cx="6912000" cy="4079240"/>
-        </p:xfrm>
-        <a:graphic>
-          <a:graphicData uri="http://schemas.openxmlformats.org/drawingml/2006/table">
-            <a:tbl>
-              <a:tblPr firstRow="1" bandRow="1">
-                <a:tableStyleId>{5C22544A-7EE6-4342-B048-85BDC9FD1C3A}</a:tableStyleId>
-              </a:tblPr>
-              <a:tblGrid>
-                <a:gridCol w="2376000">
-                  <a:extLst>
-                    <a:ext uri="{9D8B030D-6E8A-4147-A177-3AD203B41FA5}">
-                      <a16:colId xmlns:a16="http://schemas.microsoft.com/office/drawing/2014/main" val="3413721457"/>
-                    </a:ext>
-                  </a:extLst>
-                </a:gridCol>
-                <a:gridCol w="1512000">
-                  <a:extLst>
-                    <a:ext uri="{9D8B030D-6E8A-4147-A177-3AD203B41FA5}">
-                      <a16:colId xmlns:a16="http://schemas.microsoft.com/office/drawing/2014/main" val="2742567690"/>
-                    </a:ext>
-                  </a:extLst>
-                </a:gridCol>
-                <a:gridCol w="1512000">
-                  <a:extLst>
-                    <a:ext uri="{9D8B030D-6E8A-4147-A177-3AD203B41FA5}">
-                      <a16:colId xmlns:a16="http://schemas.microsoft.com/office/drawing/2014/main" val="529259489"/>
-                    </a:ext>
-                  </a:extLst>
-                </a:gridCol>
-                <a:gridCol w="1512000">
-                  <a:extLst>
-                    <a:ext uri="{9D8B030D-6E8A-4147-A177-3AD203B41FA5}">
-                      <a16:colId xmlns:a16="http://schemas.microsoft.com/office/drawing/2014/main" val="1743817430"/>
-                    </a:ext>
-                  </a:extLst>
-                </a:gridCol>
-              </a:tblGrid>
-              <a:tr h="370840">
-                <a:tc>
-                  <a:txBody>
-                    <a:bodyPr/>
-                    <a:lstStyle/>
-                    <a:p>
-                      <a:pPr rtl="0"/>
-                      <a:endParaRPr lang="nl-NL" sz="1200" noProof="0" dirty="0">
-                        <a:latin typeface="+mn-lt"/>
-                      </a:endParaRPr>
-                    </a:p>
-                  </a:txBody>
-                  <a:tcPr>
-                    <a:lnL w="12700" cmpd="sng">
-                      <a:noFill/>
-                    </a:lnL>
-                    <a:lnR w="12700" cmpd="sng">
-                      <a:noFill/>
-                    </a:lnR>
-                    <a:lnT w="12700" cmpd="sng">
-                      <a:noFill/>
-                    </a:lnT>
-                    <a:lnB w="38100" cmpd="sng">
-                      <a:noFill/>
-                    </a:lnB>
-                    <a:lnTlToBr w="12700" cmpd="sng">
-                      <a:noFill/>
-                      <a:prstDash val="solid"/>
-                    </a:lnTlToBr>
-                    <a:lnBlToTr w="12700" cmpd="sng">
-                      <a:noFill/>
-                      <a:prstDash val="solid"/>
-                    </a:lnBlToTr>
-                    <a:solidFill>
-                      <a:schemeClr val="accent2"/>
-                    </a:solidFill>
-                  </a:tcPr>
-                </a:tc>
-                <a:tc>
-                  <a:txBody>
-                    <a:bodyPr/>
-                    <a:lstStyle/>
-                    <a:p>
-                      <a:pPr algn="r" rtl="0"/>
-                      <a:r>
-                        <a:rPr lang="nl-NL" sz="1200" noProof="0" dirty="0">
-                          <a:latin typeface="+mn-lt"/>
-                        </a:rPr>
-                        <a:t>20XX</a:t>
-                      </a:r>
-                    </a:p>
-                  </a:txBody>
-                  <a:tcPr anchor="ctr">
-                    <a:lnL w="12700" cmpd="sng">
-                      <a:noFill/>
-                    </a:lnL>
-                    <a:lnR w="12700" cmpd="sng">
-                      <a:noFill/>
-                    </a:lnR>
-                    <a:lnT w="12700" cmpd="sng">
-                      <a:noFill/>
-                    </a:lnT>
-                    <a:lnB w="38100" cmpd="sng">
-                      <a:noFill/>
-                    </a:lnB>
-                    <a:lnTlToBr w="12700" cmpd="sng">
-                      <a:noFill/>
-                      <a:prstDash val="solid"/>
-                    </a:lnTlToBr>
-                    <a:lnBlToTr w="12700" cmpd="sng">
-                      <a:noFill/>
-                      <a:prstDash val="solid"/>
-                    </a:lnBlToTr>
-                    <a:solidFill>
-                      <a:schemeClr val="accent3"/>
-                    </a:solidFill>
-                  </a:tcPr>
-                </a:tc>
-                <a:tc>
-                  <a:txBody>
-                    <a:bodyPr/>
-                    <a:lstStyle/>
-                    <a:p>
-                      <a:pPr algn="r" rtl="0"/>
-                      <a:r>
-                        <a:rPr lang="nl-NL" sz="1200" noProof="0" dirty="0">
-                          <a:latin typeface="+mn-lt"/>
-                        </a:rPr>
-                        <a:t>20XX</a:t>
-                      </a:r>
-                    </a:p>
-                  </a:txBody>
-                  <a:tcPr anchor="ctr">
-                    <a:lnL w="12700" cmpd="sng">
-                      <a:noFill/>
-                    </a:lnL>
-                    <a:lnR w="12700" cmpd="sng">
-                      <a:noFill/>
-                    </a:lnR>
-                    <a:lnT w="12700" cmpd="sng">
-                      <a:noFill/>
-                    </a:lnT>
-                    <a:lnB w="38100" cmpd="sng">
-                      <a:noFill/>
-                    </a:lnB>
-                    <a:lnTlToBr w="12700" cmpd="sng">
-                      <a:noFill/>
-                      <a:prstDash val="solid"/>
-                    </a:lnTlToBr>
-                    <a:lnBlToTr w="12700" cmpd="sng">
-                      <a:noFill/>
-                      <a:prstDash val="solid"/>
-                    </a:lnBlToTr>
-                    <a:solidFill>
-                      <a:schemeClr val="accent3"/>
-                    </a:solidFill>
-                  </a:tcPr>
-                </a:tc>
-                <a:tc>
-                  <a:txBody>
-                    <a:bodyPr/>
-                    <a:lstStyle/>
-                    <a:p>
-                      <a:pPr algn="r" rtl="0"/>
-                      <a:r>
-                        <a:rPr lang="nl-NL" sz="1200" noProof="0" dirty="0">
-                          <a:latin typeface="+mn-lt"/>
-                        </a:rPr>
-                        <a:t>20XX</a:t>
-                      </a:r>
-                    </a:p>
-                  </a:txBody>
-                  <a:tcPr anchor="ctr">
-                    <a:lnL w="12700" cmpd="sng">
-                      <a:noFill/>
-                    </a:lnL>
-                    <a:lnR w="12700" cmpd="sng">
-                      <a:noFill/>
-                    </a:lnR>
-                    <a:lnT w="12700" cmpd="sng">
-                      <a:noFill/>
-                    </a:lnT>
-                    <a:lnB w="38100" cmpd="sng">
-                      <a:noFill/>
-                    </a:lnB>
-                    <a:lnTlToBr w="12700" cmpd="sng">
-                      <a:noFill/>
-                      <a:prstDash val="solid"/>
-                    </a:lnTlToBr>
-                    <a:lnBlToTr w="12700" cmpd="sng">
-                      <a:noFill/>
-                      <a:prstDash val="solid"/>
-                    </a:lnBlToTr>
-                    <a:solidFill>
-                      <a:schemeClr val="accent3"/>
-                    </a:solidFill>
-                  </a:tcPr>
-                </a:tc>
-                <a:extLst>
-                  <a:ext uri="{0D108BD9-81ED-4DB2-BD59-A6C34878D82A}">
-                    <a16:rowId xmlns:a16="http://schemas.microsoft.com/office/drawing/2014/main" val="2796388793"/>
-                  </a:ext>
-                </a:extLst>
-              </a:tr>
-              <a:tr h="370840">
-                <a:tc>
-                  <a:txBody>
-                    <a:bodyPr/>
-                    <a:lstStyle/>
-                    <a:p>
-                      <a:pPr marL="0" algn="l" defTabSz="914400" rtl="0" eaLnBrk="1" latinLnBrk="0" hangingPunct="1"/>
-                      <a:r>
-                        <a:rPr lang="nl-NL" sz="1200" b="1" i="0" kern="1200" noProof="0" dirty="0">
-                          <a:solidFill>
-                            <a:schemeClr val="bg1"/>
-                          </a:solidFill>
-                          <a:latin typeface="+mn-lt"/>
-                          <a:ea typeface="+mn-ea"/>
-                          <a:cs typeface="+mn-cs"/>
-                        </a:rPr>
-                        <a:t>Categorie</a:t>
-                      </a:r>
-                    </a:p>
-                  </a:txBody>
-                  <a:tcPr anchor="ctr">
-                    <a:lnL w="12700" cmpd="sng">
-                      <a:noFill/>
-                    </a:lnL>
-                    <a:lnR w="12700" cmpd="sng">
-                      <a:noFill/>
-                    </a:lnR>
-                    <a:lnT w="38100" cmpd="sng">
-                      <a:noFill/>
-                    </a:lnT>
-                    <a:lnB w="12700" cmpd="sng">
-                      <a:noFill/>
-                    </a:lnB>
-                    <a:lnTlToBr w="12700" cmpd="sng">
-                      <a:noFill/>
-                      <a:prstDash val="solid"/>
-                    </a:lnTlToBr>
-                    <a:lnBlToTr w="12700" cmpd="sng">
-                      <a:noFill/>
-                      <a:prstDash val="solid"/>
-                    </a:lnBlToTr>
-                    <a:solidFill>
-                      <a:schemeClr val="accent4">
-                        <a:lumMod val="75000"/>
-                      </a:schemeClr>
-                    </a:solidFill>
-                  </a:tcPr>
-                </a:tc>
-                <a:tc>
-                  <a:txBody>
-                    <a:bodyPr/>
-                    <a:lstStyle/>
-                    <a:p>
-                      <a:pPr marL="0" algn="r" defTabSz="914400" rtl="0" eaLnBrk="1" latinLnBrk="0" hangingPunct="1"/>
-                      <a:r>
-                        <a:rPr lang="nl-NL" sz="1400" i="0" kern="1200" noProof="0" dirty="0">
-                          <a:solidFill>
-                            <a:schemeClr val="tx1">
-                              <a:lumMod val="65000"/>
-                              <a:lumOff val="35000"/>
-                            </a:schemeClr>
-                          </a:solidFill>
-                          <a:latin typeface="+mn-lt"/>
-                          <a:ea typeface="+mn-ea"/>
-                          <a:cs typeface="+mn-cs"/>
-                        </a:rPr>
-                        <a:t>50.000</a:t>
-                      </a:r>
-                    </a:p>
-                  </a:txBody>
-                  <a:tcPr anchor="ctr">
-                    <a:lnL w="12700" cmpd="sng">
-                      <a:noFill/>
-                    </a:lnL>
-                    <a:lnR w="12700" cmpd="sng">
-                      <a:noFill/>
-                    </a:lnR>
-                    <a:lnT w="38100" cmpd="sng">
-                      <a:noFill/>
-                    </a:lnT>
-                    <a:lnB w="12700" cmpd="sng">
-                      <a:noFill/>
-                    </a:lnB>
-                    <a:lnTlToBr w="12700" cmpd="sng">
-                      <a:noFill/>
-                      <a:prstDash val="solid"/>
-                    </a:lnTlToBr>
-                    <a:lnBlToTr w="12700" cmpd="sng">
-                      <a:noFill/>
-                      <a:prstDash val="solid"/>
-                    </a:lnBlToTr>
-                    <a:solidFill>
-                      <a:schemeClr val="accent4">
-                        <a:alpha val="10000"/>
-                      </a:schemeClr>
-                    </a:solidFill>
-                  </a:tcPr>
-                </a:tc>
-                <a:tc>
-                  <a:txBody>
-                    <a:bodyPr/>
-                    <a:lstStyle/>
-                    <a:p>
-                      <a:pPr marL="0" algn="r" defTabSz="914400" rtl="0" eaLnBrk="1" latinLnBrk="0" hangingPunct="1"/>
-                      <a:r>
-                        <a:rPr lang="nl-NL" sz="1400" i="0" kern="1200" noProof="0" dirty="0">
-                          <a:solidFill>
-                            <a:schemeClr val="tx1">
-                              <a:lumMod val="65000"/>
-                              <a:lumOff val="35000"/>
-                            </a:schemeClr>
-                          </a:solidFill>
-                          <a:latin typeface="+mn-lt"/>
-                          <a:ea typeface="+mn-ea"/>
-                          <a:cs typeface="+mn-cs"/>
-                        </a:rPr>
-                        <a:t>400.000</a:t>
-                      </a:r>
-                    </a:p>
-                  </a:txBody>
-                  <a:tcPr anchor="ctr">
-                    <a:lnL w="12700" cmpd="sng">
-                      <a:noFill/>
-                    </a:lnL>
-                    <a:lnR w="12700" cmpd="sng">
-                      <a:noFill/>
-                    </a:lnR>
-                    <a:lnT w="38100" cmpd="sng">
-                      <a:noFill/>
-                    </a:lnT>
-                    <a:lnB w="12700" cmpd="sng">
-                      <a:noFill/>
-                    </a:lnB>
-                    <a:lnTlToBr w="12700" cmpd="sng">
-                      <a:noFill/>
-                      <a:prstDash val="solid"/>
-                    </a:lnTlToBr>
-                    <a:lnBlToTr w="12700" cmpd="sng">
-                      <a:noFill/>
-                      <a:prstDash val="solid"/>
-                    </a:lnBlToTr>
-                    <a:solidFill>
-                      <a:schemeClr val="accent4">
-                        <a:alpha val="10000"/>
-                      </a:schemeClr>
-                    </a:solidFill>
-                  </a:tcPr>
-                </a:tc>
-                <a:tc>
-                  <a:txBody>
-                    <a:bodyPr/>
-                    <a:lstStyle/>
-                    <a:p>
-                      <a:pPr marL="0" algn="r" defTabSz="914400" rtl="0" eaLnBrk="1" latinLnBrk="0" hangingPunct="1"/>
-                      <a:r>
-                        <a:rPr lang="nl-NL" sz="1400" i="0" kern="1200" noProof="0" dirty="0">
-                          <a:solidFill>
-                            <a:schemeClr val="tx1">
-                              <a:lumMod val="65000"/>
-                              <a:lumOff val="35000"/>
-                            </a:schemeClr>
-                          </a:solidFill>
-                          <a:latin typeface="+mn-lt"/>
-                          <a:ea typeface="+mn-ea"/>
-                          <a:cs typeface="+mn-cs"/>
-                        </a:rPr>
-                        <a:t>1.600.000</a:t>
-                      </a:r>
-                    </a:p>
-                  </a:txBody>
-                  <a:tcPr anchor="ctr">
-                    <a:lnL w="12700" cmpd="sng">
-                      <a:noFill/>
-                    </a:lnL>
-                    <a:lnR w="12700" cmpd="sng">
-                      <a:noFill/>
-                    </a:lnR>
-                    <a:lnT w="38100" cmpd="sng">
-                      <a:noFill/>
-                    </a:lnT>
-                    <a:lnB w="12700" cmpd="sng">
-                      <a:noFill/>
-                    </a:lnB>
-                    <a:lnTlToBr w="12700" cmpd="sng">
-                      <a:noFill/>
-                      <a:prstDash val="solid"/>
-                    </a:lnTlToBr>
-                    <a:lnBlToTr w="12700" cmpd="sng">
-                      <a:noFill/>
-                      <a:prstDash val="solid"/>
-                    </a:lnBlToTr>
-                    <a:solidFill>
-                      <a:schemeClr val="accent4">
-                        <a:alpha val="10000"/>
-                      </a:schemeClr>
-                    </a:solidFill>
-                  </a:tcPr>
-                </a:tc>
-                <a:extLst>
-                  <a:ext uri="{0D108BD9-81ED-4DB2-BD59-A6C34878D82A}">
-                    <a16:rowId xmlns:a16="http://schemas.microsoft.com/office/drawing/2014/main" val="2220844750"/>
-                  </a:ext>
-                </a:extLst>
-              </a:tr>
-              <a:tr h="370840">
-                <a:tc>
-                  <a:txBody>
-                    <a:bodyPr/>
-                    <a:lstStyle/>
-                    <a:p>
-                      <a:pPr marL="0" marR="0" lvl="0" indent="0" algn="l" defTabSz="914400" rtl="0" eaLnBrk="1" fontAlgn="auto" latinLnBrk="0" hangingPunct="1">
-                        <a:lnSpc>
-                          <a:spcPct val="100000"/>
-                        </a:lnSpc>
-                        <a:spcBef>
-                          <a:spcPts val="0"/>
-                        </a:spcBef>
-                        <a:spcAft>
-                          <a:spcPts val="0"/>
-                        </a:spcAft>
-                        <a:buClrTx/>
-                        <a:buSzTx/>
-                        <a:buFontTx/>
-                        <a:buNone/>
-                        <a:tabLst/>
-                        <a:defRPr/>
-                      </a:pPr>
-                      <a:r>
-                        <a:rPr lang="nl-NL" sz="1200" b="1" i="0" kern="1200" noProof="0" dirty="0">
-                          <a:solidFill>
-                            <a:schemeClr val="bg1"/>
-                          </a:solidFill>
-                          <a:latin typeface="+mn-lt"/>
-                          <a:ea typeface="+mn-ea"/>
-                          <a:cs typeface="+mn-cs"/>
-                        </a:rPr>
-                        <a:t>Categorie</a:t>
-                      </a:r>
-                    </a:p>
-                  </a:txBody>
-                  <a:tcPr anchor="ctr">
-                    <a:lnL w="12700" cmpd="sng">
-                      <a:noFill/>
-                    </a:lnL>
-                    <a:lnR w="12700" cmpd="sng">
-                      <a:noFill/>
-                    </a:lnR>
-                    <a:lnT w="12700" cmpd="sng">
-                      <a:noFill/>
-                    </a:lnT>
-                    <a:lnB w="12700" cmpd="sng">
-                      <a:noFill/>
-                    </a:lnB>
-                    <a:lnTlToBr w="12700" cmpd="sng">
-                      <a:noFill/>
-                      <a:prstDash val="solid"/>
-                    </a:lnTlToBr>
-                    <a:lnBlToTr w="12700" cmpd="sng">
-                      <a:noFill/>
-                      <a:prstDash val="solid"/>
-                    </a:lnBlToTr>
-                    <a:solidFill>
-                      <a:schemeClr val="tx2"/>
-                    </a:solidFill>
-                  </a:tcPr>
-                </a:tc>
-                <a:tc>
-                  <a:txBody>
-                    <a:bodyPr/>
-                    <a:lstStyle/>
-                    <a:p>
-                      <a:pPr marL="0" algn="r" defTabSz="914400" rtl="0" eaLnBrk="1" latinLnBrk="0" hangingPunct="1"/>
-                      <a:r>
-                        <a:rPr lang="nl-NL" sz="1400" i="0" kern="1200" noProof="0" dirty="0">
-                          <a:solidFill>
-                            <a:schemeClr val="tx1">
-                              <a:lumMod val="65000"/>
-                              <a:lumOff val="35000"/>
-                            </a:schemeClr>
-                          </a:solidFill>
-                          <a:latin typeface="+mn-lt"/>
-                          <a:ea typeface="+mn-ea"/>
-                          <a:cs typeface="+mn-cs"/>
-                        </a:rPr>
-                        <a:t>500.000</a:t>
-                      </a:r>
-                    </a:p>
-                  </a:txBody>
-                  <a:tcPr anchor="ctr">
-                    <a:lnL w="12700" cmpd="sng">
-                      <a:noFill/>
-                    </a:lnL>
-                    <a:lnR w="12700" cmpd="sng">
-                      <a:noFill/>
-                    </a:lnR>
-                    <a:lnT w="12700" cmpd="sng">
-                      <a:noFill/>
-                    </a:lnT>
-                    <a:lnB w="12700" cmpd="sng">
-                      <a:noFill/>
-                    </a:lnB>
-                    <a:lnTlToBr w="12700" cmpd="sng">
-                      <a:noFill/>
-                      <a:prstDash val="solid"/>
-                    </a:lnTlToBr>
-                    <a:lnBlToTr w="12700" cmpd="sng">
-                      <a:noFill/>
-                      <a:prstDash val="solid"/>
-                    </a:lnBlToTr>
-                    <a:solidFill>
-                      <a:schemeClr val="bg1"/>
-                    </a:solidFill>
-                  </a:tcPr>
-                </a:tc>
-                <a:tc>
-                  <a:txBody>
-                    <a:bodyPr/>
-                    <a:lstStyle/>
-                    <a:p>
-                      <a:pPr marL="0" algn="r" defTabSz="914400" rtl="0" eaLnBrk="1" latinLnBrk="0" hangingPunct="1"/>
-                      <a:r>
-                        <a:rPr lang="nl-NL" sz="1400" i="0" kern="1200" noProof="0" dirty="0">
-                          <a:solidFill>
-                            <a:schemeClr val="tx1">
-                              <a:lumMod val="65000"/>
-                              <a:lumOff val="35000"/>
-                            </a:schemeClr>
-                          </a:solidFill>
-                          <a:latin typeface="+mn-lt"/>
-                          <a:ea typeface="+mn-ea"/>
-                          <a:cs typeface="+mn-cs"/>
-                        </a:rPr>
-                        <a:t>4.000.000</a:t>
-                      </a:r>
-                    </a:p>
-                  </a:txBody>
-                  <a:tcPr anchor="ctr">
-                    <a:lnL w="12700" cmpd="sng">
-                      <a:noFill/>
-                    </a:lnL>
-                    <a:lnR w="12700" cmpd="sng">
-                      <a:noFill/>
-                    </a:lnR>
-                    <a:lnT w="12700" cmpd="sng">
-                      <a:noFill/>
-                    </a:lnT>
-                    <a:lnB w="12700" cmpd="sng">
-                      <a:noFill/>
-                    </a:lnB>
-                    <a:lnTlToBr w="12700" cmpd="sng">
-                      <a:noFill/>
-                      <a:prstDash val="solid"/>
-                    </a:lnTlToBr>
-                    <a:lnBlToTr w="12700" cmpd="sng">
-                      <a:noFill/>
-                      <a:prstDash val="solid"/>
-                    </a:lnBlToTr>
-                    <a:solidFill>
-                      <a:schemeClr val="bg1"/>
-                    </a:solidFill>
-                  </a:tcPr>
-                </a:tc>
-                <a:tc>
-                  <a:txBody>
-                    <a:bodyPr/>
-                    <a:lstStyle/>
-                    <a:p>
-                      <a:pPr marL="0" algn="r" defTabSz="914400" rtl="0" eaLnBrk="1" latinLnBrk="0" hangingPunct="1"/>
-                      <a:r>
-                        <a:rPr lang="nl-NL" sz="1400" i="0" kern="1200" noProof="0" dirty="0">
-                          <a:solidFill>
-                            <a:schemeClr val="tx1">
-                              <a:lumMod val="65000"/>
-                              <a:lumOff val="35000"/>
-                            </a:schemeClr>
-                          </a:solidFill>
-                          <a:latin typeface="+mn-lt"/>
-                          <a:ea typeface="+mn-ea"/>
-                          <a:cs typeface="+mn-cs"/>
-                        </a:rPr>
-                        <a:t>16.000.000</a:t>
-                      </a:r>
-                    </a:p>
-                  </a:txBody>
-                  <a:tcPr anchor="ctr">
-                    <a:lnL w="12700" cmpd="sng">
-                      <a:noFill/>
-                    </a:lnL>
-                    <a:lnR w="12700" cmpd="sng">
-                      <a:noFill/>
-                    </a:lnR>
-                    <a:lnT w="12700" cmpd="sng">
-                      <a:noFill/>
-                    </a:lnT>
-                    <a:lnB w="12700" cmpd="sng">
-                      <a:noFill/>
-                    </a:lnB>
-                    <a:lnTlToBr w="12700" cmpd="sng">
-                      <a:noFill/>
-                      <a:prstDash val="solid"/>
-                    </a:lnTlToBr>
-                    <a:lnBlToTr w="12700" cmpd="sng">
-                      <a:noFill/>
-                      <a:prstDash val="solid"/>
-                    </a:lnBlToTr>
-                    <a:solidFill>
-                      <a:schemeClr val="bg1"/>
-                    </a:solidFill>
-                  </a:tcPr>
-                </a:tc>
-                <a:extLst>
-                  <a:ext uri="{0D108BD9-81ED-4DB2-BD59-A6C34878D82A}">
-                    <a16:rowId xmlns:a16="http://schemas.microsoft.com/office/drawing/2014/main" val="387549748"/>
-                  </a:ext>
-                </a:extLst>
-              </a:tr>
-              <a:tr h="370840">
-                <a:tc>
-                  <a:txBody>
-                    <a:bodyPr/>
-                    <a:lstStyle/>
-                    <a:p>
-                      <a:pPr marL="0" marR="0" lvl="0" indent="0" algn="l" defTabSz="914400" rtl="0" eaLnBrk="1" fontAlgn="auto" latinLnBrk="0" hangingPunct="1">
-                        <a:lnSpc>
-                          <a:spcPct val="100000"/>
-                        </a:lnSpc>
-                        <a:spcBef>
-                          <a:spcPts val="0"/>
-                        </a:spcBef>
-                        <a:spcAft>
-                          <a:spcPts val="0"/>
-                        </a:spcAft>
-                        <a:buClrTx/>
-                        <a:buSzTx/>
-                        <a:buFontTx/>
-                        <a:buNone/>
-                        <a:tabLst/>
-                        <a:defRPr/>
-                      </a:pPr>
-                      <a:r>
-                        <a:rPr lang="nl-NL" sz="1200" b="1" i="0" kern="1200" noProof="0" dirty="0">
-                          <a:solidFill>
-                            <a:schemeClr val="bg1"/>
-                          </a:solidFill>
-                          <a:latin typeface="+mn-lt"/>
-                          <a:ea typeface="+mn-ea"/>
-                          <a:cs typeface="+mn-cs"/>
-                        </a:rPr>
-                        <a:t>Categorie</a:t>
-                      </a:r>
-                    </a:p>
-                  </a:txBody>
-                  <a:tcPr anchor="ctr">
-                    <a:lnL w="12700" cmpd="sng">
-                      <a:noFill/>
-                    </a:lnL>
-                    <a:lnR w="12700" cmpd="sng">
-                      <a:noFill/>
-                    </a:lnR>
-                    <a:lnT w="12700" cmpd="sng">
-                      <a:noFill/>
-                    </a:lnT>
-                    <a:lnB w="12700" cmpd="sng">
-                      <a:noFill/>
-                    </a:lnB>
-                    <a:lnTlToBr w="12700" cmpd="sng">
-                      <a:noFill/>
-                      <a:prstDash val="solid"/>
-                    </a:lnTlToBr>
-                    <a:lnBlToTr w="12700" cmpd="sng">
-                      <a:noFill/>
-                      <a:prstDash val="solid"/>
-                    </a:lnBlToTr>
-                    <a:solidFill>
-                      <a:schemeClr val="accent4">
-                        <a:lumMod val="75000"/>
-                      </a:schemeClr>
-                    </a:solidFill>
-                  </a:tcPr>
-                </a:tc>
-                <a:tc>
-                  <a:txBody>
-                    <a:bodyPr/>
-                    <a:lstStyle/>
-                    <a:p>
-                      <a:pPr marL="0" algn="r" defTabSz="914400" rtl="0" eaLnBrk="1" latinLnBrk="0" hangingPunct="1"/>
-                      <a:r>
-                        <a:rPr lang="nl-NL" sz="1400" i="0" kern="1200" noProof="0" dirty="0">
-                          <a:solidFill>
-                            <a:schemeClr val="tx1">
-                              <a:lumMod val="65000"/>
-                              <a:lumOff val="35000"/>
-                            </a:schemeClr>
-                          </a:solidFill>
-                          <a:latin typeface="+mn-lt"/>
-                          <a:ea typeface="+mn-ea"/>
-                          <a:cs typeface="+mn-cs"/>
-                        </a:rPr>
-                        <a:t>75</a:t>
-                      </a:r>
-                    </a:p>
-                  </a:txBody>
-                  <a:tcPr anchor="ctr">
-                    <a:lnL w="12700" cmpd="sng">
-                      <a:noFill/>
-                    </a:lnL>
-                    <a:lnR w="12700" cmpd="sng">
-                      <a:noFill/>
-                    </a:lnR>
-                    <a:lnT w="12700" cmpd="sng">
-                      <a:noFill/>
-                    </a:lnT>
-                    <a:lnB w="12700" cmpd="sng">
-                      <a:noFill/>
-                    </a:lnB>
-                    <a:lnTlToBr w="12700" cmpd="sng">
-                      <a:noFill/>
-                      <a:prstDash val="solid"/>
-                    </a:lnTlToBr>
-                    <a:lnBlToTr w="12700" cmpd="sng">
-                      <a:noFill/>
-                      <a:prstDash val="solid"/>
-                    </a:lnBlToTr>
-                    <a:solidFill>
-                      <a:schemeClr val="accent4">
-                        <a:alpha val="10000"/>
-                      </a:schemeClr>
-                    </a:solidFill>
-                  </a:tcPr>
-                </a:tc>
-                <a:tc>
-                  <a:txBody>
-                    <a:bodyPr/>
-                    <a:lstStyle/>
-                    <a:p>
-                      <a:pPr marL="0" algn="r" defTabSz="914400" rtl="0" eaLnBrk="1" latinLnBrk="0" hangingPunct="1"/>
-                      <a:r>
-                        <a:rPr lang="nl-NL" sz="1400" i="0" kern="1200" noProof="0" dirty="0">
-                          <a:solidFill>
-                            <a:schemeClr val="tx1">
-                              <a:lumMod val="65000"/>
-                              <a:lumOff val="35000"/>
-                            </a:schemeClr>
-                          </a:solidFill>
-                          <a:latin typeface="+mn-lt"/>
-                          <a:ea typeface="+mn-ea"/>
-                          <a:cs typeface="+mn-cs"/>
-                        </a:rPr>
-                        <a:t>80</a:t>
-                      </a:r>
-                    </a:p>
-                  </a:txBody>
-                  <a:tcPr anchor="ctr">
-                    <a:lnL w="12700" cmpd="sng">
-                      <a:noFill/>
-                    </a:lnL>
-                    <a:lnR w="12700" cmpd="sng">
-                      <a:noFill/>
-                    </a:lnR>
-                    <a:lnT w="12700" cmpd="sng">
-                      <a:noFill/>
-                    </a:lnT>
-                    <a:lnB w="12700" cmpd="sng">
-                      <a:noFill/>
-                    </a:lnB>
-                    <a:lnTlToBr w="12700" cmpd="sng">
-                      <a:noFill/>
-                      <a:prstDash val="solid"/>
-                    </a:lnTlToBr>
-                    <a:lnBlToTr w="12700" cmpd="sng">
-                      <a:noFill/>
-                      <a:prstDash val="solid"/>
-                    </a:lnBlToTr>
-                    <a:solidFill>
-                      <a:schemeClr val="accent4">
-                        <a:alpha val="10000"/>
-                      </a:schemeClr>
-                    </a:solidFill>
-                  </a:tcPr>
-                </a:tc>
-                <a:tc>
-                  <a:txBody>
-                    <a:bodyPr/>
-                    <a:lstStyle/>
-                    <a:p>
-                      <a:pPr marL="0" algn="r" defTabSz="914400" rtl="0" eaLnBrk="1" latinLnBrk="0" hangingPunct="1"/>
-                      <a:r>
-                        <a:rPr lang="nl-NL" sz="1400" i="0" kern="1200" noProof="0" dirty="0">
-                          <a:solidFill>
-                            <a:schemeClr val="tx1">
-                              <a:lumMod val="65000"/>
-                              <a:lumOff val="35000"/>
-                            </a:schemeClr>
-                          </a:solidFill>
-                          <a:latin typeface="+mn-lt"/>
-                          <a:ea typeface="+mn-ea"/>
-                          <a:cs typeface="+mn-cs"/>
-                        </a:rPr>
-                        <a:t>90</a:t>
-                      </a:r>
-                    </a:p>
-                  </a:txBody>
-                  <a:tcPr anchor="ctr">
-                    <a:lnL w="12700" cmpd="sng">
-                      <a:noFill/>
-                    </a:lnL>
-                    <a:lnR w="12700" cmpd="sng">
-                      <a:noFill/>
-                    </a:lnR>
-                    <a:lnT w="12700" cmpd="sng">
-                      <a:noFill/>
-                    </a:lnT>
-                    <a:lnB w="12700" cmpd="sng">
-                      <a:noFill/>
-                    </a:lnB>
-                    <a:lnTlToBr w="12700" cmpd="sng">
-                      <a:noFill/>
-                      <a:prstDash val="solid"/>
-                    </a:lnTlToBr>
-                    <a:lnBlToTr w="12700" cmpd="sng">
-                      <a:noFill/>
-                      <a:prstDash val="solid"/>
-                    </a:lnBlToTr>
-                    <a:solidFill>
-                      <a:schemeClr val="accent4">
-                        <a:alpha val="10000"/>
-                      </a:schemeClr>
-                    </a:solidFill>
-                  </a:tcPr>
-                </a:tc>
-                <a:extLst>
-                  <a:ext uri="{0D108BD9-81ED-4DB2-BD59-A6C34878D82A}">
-                    <a16:rowId xmlns:a16="http://schemas.microsoft.com/office/drawing/2014/main" val="405194377"/>
-                  </a:ext>
-                </a:extLst>
-              </a:tr>
-              <a:tr h="370840">
-                <a:tc>
-                  <a:txBody>
-                    <a:bodyPr/>
-                    <a:lstStyle/>
-                    <a:p>
-                      <a:pPr marL="0" marR="0" lvl="0" indent="0" algn="l" defTabSz="914400" rtl="0" eaLnBrk="1" fontAlgn="auto" latinLnBrk="0" hangingPunct="1">
-                        <a:lnSpc>
-                          <a:spcPct val="100000"/>
-                        </a:lnSpc>
-                        <a:spcBef>
-                          <a:spcPts val="0"/>
-                        </a:spcBef>
-                        <a:spcAft>
-                          <a:spcPts val="0"/>
-                        </a:spcAft>
-                        <a:buClrTx/>
-                        <a:buSzTx/>
-                        <a:buFontTx/>
-                        <a:buNone/>
-                        <a:tabLst/>
-                        <a:defRPr/>
-                      </a:pPr>
-                      <a:r>
-                        <a:rPr lang="nl-NL" sz="1200" b="1" i="0" kern="1200" noProof="0" dirty="0">
-                          <a:solidFill>
-                            <a:schemeClr val="bg1"/>
-                          </a:solidFill>
-                          <a:latin typeface="+mn-lt"/>
-                          <a:ea typeface="+mn-ea"/>
-                          <a:cs typeface="+mn-cs"/>
-                        </a:rPr>
-                        <a:t>Categorie</a:t>
-                      </a:r>
-                    </a:p>
-                  </a:txBody>
-                  <a:tcPr anchor="ctr">
-                    <a:lnL w="12700" cmpd="sng">
-                      <a:noFill/>
-                    </a:lnL>
-                    <a:lnR w="12700" cmpd="sng">
-                      <a:noFill/>
-                    </a:lnR>
-                    <a:lnT w="12700" cmpd="sng">
-                      <a:noFill/>
-                    </a:lnT>
-                    <a:lnB w="12700" cmpd="sng">
-                      <a:noFill/>
-                    </a:lnB>
-                    <a:lnTlToBr w="12700" cmpd="sng">
-                      <a:noFill/>
-                      <a:prstDash val="solid"/>
-                    </a:lnTlToBr>
-                    <a:lnBlToTr w="12700" cmpd="sng">
-                      <a:noFill/>
-                      <a:prstDash val="solid"/>
-                    </a:lnBlToTr>
-                    <a:solidFill>
-                      <a:schemeClr val="tx2"/>
-                    </a:solidFill>
-                  </a:tcPr>
-                </a:tc>
-                <a:tc>
-                  <a:txBody>
-                    <a:bodyPr/>
-                    <a:lstStyle/>
-                    <a:p>
-                      <a:pPr marL="0" algn="r" defTabSz="914400" rtl="0" eaLnBrk="1" latinLnBrk="0" hangingPunct="1"/>
-                      <a:r>
-                        <a:rPr lang="nl-NL" sz="1400" i="0" kern="1200" noProof="0" dirty="0">
-                          <a:solidFill>
-                            <a:schemeClr val="tx1">
-                              <a:lumMod val="65000"/>
-                              <a:lumOff val="35000"/>
-                            </a:schemeClr>
-                          </a:solidFill>
-                          <a:latin typeface="+mn-lt"/>
-                          <a:ea typeface="+mn-ea"/>
-                          <a:cs typeface="+mn-cs"/>
-                        </a:rPr>
-                        <a:t>5.625.000</a:t>
-                      </a:r>
-                    </a:p>
-                  </a:txBody>
-                  <a:tcPr anchor="ctr">
-                    <a:lnL w="12700" cmpd="sng">
-                      <a:noFill/>
-                    </a:lnL>
-                    <a:lnR w="12700" cmpd="sng">
-                      <a:noFill/>
-                    </a:lnR>
-                    <a:lnT w="12700" cmpd="sng">
-                      <a:noFill/>
-                    </a:lnT>
-                    <a:lnB w="12700" cmpd="sng">
-                      <a:noFill/>
-                    </a:lnB>
-                    <a:lnTlToBr w="12700" cmpd="sng">
-                      <a:noFill/>
-                      <a:prstDash val="solid"/>
-                    </a:lnTlToBr>
-                    <a:lnBlToTr w="12700" cmpd="sng">
-                      <a:noFill/>
-                      <a:prstDash val="solid"/>
-                    </a:lnBlToTr>
-                    <a:solidFill>
-                      <a:schemeClr val="bg1"/>
-                    </a:solidFill>
-                  </a:tcPr>
-                </a:tc>
-                <a:tc>
-                  <a:txBody>
-                    <a:bodyPr/>
-                    <a:lstStyle/>
-                    <a:p>
-                      <a:pPr marL="0" algn="r" defTabSz="914400" rtl="0" eaLnBrk="1" latinLnBrk="0" hangingPunct="1"/>
-                      <a:r>
-                        <a:rPr lang="nl-NL" sz="1400" i="0" kern="1200" noProof="0" dirty="0">
-                          <a:solidFill>
-                            <a:schemeClr val="tx1">
-                              <a:lumMod val="65000"/>
-                              <a:lumOff val="35000"/>
-                            </a:schemeClr>
-                          </a:solidFill>
-                          <a:latin typeface="+mn-lt"/>
-                          <a:ea typeface="+mn-ea"/>
-                          <a:cs typeface="+mn-cs"/>
-                        </a:rPr>
-                        <a:t>48.000.000</a:t>
-                      </a:r>
-                    </a:p>
-                  </a:txBody>
-                  <a:tcPr anchor="ctr">
-                    <a:lnL w="12700" cmpd="sng">
-                      <a:noFill/>
-                    </a:lnL>
-                    <a:lnR w="12700" cmpd="sng">
-                      <a:noFill/>
-                    </a:lnR>
-                    <a:lnT w="12700" cmpd="sng">
-                      <a:noFill/>
-                    </a:lnT>
-                    <a:lnB w="12700" cmpd="sng">
-                      <a:noFill/>
-                    </a:lnB>
-                    <a:lnTlToBr w="12700" cmpd="sng">
-                      <a:noFill/>
-                      <a:prstDash val="solid"/>
-                    </a:lnTlToBr>
-                    <a:lnBlToTr w="12700" cmpd="sng">
-                      <a:noFill/>
-                      <a:prstDash val="solid"/>
-                    </a:lnBlToTr>
-                    <a:solidFill>
-                      <a:schemeClr val="bg1"/>
-                    </a:solidFill>
-                  </a:tcPr>
-                </a:tc>
-                <a:tc>
-                  <a:txBody>
-                    <a:bodyPr/>
-                    <a:lstStyle/>
-                    <a:p>
-                      <a:pPr marL="0" algn="r" defTabSz="914400" rtl="0" eaLnBrk="1" latinLnBrk="0" hangingPunct="1"/>
-                      <a:r>
-                        <a:rPr lang="nl-NL" sz="1400" i="0" kern="1200" noProof="0" dirty="0">
-                          <a:solidFill>
-                            <a:schemeClr val="tx1">
-                              <a:lumMod val="65000"/>
-                              <a:lumOff val="35000"/>
-                            </a:schemeClr>
-                          </a:solidFill>
-                          <a:latin typeface="+mn-lt"/>
-                          <a:ea typeface="+mn-ea"/>
-                          <a:cs typeface="+mn-cs"/>
-                        </a:rPr>
-                        <a:t>216.000.000</a:t>
-                      </a:r>
-                    </a:p>
-                  </a:txBody>
-                  <a:tcPr anchor="ctr">
-                    <a:lnL w="12700" cmpd="sng">
-                      <a:noFill/>
-                    </a:lnL>
-                    <a:lnR w="12700" cmpd="sng">
-                      <a:noFill/>
-                    </a:lnR>
-                    <a:lnT w="12700" cmpd="sng">
-                      <a:noFill/>
-                    </a:lnT>
-                    <a:lnB w="12700" cmpd="sng">
-                      <a:noFill/>
-                    </a:lnB>
-                    <a:lnTlToBr w="12700" cmpd="sng">
-                      <a:noFill/>
-                      <a:prstDash val="solid"/>
-                    </a:lnTlToBr>
-                    <a:lnBlToTr w="12700" cmpd="sng">
-                      <a:noFill/>
-                      <a:prstDash val="solid"/>
-                    </a:lnBlToTr>
-                    <a:solidFill>
-                      <a:schemeClr val="bg1"/>
-                    </a:solidFill>
-                  </a:tcPr>
-                </a:tc>
-                <a:extLst>
-                  <a:ext uri="{0D108BD9-81ED-4DB2-BD59-A6C34878D82A}">
-                    <a16:rowId xmlns:a16="http://schemas.microsoft.com/office/drawing/2014/main" val="3871604632"/>
-                  </a:ext>
-                </a:extLst>
-              </a:tr>
-              <a:tr h="370840">
-                <a:tc>
-                  <a:txBody>
-                    <a:bodyPr/>
-                    <a:lstStyle/>
-                    <a:p>
-                      <a:pPr marL="0" marR="0" lvl="0" indent="0" algn="l" defTabSz="914400" rtl="0" eaLnBrk="1" fontAlgn="auto" latinLnBrk="0" hangingPunct="1">
-                        <a:lnSpc>
-                          <a:spcPct val="100000"/>
-                        </a:lnSpc>
-                        <a:spcBef>
-                          <a:spcPts val="0"/>
-                        </a:spcBef>
-                        <a:spcAft>
-                          <a:spcPts val="0"/>
-                        </a:spcAft>
-                        <a:buClrTx/>
-                        <a:buSzTx/>
-                        <a:buFontTx/>
-                        <a:buNone/>
-                        <a:tabLst/>
-                        <a:defRPr/>
-                      </a:pPr>
-                      <a:r>
-                        <a:rPr lang="nl-NL" sz="1200" b="1" i="0" kern="1200" noProof="0" dirty="0">
-                          <a:solidFill>
-                            <a:schemeClr val="bg1"/>
-                          </a:solidFill>
-                          <a:latin typeface="+mn-lt"/>
-                          <a:ea typeface="+mn-ea"/>
-                          <a:cs typeface="+mn-cs"/>
-                        </a:rPr>
-                        <a:t>Categorie</a:t>
-                      </a:r>
-                    </a:p>
-                  </a:txBody>
-                  <a:tcPr anchor="ctr">
-                    <a:lnL w="12700" cmpd="sng">
-                      <a:noFill/>
-                    </a:lnL>
-                    <a:lnR w="12700" cmpd="sng">
-                      <a:noFill/>
-                    </a:lnR>
-                    <a:lnT w="12700" cmpd="sng">
-                      <a:noFill/>
-                    </a:lnT>
-                    <a:lnB w="12700" cmpd="sng">
-                      <a:noFill/>
-                    </a:lnB>
-                    <a:lnTlToBr w="12700" cmpd="sng">
-                      <a:noFill/>
-                      <a:prstDash val="solid"/>
-                    </a:lnTlToBr>
-                    <a:lnBlToTr w="12700" cmpd="sng">
-                      <a:noFill/>
-                      <a:prstDash val="solid"/>
-                    </a:lnBlToTr>
-                    <a:solidFill>
-                      <a:schemeClr val="accent4">
-                        <a:lumMod val="75000"/>
-                      </a:schemeClr>
-                    </a:solidFill>
-                  </a:tcPr>
-                </a:tc>
-                <a:tc>
-                  <a:txBody>
-                    <a:bodyPr/>
-                    <a:lstStyle/>
-                    <a:p>
-                      <a:pPr marL="0" algn="r" defTabSz="914400" rtl="0" eaLnBrk="1" latinLnBrk="0" hangingPunct="1"/>
-                      <a:r>
-                        <a:rPr lang="nl-NL" sz="1400" i="0" kern="1200" noProof="0" dirty="0">
-                          <a:solidFill>
-                            <a:schemeClr val="tx1">
-                              <a:lumMod val="65000"/>
-                              <a:lumOff val="35000"/>
-                            </a:schemeClr>
-                          </a:solidFill>
-                          <a:latin typeface="+mn-lt"/>
-                          <a:ea typeface="+mn-ea"/>
-                          <a:cs typeface="+mn-cs"/>
-                        </a:rPr>
-                        <a:t>0</a:t>
-                      </a:r>
-                    </a:p>
-                  </a:txBody>
-                  <a:tcPr anchor="ctr">
-                    <a:lnL w="12700" cmpd="sng">
-                      <a:noFill/>
-                    </a:lnL>
-                    <a:lnR w="12700" cmpd="sng">
-                      <a:noFill/>
-                    </a:lnR>
-                    <a:lnT w="12700" cmpd="sng">
-                      <a:noFill/>
-                    </a:lnT>
-                    <a:lnB w="12700" cmpd="sng">
-                      <a:noFill/>
-                    </a:lnB>
-                    <a:lnTlToBr w="12700" cmpd="sng">
-                      <a:noFill/>
-                      <a:prstDash val="solid"/>
-                    </a:lnTlToBr>
-                    <a:lnBlToTr w="12700" cmpd="sng">
-                      <a:noFill/>
-                      <a:prstDash val="solid"/>
-                    </a:lnBlToTr>
-                    <a:solidFill>
-                      <a:schemeClr val="accent4">
-                        <a:alpha val="10000"/>
-                      </a:schemeClr>
-                    </a:solidFill>
-                  </a:tcPr>
-                </a:tc>
-                <a:tc>
-                  <a:txBody>
-                    <a:bodyPr/>
-                    <a:lstStyle/>
-                    <a:p>
-                      <a:pPr marL="0" algn="r" defTabSz="914400" rtl="0" eaLnBrk="1" latinLnBrk="0" hangingPunct="1"/>
-                      <a:r>
-                        <a:rPr lang="nl-NL" sz="1400" i="0" kern="1200" noProof="0" dirty="0">
-                          <a:solidFill>
-                            <a:schemeClr val="tx1">
-                              <a:lumMod val="65000"/>
-                              <a:lumOff val="35000"/>
-                            </a:schemeClr>
-                          </a:solidFill>
-                          <a:latin typeface="+mn-lt"/>
-                          <a:ea typeface="+mn-ea"/>
-                          <a:cs typeface="+mn-cs"/>
-                        </a:rPr>
-                        <a:t>0</a:t>
-                      </a:r>
-                    </a:p>
-                  </a:txBody>
-                  <a:tcPr anchor="ctr">
-                    <a:lnL w="12700" cmpd="sng">
-                      <a:noFill/>
-                    </a:lnL>
-                    <a:lnR w="12700" cmpd="sng">
-                      <a:noFill/>
-                    </a:lnR>
-                    <a:lnT w="12700" cmpd="sng">
-                      <a:noFill/>
-                    </a:lnT>
-                    <a:lnB w="12700" cmpd="sng">
-                      <a:noFill/>
-                    </a:lnB>
-                    <a:lnTlToBr w="12700" cmpd="sng">
-                      <a:noFill/>
-                      <a:prstDash val="solid"/>
-                    </a:lnTlToBr>
-                    <a:lnBlToTr w="12700" cmpd="sng">
-                      <a:noFill/>
-                      <a:prstDash val="solid"/>
-                    </a:lnBlToTr>
-                    <a:solidFill>
-                      <a:schemeClr val="accent4">
-                        <a:alpha val="10000"/>
-                      </a:schemeClr>
-                    </a:solidFill>
-                  </a:tcPr>
-                </a:tc>
-                <a:tc>
-                  <a:txBody>
-                    <a:bodyPr/>
-                    <a:lstStyle/>
-                    <a:p>
-                      <a:pPr marL="0" algn="r" defTabSz="914400" rtl="0" eaLnBrk="1" latinLnBrk="0" hangingPunct="1"/>
-                      <a:r>
-                        <a:rPr lang="nl-NL" sz="1400" i="0" kern="1200" noProof="0" dirty="0">
-                          <a:solidFill>
-                            <a:schemeClr val="tx1">
-                              <a:lumMod val="65000"/>
-                              <a:lumOff val="35000"/>
-                            </a:schemeClr>
-                          </a:solidFill>
-                          <a:latin typeface="+mn-lt"/>
-                          <a:ea typeface="+mn-ea"/>
-                          <a:cs typeface="+mn-cs"/>
-                        </a:rPr>
-                        <a:t>0</a:t>
-                      </a:r>
-                    </a:p>
-                  </a:txBody>
-                  <a:tcPr anchor="ctr">
-                    <a:lnL w="12700" cmpd="sng">
-                      <a:noFill/>
-                    </a:lnL>
-                    <a:lnR w="12700" cmpd="sng">
-                      <a:noFill/>
-                    </a:lnR>
-                    <a:lnT w="12700" cmpd="sng">
-                      <a:noFill/>
-                    </a:lnT>
-                    <a:lnB w="12700" cmpd="sng">
-                      <a:noFill/>
-                    </a:lnB>
-                    <a:lnTlToBr w="12700" cmpd="sng">
-                      <a:noFill/>
-                      <a:prstDash val="solid"/>
-                    </a:lnTlToBr>
-                    <a:lnBlToTr w="12700" cmpd="sng">
-                      <a:noFill/>
-                      <a:prstDash val="solid"/>
-                    </a:lnBlToTr>
-                    <a:solidFill>
-                      <a:schemeClr val="accent4">
-                        <a:alpha val="10000"/>
-                      </a:schemeClr>
-                    </a:solidFill>
-                  </a:tcPr>
-                </a:tc>
-                <a:extLst>
-                  <a:ext uri="{0D108BD9-81ED-4DB2-BD59-A6C34878D82A}">
-                    <a16:rowId xmlns:a16="http://schemas.microsoft.com/office/drawing/2014/main" val="3455450201"/>
-                  </a:ext>
-                </a:extLst>
-              </a:tr>
-              <a:tr h="370840">
-                <a:tc>
-                  <a:txBody>
-                    <a:bodyPr/>
-                    <a:lstStyle/>
-                    <a:p>
-                      <a:pPr marL="0" marR="0" lvl="0" indent="0" algn="l" defTabSz="914400" rtl="0" eaLnBrk="1" fontAlgn="auto" latinLnBrk="0" hangingPunct="1">
-                        <a:lnSpc>
-                          <a:spcPct val="100000"/>
-                        </a:lnSpc>
-                        <a:spcBef>
-                          <a:spcPts val="0"/>
-                        </a:spcBef>
-                        <a:spcAft>
-                          <a:spcPts val="0"/>
-                        </a:spcAft>
-                        <a:buClrTx/>
-                        <a:buSzTx/>
-                        <a:buFontTx/>
-                        <a:buNone/>
-                        <a:tabLst/>
-                        <a:defRPr/>
-                      </a:pPr>
-                      <a:r>
-                        <a:rPr lang="nl-NL" sz="1200" b="1" i="0" kern="1200" noProof="0" dirty="0">
-                          <a:solidFill>
-                            <a:schemeClr val="bg1"/>
-                          </a:solidFill>
-                          <a:latin typeface="+mn-lt"/>
-                          <a:ea typeface="+mn-ea"/>
-                          <a:cs typeface="+mn-cs"/>
-                        </a:rPr>
-                        <a:t>Categorie</a:t>
-                      </a:r>
-                    </a:p>
-                  </a:txBody>
-                  <a:tcPr anchor="ctr">
-                    <a:lnL w="12700" cmpd="sng">
-                      <a:noFill/>
-                    </a:lnL>
-                    <a:lnR w="12700" cmpd="sng">
-                      <a:noFill/>
-                    </a:lnR>
-                    <a:lnT w="12700" cmpd="sng">
-                      <a:noFill/>
-                    </a:lnT>
-                    <a:lnB w="12700" cmpd="sng">
-                      <a:noFill/>
-                    </a:lnB>
-                    <a:lnTlToBr w="12700" cmpd="sng">
-                      <a:noFill/>
-                      <a:prstDash val="solid"/>
-                    </a:lnTlToBr>
-                    <a:lnBlToTr w="12700" cmpd="sng">
-                      <a:noFill/>
-                      <a:prstDash val="solid"/>
-                    </a:lnBlToTr>
-                    <a:solidFill>
-                      <a:schemeClr val="tx2"/>
-                    </a:solidFill>
-                  </a:tcPr>
-                </a:tc>
-                <a:tc>
-                  <a:txBody>
-                    <a:bodyPr/>
-                    <a:lstStyle/>
-                    <a:p>
-                      <a:pPr marL="0" algn="r" defTabSz="914400" rtl="0" eaLnBrk="1" latinLnBrk="0" hangingPunct="1"/>
-                      <a:r>
-                        <a:rPr lang="nl-NL" sz="1400" i="0" kern="1200" noProof="0" dirty="0">
-                          <a:solidFill>
-                            <a:schemeClr val="tx1">
-                              <a:lumMod val="65000"/>
-                              <a:lumOff val="35000"/>
-                            </a:schemeClr>
-                          </a:solidFill>
-                          <a:latin typeface="+mn-lt"/>
-                          <a:ea typeface="+mn-ea"/>
-                          <a:cs typeface="+mn-cs"/>
-                        </a:rPr>
-                        <a:t>5.625.000</a:t>
-                      </a:r>
-                    </a:p>
-                  </a:txBody>
-                  <a:tcPr anchor="ctr">
-                    <a:lnL w="12700" cmpd="sng">
-                      <a:noFill/>
-                    </a:lnL>
-                    <a:lnR w="12700" cmpd="sng">
-                      <a:noFill/>
-                    </a:lnR>
-                    <a:lnT w="12700" cmpd="sng">
-                      <a:noFill/>
-                    </a:lnT>
-                    <a:lnB w="12700" cmpd="sng">
-                      <a:noFill/>
-                    </a:lnB>
-                    <a:lnTlToBr w="12700" cmpd="sng">
-                      <a:noFill/>
-                      <a:prstDash val="solid"/>
-                    </a:lnTlToBr>
-                    <a:lnBlToTr w="12700" cmpd="sng">
-                      <a:noFill/>
-                      <a:prstDash val="solid"/>
-                    </a:lnBlToTr>
-                    <a:solidFill>
-                      <a:schemeClr val="bg1"/>
-                    </a:solidFill>
-                  </a:tcPr>
-                </a:tc>
-                <a:tc>
-                  <a:txBody>
-                    <a:bodyPr/>
-                    <a:lstStyle/>
-                    <a:p>
-                      <a:pPr marL="0" algn="r" defTabSz="914400" rtl="0" eaLnBrk="1" latinLnBrk="0" hangingPunct="1"/>
-                      <a:r>
-                        <a:rPr lang="nl-NL" sz="1400" i="0" kern="1200" noProof="0" dirty="0">
-                          <a:solidFill>
-                            <a:schemeClr val="tx1">
-                              <a:lumMod val="65000"/>
-                              <a:lumOff val="35000"/>
-                            </a:schemeClr>
-                          </a:solidFill>
-                          <a:latin typeface="+mn-lt"/>
-                          <a:ea typeface="+mn-ea"/>
-                          <a:cs typeface="+mn-cs"/>
-                        </a:rPr>
-                        <a:t>48.000.000</a:t>
-                      </a:r>
-                    </a:p>
-                  </a:txBody>
-                  <a:tcPr anchor="ctr">
-                    <a:lnL w="12700" cmpd="sng">
-                      <a:noFill/>
-                    </a:lnL>
-                    <a:lnR w="12700" cmpd="sng">
-                      <a:noFill/>
-                    </a:lnR>
-                    <a:lnT w="12700" cmpd="sng">
-                      <a:noFill/>
-                    </a:lnT>
-                    <a:lnB w="12700" cmpd="sng">
-                      <a:noFill/>
-                    </a:lnB>
-                    <a:lnTlToBr w="12700" cmpd="sng">
-                      <a:noFill/>
-                      <a:prstDash val="solid"/>
-                    </a:lnTlToBr>
-                    <a:lnBlToTr w="12700" cmpd="sng">
-                      <a:noFill/>
-                      <a:prstDash val="solid"/>
-                    </a:lnBlToTr>
-                    <a:solidFill>
-                      <a:schemeClr val="bg1"/>
-                    </a:solidFill>
-                  </a:tcPr>
-                </a:tc>
-                <a:tc>
-                  <a:txBody>
-                    <a:bodyPr/>
-                    <a:lstStyle/>
-                    <a:p>
-                      <a:pPr marL="0" algn="r" defTabSz="914400" rtl="0" eaLnBrk="1" latinLnBrk="0" hangingPunct="1"/>
-                      <a:r>
-                        <a:rPr lang="nl-NL" sz="1400" i="0" kern="1200" noProof="0" dirty="0">
-                          <a:solidFill>
-                            <a:schemeClr val="tx1">
-                              <a:lumMod val="65000"/>
-                              <a:lumOff val="35000"/>
-                            </a:schemeClr>
-                          </a:solidFill>
-                          <a:latin typeface="+mn-lt"/>
-                          <a:ea typeface="+mn-ea"/>
-                          <a:cs typeface="+mn-cs"/>
-                        </a:rPr>
-                        <a:t>216.000.000</a:t>
-                      </a:r>
-                    </a:p>
-                  </a:txBody>
-                  <a:tcPr anchor="ctr">
-                    <a:lnL w="12700" cmpd="sng">
-                      <a:noFill/>
-                    </a:lnL>
-                    <a:lnR w="12700" cmpd="sng">
-                      <a:noFill/>
-                    </a:lnR>
-                    <a:lnT w="12700" cmpd="sng">
-                      <a:noFill/>
-                    </a:lnT>
-                    <a:lnB w="12700" cmpd="sng">
-                      <a:noFill/>
-                    </a:lnB>
-                    <a:lnTlToBr w="12700" cmpd="sng">
-                      <a:noFill/>
-                      <a:prstDash val="solid"/>
-                    </a:lnTlToBr>
-                    <a:lnBlToTr w="12700" cmpd="sng">
-                      <a:noFill/>
-                      <a:prstDash val="solid"/>
-                    </a:lnBlToTr>
-                    <a:solidFill>
-                      <a:schemeClr val="bg1"/>
-                    </a:solidFill>
-                  </a:tcPr>
-                </a:tc>
-                <a:extLst>
-                  <a:ext uri="{0D108BD9-81ED-4DB2-BD59-A6C34878D82A}">
-                    <a16:rowId xmlns:a16="http://schemas.microsoft.com/office/drawing/2014/main" val="4259252139"/>
-                  </a:ext>
-                </a:extLst>
-              </a:tr>
-              <a:tr h="370840">
-                <a:tc>
-                  <a:txBody>
-                    <a:bodyPr/>
-                    <a:lstStyle/>
-                    <a:p>
-                      <a:pPr marL="0" marR="0" lvl="0" indent="0" algn="l" defTabSz="914400" rtl="0" eaLnBrk="1" fontAlgn="auto" latinLnBrk="0" hangingPunct="1">
-                        <a:lnSpc>
-                          <a:spcPct val="100000"/>
-                        </a:lnSpc>
-                        <a:spcBef>
-                          <a:spcPts val="0"/>
-                        </a:spcBef>
-                        <a:spcAft>
-                          <a:spcPts val="0"/>
-                        </a:spcAft>
-                        <a:buClrTx/>
-                        <a:buSzTx/>
-                        <a:buFontTx/>
-                        <a:buNone/>
-                        <a:tabLst/>
-                        <a:defRPr/>
-                      </a:pPr>
-                      <a:r>
-                        <a:rPr lang="nl-NL" sz="1200" b="1" i="0" kern="1200" noProof="0" dirty="0">
-                          <a:solidFill>
-                            <a:schemeClr val="bg1"/>
-                          </a:solidFill>
-                          <a:latin typeface="+mn-lt"/>
-                          <a:ea typeface="+mn-ea"/>
-                          <a:cs typeface="+mn-cs"/>
-                        </a:rPr>
-                        <a:t>Categorie</a:t>
-                      </a:r>
-                    </a:p>
-                  </a:txBody>
-                  <a:tcPr anchor="ctr">
-                    <a:lnL w="12700" cmpd="sng">
-                      <a:noFill/>
-                    </a:lnL>
-                    <a:lnR w="12700" cmpd="sng">
-                      <a:noFill/>
-                    </a:lnR>
-                    <a:lnT w="12700" cmpd="sng">
-                      <a:noFill/>
-                    </a:lnT>
-                    <a:lnB w="12700" cmpd="sng">
-                      <a:noFill/>
-                    </a:lnB>
-                    <a:lnTlToBr w="12700" cmpd="sng">
-                      <a:noFill/>
-                      <a:prstDash val="solid"/>
-                    </a:lnTlToBr>
-                    <a:lnBlToTr w="12700" cmpd="sng">
-                      <a:noFill/>
-                      <a:prstDash val="solid"/>
-                    </a:lnBlToTr>
-                    <a:solidFill>
-                      <a:schemeClr val="accent4">
-                        <a:lumMod val="75000"/>
-                      </a:schemeClr>
-                    </a:solidFill>
-                  </a:tcPr>
-                </a:tc>
-                <a:tc>
-                  <a:txBody>
-                    <a:bodyPr/>
-                    <a:lstStyle/>
-                    <a:p>
-                      <a:pPr marL="0" algn="r" defTabSz="914400" rtl="0" eaLnBrk="1" latinLnBrk="0" hangingPunct="1"/>
-                      <a:r>
-                        <a:rPr lang="nl-NL" sz="1400" i="0" kern="1200" noProof="0" dirty="0">
-                          <a:solidFill>
-                            <a:schemeClr val="tx1">
-                              <a:lumMod val="65000"/>
-                              <a:lumOff val="35000"/>
-                            </a:schemeClr>
-                          </a:solidFill>
-                          <a:latin typeface="+mn-lt"/>
-                          <a:ea typeface="+mn-ea"/>
-                          <a:cs typeface="+mn-cs"/>
-                        </a:rPr>
-                        <a:t>1.687.500</a:t>
-                      </a:r>
-                    </a:p>
-                  </a:txBody>
-                  <a:tcPr anchor="ctr">
-                    <a:lnL w="12700" cmpd="sng">
-                      <a:noFill/>
-                    </a:lnL>
-                    <a:lnR w="12700" cmpd="sng">
-                      <a:noFill/>
-                    </a:lnR>
-                    <a:lnT w="12700" cmpd="sng">
-                      <a:noFill/>
-                    </a:lnT>
-                    <a:lnB w="12700" cmpd="sng">
-                      <a:noFill/>
-                    </a:lnB>
-                    <a:lnTlToBr w="12700" cmpd="sng">
-                      <a:noFill/>
-                      <a:prstDash val="solid"/>
-                    </a:lnTlToBr>
-                    <a:lnBlToTr w="12700" cmpd="sng">
-                      <a:noFill/>
-                      <a:prstDash val="solid"/>
-                    </a:lnBlToTr>
-                    <a:solidFill>
-                      <a:schemeClr val="accent4">
-                        <a:alpha val="10000"/>
-                      </a:schemeClr>
-                    </a:solidFill>
-                  </a:tcPr>
-                </a:tc>
-                <a:tc>
-                  <a:txBody>
-                    <a:bodyPr/>
-                    <a:lstStyle/>
-                    <a:p>
-                      <a:pPr marL="0" algn="r" defTabSz="914400" rtl="0" eaLnBrk="1" latinLnBrk="0" hangingPunct="1"/>
-                      <a:r>
-                        <a:rPr lang="nl-NL" sz="1400" i="0" kern="1200" noProof="0" dirty="0">
-                          <a:solidFill>
-                            <a:schemeClr val="tx1">
-                              <a:lumMod val="65000"/>
-                              <a:lumOff val="35000"/>
-                            </a:schemeClr>
-                          </a:solidFill>
-                          <a:latin typeface="+mn-lt"/>
-                          <a:ea typeface="+mn-ea"/>
-                          <a:cs typeface="+mn-cs"/>
-                        </a:rPr>
-                        <a:t>9.600.000</a:t>
-                      </a:r>
-                    </a:p>
-                  </a:txBody>
-                  <a:tcPr anchor="ctr">
-                    <a:lnL w="12700" cmpd="sng">
-                      <a:noFill/>
-                    </a:lnL>
-                    <a:lnR w="12700" cmpd="sng">
-                      <a:noFill/>
-                    </a:lnR>
-                    <a:lnT w="12700" cmpd="sng">
-                      <a:noFill/>
-                    </a:lnT>
-                    <a:lnB w="12700" cmpd="sng">
-                      <a:noFill/>
-                    </a:lnB>
-                    <a:lnTlToBr w="12700" cmpd="sng">
-                      <a:noFill/>
-                      <a:prstDash val="solid"/>
-                    </a:lnTlToBr>
-                    <a:lnBlToTr w="12700" cmpd="sng">
-                      <a:noFill/>
-                      <a:prstDash val="solid"/>
-                    </a:lnBlToTr>
-                    <a:solidFill>
-                      <a:schemeClr val="accent4">
-                        <a:alpha val="10000"/>
-                      </a:schemeClr>
-                    </a:solidFill>
-                  </a:tcPr>
-                </a:tc>
-                <a:tc>
-                  <a:txBody>
-                    <a:bodyPr/>
-                    <a:lstStyle/>
-                    <a:p>
-                      <a:pPr marL="0" algn="r" defTabSz="914400" rtl="0" eaLnBrk="1" latinLnBrk="0" hangingPunct="1"/>
-                      <a:r>
-                        <a:rPr lang="nl-NL" sz="1400" i="0" kern="1200" noProof="0" dirty="0">
-                          <a:solidFill>
-                            <a:schemeClr val="tx1">
-                              <a:lumMod val="65000"/>
-                              <a:lumOff val="35000"/>
-                            </a:schemeClr>
-                          </a:solidFill>
-                          <a:latin typeface="+mn-lt"/>
-                          <a:ea typeface="+mn-ea"/>
-                          <a:cs typeface="+mn-cs"/>
-                        </a:rPr>
-                        <a:t>21.600.000</a:t>
-                      </a:r>
-                    </a:p>
-                  </a:txBody>
-                  <a:tcPr anchor="ctr">
-                    <a:lnL w="12700" cmpd="sng">
-                      <a:noFill/>
-                    </a:lnL>
-                    <a:lnR w="12700" cmpd="sng">
-                      <a:noFill/>
-                    </a:lnR>
-                    <a:lnT w="12700" cmpd="sng">
-                      <a:noFill/>
-                    </a:lnT>
-                    <a:lnB w="12700" cmpd="sng">
-                      <a:noFill/>
-                    </a:lnB>
-                    <a:lnTlToBr w="12700" cmpd="sng">
-                      <a:noFill/>
-                      <a:prstDash val="solid"/>
-                    </a:lnTlToBr>
-                    <a:lnBlToTr w="12700" cmpd="sng">
-                      <a:noFill/>
-                      <a:prstDash val="solid"/>
-                    </a:lnBlToTr>
-                    <a:solidFill>
-                      <a:schemeClr val="accent4">
-                        <a:alpha val="10000"/>
-                      </a:schemeClr>
-                    </a:solidFill>
-                  </a:tcPr>
-                </a:tc>
-                <a:extLst>
-                  <a:ext uri="{0D108BD9-81ED-4DB2-BD59-A6C34878D82A}">
-                    <a16:rowId xmlns:a16="http://schemas.microsoft.com/office/drawing/2014/main" val="970099574"/>
-                  </a:ext>
-                </a:extLst>
-              </a:tr>
-              <a:tr h="370840">
-                <a:tc>
-                  <a:txBody>
-                    <a:bodyPr/>
-                    <a:lstStyle/>
-                    <a:p>
-                      <a:pPr marL="0" marR="0" lvl="0" indent="0" algn="l" defTabSz="914400" rtl="0" eaLnBrk="1" fontAlgn="auto" latinLnBrk="0" hangingPunct="1">
-                        <a:lnSpc>
-                          <a:spcPct val="100000"/>
-                        </a:lnSpc>
-                        <a:spcBef>
-                          <a:spcPts val="0"/>
-                        </a:spcBef>
-                        <a:spcAft>
-                          <a:spcPts val="0"/>
-                        </a:spcAft>
-                        <a:buClrTx/>
-                        <a:buSzTx/>
-                        <a:buFontTx/>
-                        <a:buNone/>
-                        <a:tabLst/>
-                        <a:defRPr/>
-                      </a:pPr>
-                      <a:r>
-                        <a:rPr lang="nl-NL" sz="1200" b="1" i="0" kern="1200" noProof="0" dirty="0">
-                          <a:solidFill>
-                            <a:schemeClr val="bg1"/>
-                          </a:solidFill>
-                          <a:latin typeface="+mn-lt"/>
-                          <a:ea typeface="+mn-ea"/>
-                          <a:cs typeface="+mn-cs"/>
-                        </a:rPr>
-                        <a:t>Categorie</a:t>
-                      </a:r>
-                    </a:p>
-                  </a:txBody>
-                  <a:tcPr anchor="ctr">
-                    <a:lnL w="12700" cmpd="sng">
-                      <a:noFill/>
-                    </a:lnL>
-                    <a:lnR w="12700" cmpd="sng">
-                      <a:noFill/>
-                    </a:lnR>
-                    <a:lnT w="12700" cmpd="sng">
-                      <a:noFill/>
-                    </a:lnT>
-                    <a:lnB w="12700" cmpd="sng">
-                      <a:noFill/>
-                    </a:lnB>
-                    <a:lnTlToBr w="12700" cmpd="sng">
-                      <a:noFill/>
-                      <a:prstDash val="solid"/>
-                    </a:lnTlToBr>
-                    <a:lnBlToTr w="12700" cmpd="sng">
-                      <a:noFill/>
-                      <a:prstDash val="solid"/>
-                    </a:lnBlToTr>
-                    <a:solidFill>
-                      <a:schemeClr val="tx2"/>
-                    </a:solidFill>
-                  </a:tcPr>
-                </a:tc>
-                <a:tc>
-                  <a:txBody>
-                    <a:bodyPr/>
-                    <a:lstStyle/>
-                    <a:p>
-                      <a:pPr marL="0" algn="r" defTabSz="914400" rtl="0" eaLnBrk="1" latinLnBrk="0" hangingPunct="1"/>
-                      <a:r>
-                        <a:rPr lang="nl-NL" sz="1400" i="0" kern="1200" noProof="0" dirty="0">
-                          <a:solidFill>
-                            <a:schemeClr val="tx1">
-                              <a:lumMod val="65000"/>
-                              <a:lumOff val="35000"/>
-                            </a:schemeClr>
-                          </a:solidFill>
-                          <a:latin typeface="+mn-lt"/>
-                          <a:ea typeface="+mn-ea"/>
-                          <a:cs typeface="+mn-cs"/>
-                        </a:rPr>
-                        <a:t>562.500</a:t>
-                      </a:r>
-                    </a:p>
-                  </a:txBody>
-                  <a:tcPr anchor="ctr">
-                    <a:lnL w="12700" cmpd="sng">
-                      <a:noFill/>
-                    </a:lnL>
-                    <a:lnR w="12700" cmpd="sng">
-                      <a:noFill/>
-                    </a:lnR>
-                    <a:lnT w="12700" cmpd="sng">
-                      <a:noFill/>
-                    </a:lnT>
-                    <a:lnB w="12700" cmpd="sng">
-                      <a:noFill/>
-                    </a:lnB>
-                    <a:lnTlToBr w="12700" cmpd="sng">
-                      <a:noFill/>
-                      <a:prstDash val="solid"/>
-                    </a:lnTlToBr>
-                    <a:lnBlToTr w="12700" cmpd="sng">
-                      <a:noFill/>
-                      <a:prstDash val="solid"/>
-                    </a:lnBlToTr>
-                    <a:solidFill>
-                      <a:schemeClr val="bg1"/>
-                    </a:solidFill>
-                  </a:tcPr>
-                </a:tc>
-                <a:tc>
-                  <a:txBody>
-                    <a:bodyPr/>
-                    <a:lstStyle/>
-                    <a:p>
-                      <a:pPr marL="0" algn="r" defTabSz="914400" rtl="0" eaLnBrk="1" latinLnBrk="0" hangingPunct="1"/>
-                      <a:r>
-                        <a:rPr lang="nl-NL" sz="1400" i="0" kern="1200" noProof="0" dirty="0">
-                          <a:solidFill>
-                            <a:schemeClr val="tx1">
-                              <a:lumMod val="65000"/>
-                              <a:lumOff val="35000"/>
-                            </a:schemeClr>
-                          </a:solidFill>
-                          <a:latin typeface="+mn-lt"/>
-                          <a:ea typeface="+mn-ea"/>
-                          <a:cs typeface="+mn-cs"/>
-                        </a:rPr>
-                        <a:t>2.400.000</a:t>
-                      </a:r>
-                    </a:p>
-                  </a:txBody>
-                  <a:tcPr anchor="ctr">
-                    <a:lnL w="12700" cmpd="sng">
-                      <a:noFill/>
-                    </a:lnL>
-                    <a:lnR w="12700" cmpd="sng">
-                      <a:noFill/>
-                    </a:lnR>
-                    <a:lnT w="12700" cmpd="sng">
-                      <a:noFill/>
-                    </a:lnT>
-                    <a:lnB w="12700" cmpd="sng">
-                      <a:noFill/>
-                    </a:lnB>
-                    <a:lnTlToBr w="12700" cmpd="sng">
-                      <a:noFill/>
-                      <a:prstDash val="solid"/>
-                    </a:lnTlToBr>
-                    <a:lnBlToTr w="12700" cmpd="sng">
-                      <a:noFill/>
-                      <a:prstDash val="solid"/>
-                    </a:lnBlToTr>
-                    <a:solidFill>
-                      <a:schemeClr val="bg1"/>
-                    </a:solidFill>
-                  </a:tcPr>
-                </a:tc>
-                <a:tc>
-                  <a:txBody>
-                    <a:bodyPr/>
-                    <a:lstStyle/>
-                    <a:p>
-                      <a:pPr marL="0" algn="r" defTabSz="914400" rtl="0" eaLnBrk="1" latinLnBrk="0" hangingPunct="1"/>
-                      <a:r>
-                        <a:rPr lang="nl-NL" sz="1400" i="0" kern="1200" noProof="0" dirty="0">
-                          <a:solidFill>
-                            <a:schemeClr val="tx1">
-                              <a:lumMod val="65000"/>
-                              <a:lumOff val="35000"/>
-                            </a:schemeClr>
-                          </a:solidFill>
-                          <a:latin typeface="+mn-lt"/>
-                          <a:ea typeface="+mn-ea"/>
-                          <a:cs typeface="+mn-cs"/>
-                        </a:rPr>
-                        <a:t>10.800.000</a:t>
-                      </a:r>
-                    </a:p>
-                  </a:txBody>
-                  <a:tcPr anchor="ctr">
-                    <a:lnL w="12700" cmpd="sng">
-                      <a:noFill/>
-                    </a:lnL>
-                    <a:lnR w="12700" cmpd="sng">
-                      <a:noFill/>
-                    </a:lnR>
-                    <a:lnT w="12700" cmpd="sng">
-                      <a:noFill/>
-                    </a:lnT>
-                    <a:lnB w="12700" cmpd="sng">
-                      <a:noFill/>
-                    </a:lnB>
-                    <a:lnTlToBr w="12700" cmpd="sng">
-                      <a:noFill/>
-                      <a:prstDash val="solid"/>
-                    </a:lnTlToBr>
-                    <a:lnBlToTr w="12700" cmpd="sng">
-                      <a:noFill/>
-                      <a:prstDash val="solid"/>
-                    </a:lnBlToTr>
-                    <a:solidFill>
-                      <a:schemeClr val="bg1"/>
-                    </a:solidFill>
-                  </a:tcPr>
-                </a:tc>
-                <a:extLst>
-                  <a:ext uri="{0D108BD9-81ED-4DB2-BD59-A6C34878D82A}">
-                    <a16:rowId xmlns:a16="http://schemas.microsoft.com/office/drawing/2014/main" val="3965178672"/>
-                  </a:ext>
-                </a:extLst>
-              </a:tr>
-              <a:tr h="370840">
-                <a:tc>
-                  <a:txBody>
-                    <a:bodyPr/>
-                    <a:lstStyle/>
-                    <a:p>
-                      <a:pPr marL="0" marR="0" lvl="0" indent="0" algn="l" defTabSz="914400" rtl="0" eaLnBrk="1" fontAlgn="auto" latinLnBrk="0" hangingPunct="1">
-                        <a:lnSpc>
-                          <a:spcPct val="100000"/>
-                        </a:lnSpc>
-                        <a:spcBef>
-                          <a:spcPts val="0"/>
-                        </a:spcBef>
-                        <a:spcAft>
-                          <a:spcPts val="0"/>
-                        </a:spcAft>
-                        <a:buClrTx/>
-                        <a:buSzTx/>
-                        <a:buFontTx/>
-                        <a:buNone/>
-                        <a:tabLst/>
-                        <a:defRPr/>
-                      </a:pPr>
-                      <a:r>
-                        <a:rPr lang="nl-NL" sz="1200" b="1" i="0" kern="1200" noProof="0" dirty="0">
-                          <a:solidFill>
-                            <a:schemeClr val="bg1"/>
-                          </a:solidFill>
-                          <a:latin typeface="+mn-lt"/>
-                          <a:ea typeface="+mn-ea"/>
-                          <a:cs typeface="+mn-cs"/>
-                        </a:rPr>
-                        <a:t>Categorie</a:t>
-                      </a:r>
-                    </a:p>
-                  </a:txBody>
-                  <a:tcPr anchor="ctr">
-                    <a:lnL w="12700" cmpd="sng">
-                      <a:noFill/>
-                    </a:lnL>
-                    <a:lnR w="12700" cmpd="sng">
-                      <a:noFill/>
-                    </a:lnR>
-                    <a:lnT w="12700" cmpd="sng">
-                      <a:noFill/>
-                    </a:lnT>
-                    <a:lnB w="12700" cmpd="sng">
-                      <a:noFill/>
-                    </a:lnB>
-                    <a:lnTlToBr w="12700" cmpd="sng">
-                      <a:noFill/>
-                      <a:prstDash val="solid"/>
-                    </a:lnTlToBr>
-                    <a:lnBlToTr w="12700" cmpd="sng">
-                      <a:noFill/>
-                      <a:prstDash val="solid"/>
-                    </a:lnBlToTr>
-                    <a:solidFill>
-                      <a:schemeClr val="accent4">
-                        <a:lumMod val="75000"/>
-                      </a:schemeClr>
-                    </a:solidFill>
-                  </a:tcPr>
-                </a:tc>
-                <a:tc>
-                  <a:txBody>
-                    <a:bodyPr/>
-                    <a:lstStyle/>
-                    <a:p>
-                      <a:pPr marL="0" algn="r" defTabSz="914400" rtl="0" eaLnBrk="1" latinLnBrk="0" hangingPunct="1"/>
-                      <a:r>
-                        <a:rPr lang="nl-NL" sz="1400" i="0" kern="1200" noProof="0" dirty="0">
-                          <a:solidFill>
-                            <a:schemeClr val="tx1">
-                              <a:lumMod val="65000"/>
-                              <a:lumOff val="35000"/>
-                            </a:schemeClr>
-                          </a:solidFill>
-                          <a:latin typeface="+mn-lt"/>
-                          <a:ea typeface="+mn-ea"/>
-                          <a:cs typeface="+mn-cs"/>
-                        </a:rPr>
-                        <a:t>281.250</a:t>
-                      </a:r>
-                    </a:p>
-                  </a:txBody>
-                  <a:tcPr anchor="ctr">
-                    <a:lnL w="12700" cmpd="sng">
-                      <a:noFill/>
-                    </a:lnL>
-                    <a:lnR w="12700" cmpd="sng">
-                      <a:noFill/>
-                    </a:lnR>
-                    <a:lnT w="12700" cmpd="sng">
-                      <a:noFill/>
-                    </a:lnT>
-                    <a:lnB w="12700" cmpd="sng">
-                      <a:noFill/>
-                    </a:lnB>
-                    <a:lnTlToBr w="12700" cmpd="sng">
-                      <a:noFill/>
-                      <a:prstDash val="solid"/>
-                    </a:lnTlToBr>
-                    <a:lnBlToTr w="12700" cmpd="sng">
-                      <a:noFill/>
-                      <a:prstDash val="solid"/>
-                    </a:lnBlToTr>
-                    <a:solidFill>
-                      <a:schemeClr val="accent4">
-                        <a:alpha val="10000"/>
-                      </a:schemeClr>
-                    </a:solidFill>
-                  </a:tcPr>
-                </a:tc>
-                <a:tc>
-                  <a:txBody>
-                    <a:bodyPr/>
-                    <a:lstStyle/>
-                    <a:p>
-                      <a:pPr marL="0" algn="r" defTabSz="914400" rtl="0" eaLnBrk="1" latinLnBrk="0" hangingPunct="1"/>
-                      <a:r>
-                        <a:rPr lang="nl-NL" sz="1400" i="0" kern="1200" noProof="0" dirty="0">
-                          <a:solidFill>
-                            <a:schemeClr val="tx1">
-                              <a:lumMod val="65000"/>
-                              <a:lumOff val="35000"/>
-                            </a:schemeClr>
-                          </a:solidFill>
-                          <a:latin typeface="+mn-lt"/>
-                          <a:ea typeface="+mn-ea"/>
-                          <a:cs typeface="+mn-cs"/>
-                        </a:rPr>
-                        <a:t>2.400.000</a:t>
-                      </a:r>
-                    </a:p>
-                  </a:txBody>
-                  <a:tcPr anchor="ctr">
-                    <a:lnL w="12700" cmpd="sng">
-                      <a:noFill/>
-                    </a:lnL>
-                    <a:lnR w="12700" cmpd="sng">
-                      <a:noFill/>
-                    </a:lnR>
-                    <a:lnT w="12700" cmpd="sng">
-                      <a:noFill/>
-                    </a:lnT>
-                    <a:lnB w="12700" cmpd="sng">
-                      <a:noFill/>
-                    </a:lnB>
-                    <a:lnTlToBr w="12700" cmpd="sng">
-                      <a:noFill/>
-                      <a:prstDash val="solid"/>
-                    </a:lnTlToBr>
-                    <a:lnBlToTr w="12700" cmpd="sng">
-                      <a:noFill/>
-                      <a:prstDash val="solid"/>
-                    </a:lnBlToTr>
-                    <a:solidFill>
-                      <a:schemeClr val="accent4">
-                        <a:alpha val="10000"/>
-                      </a:schemeClr>
-                    </a:solidFill>
-                  </a:tcPr>
-                </a:tc>
-                <a:tc>
-                  <a:txBody>
-                    <a:bodyPr/>
-                    <a:lstStyle/>
-                    <a:p>
-                      <a:pPr marL="0" algn="r" defTabSz="914400" rtl="0" eaLnBrk="1" latinLnBrk="0" hangingPunct="1"/>
-                      <a:r>
-                        <a:rPr lang="nl-NL" sz="1400" i="0" kern="1200" noProof="0" dirty="0">
-                          <a:solidFill>
-                            <a:schemeClr val="tx1">
-                              <a:lumMod val="65000"/>
-                              <a:lumOff val="35000"/>
-                            </a:schemeClr>
-                          </a:solidFill>
-                          <a:latin typeface="+mn-lt"/>
-                          <a:ea typeface="+mn-ea"/>
-                          <a:cs typeface="+mn-cs"/>
-                        </a:rPr>
-                        <a:t>4.320.000</a:t>
-                      </a:r>
-                    </a:p>
-                  </a:txBody>
-                  <a:tcPr anchor="ctr">
-                    <a:lnL w="12700" cmpd="sng">
-                      <a:noFill/>
-                    </a:lnL>
-                    <a:lnR w="12700" cmpd="sng">
-                      <a:noFill/>
-                    </a:lnR>
-                    <a:lnT w="12700" cmpd="sng">
-                      <a:noFill/>
-                    </a:lnT>
-                    <a:lnB w="12700" cmpd="sng">
-                      <a:noFill/>
-                    </a:lnB>
-                    <a:lnTlToBr w="12700" cmpd="sng">
-                      <a:noFill/>
-                      <a:prstDash val="solid"/>
-                    </a:lnTlToBr>
-                    <a:lnBlToTr w="12700" cmpd="sng">
-                      <a:noFill/>
-                      <a:prstDash val="solid"/>
-                    </a:lnBlToTr>
-                    <a:solidFill>
-                      <a:schemeClr val="accent4">
-                        <a:alpha val="10000"/>
-                      </a:schemeClr>
-                    </a:solidFill>
-                  </a:tcPr>
-                </a:tc>
-                <a:extLst>
-                  <a:ext uri="{0D108BD9-81ED-4DB2-BD59-A6C34878D82A}">
-                    <a16:rowId xmlns:a16="http://schemas.microsoft.com/office/drawing/2014/main" val="225878935"/>
-                  </a:ext>
-                </a:extLst>
-              </a:tr>
-              <a:tr h="370840">
-                <a:tc>
-                  <a:txBody>
-                    <a:bodyPr/>
-                    <a:lstStyle/>
-                    <a:p>
-                      <a:pPr marL="0" marR="0" lvl="0" indent="0" algn="l" defTabSz="914400" rtl="0" eaLnBrk="1" fontAlgn="auto" latinLnBrk="0" hangingPunct="1">
-                        <a:lnSpc>
-                          <a:spcPct val="100000"/>
-                        </a:lnSpc>
-                        <a:spcBef>
-                          <a:spcPts val="0"/>
-                        </a:spcBef>
-                        <a:spcAft>
-                          <a:spcPts val="0"/>
-                        </a:spcAft>
-                        <a:buClrTx/>
-                        <a:buSzTx/>
-                        <a:buFontTx/>
-                        <a:buNone/>
-                        <a:tabLst/>
-                        <a:defRPr/>
-                      </a:pPr>
-                      <a:r>
-                        <a:rPr lang="nl-NL" sz="1200" b="1" i="0" kern="1200" noProof="0" dirty="0">
-                          <a:solidFill>
-                            <a:schemeClr val="bg1"/>
-                          </a:solidFill>
-                          <a:latin typeface="+mn-lt"/>
-                          <a:ea typeface="+mn-ea"/>
-                          <a:cs typeface="+mn-cs"/>
-                        </a:rPr>
-                        <a:t>Categorie</a:t>
-                      </a:r>
-                    </a:p>
-                  </a:txBody>
-                  <a:tcPr anchor="ctr">
-                    <a:lnL w="12700" cmpd="sng">
-                      <a:noFill/>
-                    </a:lnL>
-                    <a:lnR w="12700" cmpd="sng">
-                      <a:noFill/>
-                    </a:lnR>
-                    <a:lnT w="12700" cmpd="sng">
-                      <a:noFill/>
-                    </a:lnT>
-                    <a:lnB w="12700" cmpd="sng">
-                      <a:noFill/>
-                    </a:lnB>
-                    <a:lnTlToBr w="12700" cmpd="sng">
-                      <a:noFill/>
-                      <a:prstDash val="solid"/>
-                    </a:lnTlToBr>
-                    <a:lnBlToTr w="12700" cmpd="sng">
-                      <a:noFill/>
-                      <a:prstDash val="solid"/>
-                    </a:lnBlToTr>
-                    <a:solidFill>
-                      <a:schemeClr val="tx2"/>
-                    </a:solidFill>
-                  </a:tcPr>
-                </a:tc>
-                <a:tc>
-                  <a:txBody>
-                    <a:bodyPr/>
-                    <a:lstStyle/>
-                    <a:p>
-                      <a:pPr marL="0" algn="r" defTabSz="914400" rtl="0" eaLnBrk="1" latinLnBrk="0" hangingPunct="1"/>
-                      <a:r>
-                        <a:rPr lang="nl-NL" sz="1400" i="0" kern="1200" noProof="0" dirty="0">
-                          <a:solidFill>
-                            <a:schemeClr val="tx1">
-                              <a:lumMod val="65000"/>
-                              <a:lumOff val="35000"/>
-                            </a:schemeClr>
-                          </a:solidFill>
-                          <a:latin typeface="+mn-lt"/>
-                          <a:ea typeface="+mn-ea"/>
-                          <a:cs typeface="+mn-cs"/>
-                        </a:rPr>
-                        <a:t>7.593.750</a:t>
-                      </a:r>
-                    </a:p>
-                  </a:txBody>
-                  <a:tcPr anchor="ctr">
-                    <a:lnL w="12700" cmpd="sng">
-                      <a:noFill/>
-                    </a:lnL>
-                    <a:lnR w="12700" cmpd="sng">
-                      <a:noFill/>
-                    </a:lnR>
-                    <a:lnT w="12700" cmpd="sng">
-                      <a:noFill/>
-                    </a:lnT>
-                    <a:lnB w="12700" cmpd="sng">
-                      <a:noFill/>
-                    </a:lnB>
-                    <a:lnTlToBr w="12700" cmpd="sng">
-                      <a:noFill/>
-                      <a:prstDash val="solid"/>
-                    </a:lnTlToBr>
-                    <a:lnBlToTr w="12700" cmpd="sng">
-                      <a:noFill/>
-                      <a:prstDash val="solid"/>
-                    </a:lnBlToTr>
-                    <a:solidFill>
-                      <a:schemeClr val="bg1"/>
-                    </a:solidFill>
-                  </a:tcPr>
-                </a:tc>
-                <a:tc>
-                  <a:txBody>
-                    <a:bodyPr/>
-                    <a:lstStyle/>
-                    <a:p>
-                      <a:pPr marL="0" algn="r" defTabSz="914400" rtl="0" eaLnBrk="1" latinLnBrk="0" hangingPunct="1"/>
-                      <a:r>
-                        <a:rPr lang="nl-NL" sz="1400" i="0" kern="1200" noProof="0" dirty="0">
-                          <a:solidFill>
-                            <a:schemeClr val="tx1">
-                              <a:lumMod val="65000"/>
-                              <a:lumOff val="35000"/>
-                            </a:schemeClr>
-                          </a:solidFill>
-                          <a:latin typeface="+mn-lt"/>
-                          <a:ea typeface="+mn-ea"/>
-                          <a:cs typeface="+mn-cs"/>
-                        </a:rPr>
-                        <a:t>52.800.000</a:t>
-                      </a:r>
-                    </a:p>
-                  </a:txBody>
-                  <a:tcPr anchor="ctr">
-                    <a:lnL w="12700" cmpd="sng">
-                      <a:noFill/>
-                    </a:lnL>
-                    <a:lnR w="12700" cmpd="sng">
-                      <a:noFill/>
-                    </a:lnR>
-                    <a:lnT w="12700" cmpd="sng">
-                      <a:noFill/>
-                    </a:lnT>
-                    <a:lnB w="12700" cmpd="sng">
-                      <a:noFill/>
-                    </a:lnB>
-                    <a:lnTlToBr w="12700" cmpd="sng">
-                      <a:noFill/>
-                      <a:prstDash val="solid"/>
-                    </a:lnTlToBr>
-                    <a:lnBlToTr w="12700" cmpd="sng">
-                      <a:noFill/>
-                      <a:prstDash val="solid"/>
-                    </a:lnBlToTr>
-                    <a:solidFill>
-                      <a:schemeClr val="bg1"/>
-                    </a:solidFill>
-                  </a:tcPr>
-                </a:tc>
-                <a:tc>
-                  <a:txBody>
-                    <a:bodyPr/>
-                    <a:lstStyle/>
-                    <a:p>
-                      <a:pPr marL="0" algn="r" defTabSz="914400" rtl="0" eaLnBrk="1" latinLnBrk="0" hangingPunct="1"/>
-                      <a:r>
-                        <a:rPr lang="nl-NL" sz="1400" i="0" kern="1200" noProof="0" dirty="0">
-                          <a:solidFill>
-                            <a:schemeClr val="tx1">
-                              <a:lumMod val="65000"/>
-                              <a:lumOff val="35000"/>
-                            </a:schemeClr>
-                          </a:solidFill>
-                          <a:latin typeface="+mn-lt"/>
-                          <a:ea typeface="+mn-ea"/>
-                          <a:cs typeface="+mn-cs"/>
-                        </a:rPr>
-                        <a:t>187.920.000</a:t>
-                      </a:r>
-                    </a:p>
-                  </a:txBody>
-                  <a:tcPr anchor="ctr">
-                    <a:lnL w="12700" cmpd="sng">
-                      <a:noFill/>
-                    </a:lnL>
-                    <a:lnR w="12700" cmpd="sng">
-                      <a:noFill/>
-                    </a:lnR>
-                    <a:lnT w="12700" cmpd="sng">
-                      <a:noFill/>
-                    </a:lnT>
-                    <a:lnB w="12700" cmpd="sng">
-                      <a:noFill/>
-                    </a:lnB>
-                    <a:lnTlToBr w="12700" cmpd="sng">
-                      <a:noFill/>
-                      <a:prstDash val="solid"/>
-                    </a:lnTlToBr>
-                    <a:lnBlToTr w="12700" cmpd="sng">
-                      <a:noFill/>
-                      <a:prstDash val="solid"/>
-                    </a:lnBlToTr>
-                    <a:solidFill>
-                      <a:schemeClr val="bg1"/>
-                    </a:solidFill>
-                  </a:tcPr>
-                </a:tc>
-                <a:extLst>
-                  <a:ext uri="{0D108BD9-81ED-4DB2-BD59-A6C34878D82A}">
-                    <a16:rowId xmlns:a16="http://schemas.microsoft.com/office/drawing/2014/main" val="3587294082"/>
-                  </a:ext>
-                </a:extLst>
-              </a:tr>
-            </a:tbl>
-          </a:graphicData>
-        </a:graphic>
-      </p:graphicFrame>
-      <p:sp>
-        <p:nvSpPr>
-          <p:cNvPr id="3" name="Tijdelijke aanduiding voor voettekst 2">
-            <a:extLst>
-              <a:ext uri="{FF2B5EF4-FFF2-40B4-BE49-F238E27FC236}">
-                <a16:creationId xmlns:a16="http://schemas.microsoft.com/office/drawing/2014/main" id="{50ADED37-21C3-4250-BD9E-659F018A7978}"/>
-              </a:ext>
-            </a:extLst>
-          </p:cNvPr>
-          <p:cNvSpPr>
-            <a:spLocks noGrp="1"/>
-          </p:cNvSpPr>
-          <p:nvPr>
-            <p:ph type="ftr" sz="quarter" idx="11"/>
-          </p:nvPr>
-        </p:nvSpPr>
-        <p:spPr/>
-        <p:txBody>
-          <a:bodyPr rtlCol="0"/>
-          <a:lstStyle/>
-          <a:p>
-            <a:pPr rtl="0"/>
-            <a:r>
-              <a:rPr lang="nl-NL" dirty="0"/>
-              <a:t>EEN VOETTEKST TOEVOEGEN</a:t>
-            </a:r>
-          </a:p>
-        </p:txBody>
-      </p:sp>
-      <p:sp>
-        <p:nvSpPr>
-          <p:cNvPr id="4" name="Tijdelijke aanduiding voor dianummer 3">
-            <a:extLst>
-              <a:ext uri="{FF2B5EF4-FFF2-40B4-BE49-F238E27FC236}">
-                <a16:creationId xmlns:a16="http://schemas.microsoft.com/office/drawing/2014/main" id="{FD6DFB08-8A98-4B84-945E-34868D1EC0C6}"/>
-              </a:ext>
-            </a:extLst>
-          </p:cNvPr>
-          <p:cNvSpPr>
-            <a:spLocks noGrp="1"/>
-          </p:cNvSpPr>
-          <p:nvPr>
-            <p:ph type="sldNum" sz="quarter" idx="12"/>
-          </p:nvPr>
-        </p:nvSpPr>
-        <p:spPr/>
-        <p:txBody>
-          <a:bodyPr rtlCol="0"/>
-          <a:lstStyle/>
-          <a:p>
-            <a:pPr rtl="0"/>
-            <a:fld id="{D495E168-DA5E-4888-8D8A-92B118324C14}" type="slidenum">
-              <a:rPr lang="nl-NL" smtClean="0"/>
-              <a:t>8</a:t>
-            </a:fld>
-            <a:endParaRPr lang="nl-NL" dirty="0"/>
-          </a:p>
-        </p:txBody>
-      </p:sp>
-    </p:spTree>
-    <p:extLst>
-      <p:ext uri="{BB962C8B-B14F-4D97-AF65-F5344CB8AC3E}">
-        <p14:creationId xmlns:p14="http://schemas.microsoft.com/office/powerpoint/2010/main" val="2113840733"/>
-      </p:ext>
-    </p:extLst>
-  </p:cSld>
-  <p:clrMapOvr>
-    <a:masterClrMapping/>
-  </p:clrMapOvr>
-</p:sld>
-</file>
-
-<file path=ppt/slides/slide9.xml><?xml version="1.0" encoding="utf-8"?>
-<p:sld xmlns:a="http://schemas.openxmlformats.org/drawingml/2006/main" xmlns:r="http://schemas.openxmlformats.org/officeDocument/2006/relationships" xmlns:p="http://schemas.openxmlformats.org/presentationml/2006/main">
-  <p:cSld>
-    <p:spTree>
-      <p:nvGrpSpPr>
-        <p:cNvPr id="1" name=""/>
-        <p:cNvGrpSpPr/>
-        <p:nvPr/>
-      </p:nvGrpSpPr>
-      <p:grpSpPr>
-        <a:xfrm>
-          <a:off x="0" y="0"/>
-          <a:ext cx="0" cy="0"/>
-          <a:chOff x="0" y="0"/>
-          <a:chExt cx="0" cy="0"/>
-        </a:xfrm>
-      </p:grpSpPr>
-      <p:pic>
-        <p:nvPicPr>
-          <p:cNvPr id="19" name="Tijdelijke aanduiding voor afbeelding 18">
-            <a:extLst>
-              <a:ext uri="{FF2B5EF4-FFF2-40B4-BE49-F238E27FC236}">
-                <a16:creationId xmlns:a16="http://schemas.microsoft.com/office/drawing/2014/main" id="{74ED1216-A221-4C9B-B39B-71A3E4D9E409}"/>
-              </a:ext>
-            </a:extLst>
-          </p:cNvPr>
-          <p:cNvPicPr>
-            <a:picLocks noGrp="1" noChangeAspect="1"/>
-          </p:cNvPicPr>
-          <p:nvPr>
-            <p:ph type="pic" sz="quarter" idx="17"/>
-          </p:nvPr>
-        </p:nvPicPr>
-        <p:blipFill>
-          <a:blip r:embed="rId3"/>
-          <a:stretch>
-            <a:fillRect/>
-          </a:stretch>
-        </p:blipFill>
-        <p:spPr>
-          <a:xfrm>
-            <a:off x="0" y="1"/>
-            <a:ext cx="12192000" cy="5569499"/>
-          </a:xfrm>
-        </p:spPr>
-      </p:pic>
-      <p:sp>
-        <p:nvSpPr>
-          <p:cNvPr id="2" name="Titel 1">
-            <a:extLst>
-              <a:ext uri="{FF2B5EF4-FFF2-40B4-BE49-F238E27FC236}">
-                <a16:creationId xmlns:a16="http://schemas.microsoft.com/office/drawing/2014/main" id="{7DDD1C66-8B88-4FDA-AFA7-4549E31005F8}"/>
-              </a:ext>
-            </a:extLst>
-          </p:cNvPr>
-          <p:cNvSpPr>
-            <a:spLocks noGrp="1"/>
-          </p:cNvSpPr>
-          <p:nvPr>
-            <p:ph type="title"/>
-          </p:nvPr>
-        </p:nvSpPr>
-        <p:spPr/>
-        <p:txBody>
-          <a:bodyPr rtlCol="0"/>
-          <a:lstStyle/>
-          <a:p>
-            <a:pPr rtl="0"/>
-            <a:r>
-              <a:rPr lang="nl-NL" dirty="0"/>
-              <a:t>GROTE AFBEELDING</a:t>
-            </a:r>
-          </a:p>
-        </p:txBody>
-      </p:sp>
-      <p:sp>
-        <p:nvSpPr>
-          <p:cNvPr id="5" name="Tijdelijke aanduiding voor tekst 4">
-            <a:extLst>
-              <a:ext uri="{FF2B5EF4-FFF2-40B4-BE49-F238E27FC236}">
-                <a16:creationId xmlns:a16="http://schemas.microsoft.com/office/drawing/2014/main" id="{53BA5B48-F9FF-45FC-A3F7-5CEF9A012980}"/>
-              </a:ext>
-            </a:extLst>
-          </p:cNvPr>
-          <p:cNvSpPr>
-            <a:spLocks noGrp="1"/>
-          </p:cNvSpPr>
-          <p:nvPr>
-            <p:ph type="body" sz="quarter" idx="16"/>
-          </p:nvPr>
-        </p:nvSpPr>
-        <p:spPr/>
-        <p:txBody>
-          <a:bodyPr rtlCol="0"/>
-          <a:lstStyle/>
-          <a:p>
-            <a:pPr rtl="0"/>
-            <a:r>
-              <a:rPr lang="nl-NL" dirty="0" err="1"/>
-              <a:t>Lorem</a:t>
-            </a:r>
-            <a:r>
-              <a:rPr lang="nl-NL" dirty="0"/>
-              <a:t> </a:t>
-            </a:r>
-            <a:r>
-              <a:rPr lang="nl-NL" dirty="0" err="1"/>
-              <a:t>ipsum</a:t>
-            </a:r>
-            <a:r>
-              <a:rPr lang="nl-NL" dirty="0"/>
-              <a:t> </a:t>
-            </a:r>
-            <a:r>
-              <a:rPr lang="nl-NL" dirty="0" err="1"/>
-              <a:t>dolor</a:t>
-            </a:r>
-            <a:r>
-              <a:rPr lang="nl-NL" dirty="0"/>
-              <a:t> </a:t>
-            </a:r>
-            <a:r>
-              <a:rPr lang="nl-NL" dirty="0" err="1"/>
-              <a:t>sit</a:t>
-            </a:r>
-            <a:r>
-              <a:rPr lang="nl-NL" dirty="0"/>
-              <a:t> </a:t>
-            </a:r>
-            <a:r>
-              <a:rPr lang="nl-NL" dirty="0" err="1"/>
-              <a:t>amet</a:t>
-            </a:r>
-            <a:r>
-              <a:rPr lang="nl-NL" dirty="0"/>
-              <a:t>, </a:t>
-            </a:r>
-            <a:r>
-              <a:rPr lang="nl-NL" dirty="0" err="1"/>
-              <a:t>consectetuer</a:t>
-            </a:r>
-            <a:r>
-              <a:rPr lang="nl-NL" dirty="0"/>
-              <a:t> </a:t>
-            </a:r>
-            <a:r>
-              <a:rPr lang="nl-NL" dirty="0" err="1"/>
-              <a:t>adipiscing</a:t>
-            </a:r>
-            <a:r>
-              <a:rPr lang="nl-NL" dirty="0"/>
-              <a:t> </a:t>
-            </a:r>
-            <a:r>
-              <a:rPr lang="nl-NL" dirty="0" err="1"/>
-              <a:t>elit</a:t>
-            </a:r>
-            <a:r>
-              <a:rPr lang="nl-NL" dirty="0"/>
-              <a:t>. </a:t>
-            </a:r>
-            <a:r>
-              <a:rPr lang="nl-NL" dirty="0" err="1"/>
-              <a:t>Maecenas</a:t>
-            </a:r>
-            <a:r>
-              <a:rPr lang="nl-NL" dirty="0"/>
-              <a:t> </a:t>
-            </a:r>
-            <a:r>
-              <a:rPr lang="nl-NL" dirty="0" err="1"/>
-              <a:t>porttitor</a:t>
-            </a:r>
-            <a:r>
-              <a:rPr lang="nl-NL" dirty="0"/>
-              <a:t> </a:t>
-            </a:r>
-            <a:r>
-              <a:rPr lang="nl-NL" dirty="0" err="1"/>
-              <a:t>congue</a:t>
-            </a:r>
-            <a:r>
-              <a:rPr lang="nl-NL" dirty="0"/>
-              <a:t> massa</a:t>
-            </a:r>
-          </a:p>
-        </p:txBody>
-      </p:sp>
-      <p:sp>
-        <p:nvSpPr>
-          <p:cNvPr id="3" name="Tijdelijke aanduiding voor voettekst 2">
-            <a:extLst>
-              <a:ext uri="{FF2B5EF4-FFF2-40B4-BE49-F238E27FC236}">
-                <a16:creationId xmlns:a16="http://schemas.microsoft.com/office/drawing/2014/main" id="{AEDF80CF-7487-45BD-99FF-6CB18AC1C2E1}"/>
-              </a:ext>
-            </a:extLst>
-          </p:cNvPr>
-          <p:cNvSpPr>
-            <a:spLocks noGrp="1"/>
-          </p:cNvSpPr>
-          <p:nvPr>
-            <p:ph type="ftr" sz="quarter" idx="11"/>
-          </p:nvPr>
-        </p:nvSpPr>
-        <p:spPr/>
-        <p:txBody>
-          <a:bodyPr rtlCol="0"/>
-          <a:lstStyle/>
-          <a:p>
-            <a:pPr rtl="0"/>
-            <a:r>
-              <a:rPr lang="nl-NL" dirty="0"/>
-              <a:t>EEN VOETTEKST TOEVOEGEN</a:t>
-            </a:r>
-          </a:p>
-        </p:txBody>
-      </p:sp>
-      <p:sp>
-        <p:nvSpPr>
-          <p:cNvPr id="4" name="Tijdelijke aanduiding voor dianummer 3">
-            <a:extLst>
-              <a:ext uri="{FF2B5EF4-FFF2-40B4-BE49-F238E27FC236}">
-                <a16:creationId xmlns:a16="http://schemas.microsoft.com/office/drawing/2014/main" id="{CDDE29B3-D5FF-478A-848A-934E75A49FD3}"/>
-              </a:ext>
-            </a:extLst>
-          </p:cNvPr>
-          <p:cNvSpPr>
-            <a:spLocks noGrp="1"/>
-          </p:cNvSpPr>
-          <p:nvPr>
-            <p:ph type="sldNum" sz="quarter" idx="12"/>
-          </p:nvPr>
-        </p:nvSpPr>
-        <p:spPr/>
-        <p:txBody>
-          <a:bodyPr rtlCol="0"/>
-          <a:lstStyle/>
-          <a:p>
-            <a:pPr rtl="0"/>
-            <a:fld id="{D495E168-DA5E-4888-8D8A-92B118324C14}" type="slidenum">
-              <a:rPr lang="nl-NL" smtClean="0"/>
-              <a:pPr rtl="0"/>
-              <a:t>9</a:t>
-            </a:fld>
-            <a:endParaRPr lang="nl-NL" dirty="0"/>
-          </a:p>
-        </p:txBody>
-      </p:sp>
-    </p:spTree>
-    <p:extLst>
-      <p:ext uri="{BB962C8B-B14F-4D97-AF65-F5344CB8AC3E}">
-        <p14:creationId xmlns:p14="http://schemas.microsoft.com/office/powerpoint/2010/main" val="1935360244"/>
       </p:ext>
     </p:extLst>
   </p:cSld>
@@ -38734,24 +33461,6 @@
 </file>
 
 <file path=customXml/item1.xml><?xml version="1.0" encoding="utf-8"?>
-<?mso-contentType ?>
-<FormTemplates xmlns="http://schemas.microsoft.com/sharepoint/v3/contenttype/forms">
-  <Display>DocumentLibraryForm</Display>
-  <Edit>DocumentLibraryForm</Edit>
-  <New>DocumentLibraryForm</New>
-</FormTemplates>
-</file>
-
-<file path=customXml/item2.xml><?xml version="1.0" encoding="utf-8"?>
-<p:properties xmlns:p="http://schemas.microsoft.com/office/2006/metadata/properties" xmlns:xsi="http://www.w3.org/2001/XMLSchema-instance" xmlns:pc="http://schemas.microsoft.com/office/infopath/2007/PartnerControls">
-  <documentManagement>
-    <_ip_UnifiedCompliancePolicyUIAction xmlns="http://schemas.microsoft.com/sharepoint/v3" xsi:nil="true"/>
-    <_ip_UnifiedCompliancePolicyProperties xmlns="http://schemas.microsoft.com/sharepoint/v3" xsi:nil="true"/>
-  </documentManagement>
-</p:properties>
-</file>
-
-<file path=customXml/item3.xml><?xml version="1.0" encoding="utf-8"?>
 <ct:contentTypeSchema xmlns:ct="http://schemas.microsoft.com/office/2006/metadata/contentType" xmlns:ma="http://schemas.microsoft.com/office/2006/metadata/properties/metaAttributes" ct:_="" ma:_="" ma:contentTypeName="Document" ma:contentTypeID="0x010100DEEA25CC0A0AC24199CDC46C25B8B0BC" ma:contentTypeVersion="10" ma:contentTypeDescription="Create a new document." ma:contentTypeScope="" ma:versionID="e3b47856d4cf355c0dacb39e1084d14f">
   <xsd:schema xmlns:xsd="http://www.w3.org/2001/XMLSchema" xmlns:xs="http://www.w3.org/2001/XMLSchema" xmlns:p="http://schemas.microsoft.com/office/2006/metadata/properties" xmlns:ns1="http://schemas.microsoft.com/sharepoint/v3" xmlns:ns2="6dc4bcd6-49db-4c07-9060-8acfc67cef9f" xmlns:ns3="fb0879af-3eba-417a-a55a-ffe6dcd6ca77" targetNamespace="http://schemas.microsoft.com/office/2006/metadata/properties" ma:root="true" ma:fieldsID="a845a615265fdb1f7b12cc65ac20ecbd" ns1:_="" ns2:_="" ns3:_="">
     <xsd:import namespace="http://schemas.microsoft.com/sharepoint/v3"/>
@@ -38959,25 +33668,25 @@
 </ct:contentTypeSchema>
 </file>
 
-<file path=customXml/itemProps1.xml><?xml version="1.0" encoding="utf-8"?>
-<ds:datastoreItem xmlns:ds="http://schemas.openxmlformats.org/officeDocument/2006/customXml" ds:itemID="{750F309C-DE10-4641-9043-BB7E781AC404}">
-  <ds:schemaRefs>
-    <ds:schemaRef ds:uri="http://schemas.microsoft.com/sharepoint/v3/contenttype/forms"/>
-  </ds:schemaRefs>
-</ds:datastoreItem>
+<file path=customXml/item2.xml><?xml version="1.0" encoding="utf-8"?>
+<p:properties xmlns:p="http://schemas.microsoft.com/office/2006/metadata/properties" xmlns:xsi="http://www.w3.org/2001/XMLSchema-instance" xmlns:pc="http://schemas.microsoft.com/office/infopath/2007/PartnerControls">
+  <documentManagement>
+    <_ip_UnifiedCompliancePolicyUIAction xmlns="http://schemas.microsoft.com/sharepoint/v3" xsi:nil="true"/>
+    <_ip_UnifiedCompliancePolicyProperties xmlns="http://schemas.microsoft.com/sharepoint/v3" xsi:nil="true"/>
+  </documentManagement>
+</p:properties>
 </file>
 
-<file path=customXml/itemProps2.xml><?xml version="1.0" encoding="utf-8"?>
-<ds:datastoreItem xmlns:ds="http://schemas.openxmlformats.org/officeDocument/2006/customXml" ds:itemID="{12024DF7-0783-4549-86B7-A48B29FBA9C2}">
-  <ds:schemaRefs>
-    <ds:schemaRef ds:uri="http://schemas.microsoft.com/office/2006/metadata/properties"/>
-    <ds:schemaRef ds:uri="http://schemas.microsoft.com/office/infopath/2007/PartnerControls"/>
-    <ds:schemaRef ds:uri="http://schemas.microsoft.com/sharepoint/v3"/>
-  </ds:schemaRefs>
-</ds:datastoreItem>
+<file path=customXml/item3.xml><?xml version="1.0" encoding="utf-8"?>
+<?mso-contentType ?>
+<FormTemplates xmlns="http://schemas.microsoft.com/sharepoint/v3/contenttype/forms">
+  <Display>DocumentLibraryForm</Display>
+  <Edit>DocumentLibraryForm</Edit>
+  <New>DocumentLibraryForm</New>
+</FormTemplates>
 </file>
 
-<file path=customXml/itemProps3.xml><?xml version="1.0" encoding="utf-8"?>
+<file path=customXml/itemProps1.xml><?xml version="1.0" encoding="utf-8"?>
 <ds:datastoreItem xmlns:ds="http://schemas.openxmlformats.org/officeDocument/2006/customXml" ds:itemID="{A6393BED-762D-4FA3-96CF-866F426A043C}">
   <ds:schemaRefs>
     <ds:schemaRef ds:uri="http://schemas.microsoft.com/office/2006/metadata/contentType"/>
@@ -38995,4 +33704,30 @@
     <ds:schemaRef ds:uri="http://schemas.microsoft.com/internal/obd"/>
   </ds:schemaRefs>
 </ds:datastoreItem>
+</file>
+
+<file path=customXml/itemProps2.xml><?xml version="1.0" encoding="utf-8"?>
+<ds:datastoreItem xmlns:ds="http://schemas.openxmlformats.org/officeDocument/2006/customXml" ds:itemID="{12024DF7-0783-4549-86B7-A48B29FBA9C2}">
+  <ds:schemaRefs>
+    <ds:schemaRef ds:uri="http://schemas.microsoft.com/sharepoint/v3"/>
+    <ds:schemaRef ds:uri="http://purl.org/dc/terms/"/>
+    <ds:schemaRef ds:uri="http://schemas.microsoft.com/office/2006/documentManagement/types"/>
+    <ds:schemaRef ds:uri="6dc4bcd6-49db-4c07-9060-8acfc67cef9f"/>
+    <ds:schemaRef ds:uri="http://purl.org/dc/dcmitype/"/>
+    <ds:schemaRef ds:uri="http://schemas.microsoft.com/office/infopath/2007/PartnerControls"/>
+    <ds:schemaRef ds:uri="fb0879af-3eba-417a-a55a-ffe6dcd6ca77"/>
+    <ds:schemaRef ds:uri="http://purl.org/dc/elements/1.1/"/>
+    <ds:schemaRef ds:uri="http://schemas.microsoft.com/office/2006/metadata/properties"/>
+    <ds:schemaRef ds:uri="http://schemas.openxmlformats.org/package/2006/metadata/core-properties"/>
+    <ds:schemaRef ds:uri="http://www.w3.org/XML/1998/namespace"/>
+  </ds:schemaRefs>
+</ds:datastoreItem>
+</file>
+
+<file path=customXml/itemProps3.xml><?xml version="1.0" encoding="utf-8"?>
+<ds:datastoreItem xmlns:ds="http://schemas.openxmlformats.org/officeDocument/2006/customXml" ds:itemID="{750F309C-DE10-4641-9043-BB7E781AC404}">
+  <ds:schemaRefs>
+    <ds:schemaRef ds:uri="http://schemas.microsoft.com/sharepoint/v3/contenttype/forms"/>
+  </ds:schemaRefs>
+</ds:datastoreItem>
 </file>